--- a/static/repo/akek/courses/ekonomi/Ekonomi - Hafta 10 (Kara).pptx
+++ b/static/repo/akek/courses/ekonomi/Ekonomi - Hafta 10 (Kara).pptx
@@ -284,7 +284,7 @@
             <a:fld id="{6BFE0501-E253-467A-B081-810B1B5DA4E1}" type="datetimeFigureOut">
               <a:rPr lang="en-US" smtClean="0"/>
               <a:pPr/>
-              <a:t>6/3/20</a:t>
+              <a:t>1/8/21</a:t>
             </a:fld>
             <a:endParaRPr lang="en-US" dirty="0"/>
           </a:p>
@@ -776,7 +776,7 @@
           </a:ln>
           <a:extLst>
             <a:ext uri="{909E8E84-426E-40dd-AFC4-6F175D3DCCD1}">
-              <a14:hiddenFill xmlns="" xmlns:a14="http://schemas.microsoft.com/office/drawing/2010/main">
+              <a14:hiddenFill xmlns:a14="http://schemas.microsoft.com/office/drawing/2010/main" xmlns="">
                 <a:solidFill>
                   <a:srgbClr val="FFFFFF"/>
                 </a:solidFill>
@@ -799,14 +799,14 @@
           <a:noFill/>
           <a:extLst>
             <a:ext uri="{909E8E84-426E-40dd-AFC4-6F175D3DCCD1}">
-              <a14:hiddenFill xmlns="" xmlns:a14="http://schemas.microsoft.com/office/drawing/2010/main">
+              <a14:hiddenFill xmlns:a14="http://schemas.microsoft.com/office/drawing/2010/main" xmlns="">
                 <a:solidFill>
                   <a:srgbClr val="FFFFFF"/>
                 </a:solidFill>
               </a14:hiddenFill>
             </a:ext>
             <a:ext uri="{91240B29-F687-4f45-9708-019B960494DF}">
-              <a14:hiddenLine xmlns="" xmlns:a14="http://schemas.microsoft.com/office/drawing/2010/main" w="9525">
+              <a14:hiddenLine xmlns:a14="http://schemas.microsoft.com/office/drawing/2010/main" xmlns="" w="9525">
                 <a:solidFill>
                   <a:srgbClr val="000000"/>
                 </a:solidFill>
@@ -966,7 +966,7 @@
           </a:ln>
           <a:extLst>
             <a:ext uri="{909E8E84-426E-40dd-AFC4-6F175D3DCCD1}">
-              <a14:hiddenFill xmlns="" xmlns:a14="http://schemas.microsoft.com/office/drawing/2010/main">
+              <a14:hiddenFill xmlns:a14="http://schemas.microsoft.com/office/drawing/2010/main" xmlns="">
                 <a:solidFill>
                   <a:srgbClr val="FFFFFF"/>
                 </a:solidFill>
@@ -989,14 +989,14 @@
           <a:noFill/>
           <a:extLst>
             <a:ext uri="{909E8E84-426E-40dd-AFC4-6F175D3DCCD1}">
-              <a14:hiddenFill xmlns="" xmlns:a14="http://schemas.microsoft.com/office/drawing/2010/main">
+              <a14:hiddenFill xmlns:a14="http://schemas.microsoft.com/office/drawing/2010/main" xmlns="">
                 <a:solidFill>
                   <a:srgbClr val="FFFFFF"/>
                 </a:solidFill>
               </a14:hiddenFill>
             </a:ext>
             <a:ext uri="{91240B29-F687-4f45-9708-019B960494DF}">
-              <a14:hiddenLine xmlns="" xmlns:a14="http://schemas.microsoft.com/office/drawing/2010/main" w="9525">
+              <a14:hiddenLine xmlns:a14="http://schemas.microsoft.com/office/drawing/2010/main" xmlns="" w="9525">
                 <a:solidFill>
                   <a:srgbClr val="000000"/>
                 </a:solidFill>
@@ -1075,7 +1075,7 @@
           </a:ln>
           <a:extLst>
             <a:ext uri="{909E8E84-426E-40dd-AFC4-6F175D3DCCD1}">
-              <a14:hiddenFill xmlns="" xmlns:a14="http://schemas.microsoft.com/office/drawing/2010/main">
+              <a14:hiddenFill xmlns:a14="http://schemas.microsoft.com/office/drawing/2010/main" xmlns="">
                 <a:solidFill>
                   <a:srgbClr val="FFFFFF"/>
                 </a:solidFill>
@@ -1098,14 +1098,14 @@
           <a:noFill/>
           <a:extLst>
             <a:ext uri="{909E8E84-426E-40dd-AFC4-6F175D3DCCD1}">
-              <a14:hiddenFill xmlns="" xmlns:a14="http://schemas.microsoft.com/office/drawing/2010/main">
+              <a14:hiddenFill xmlns:a14="http://schemas.microsoft.com/office/drawing/2010/main" xmlns="">
                 <a:solidFill>
                   <a:srgbClr val="FFFFFF"/>
                 </a:solidFill>
               </a14:hiddenFill>
             </a:ext>
             <a:ext uri="{91240B29-F687-4f45-9708-019B960494DF}">
-              <a14:hiddenLine xmlns="" xmlns:a14="http://schemas.microsoft.com/office/drawing/2010/main" w="9525">
+              <a14:hiddenLine xmlns:a14="http://schemas.microsoft.com/office/drawing/2010/main" xmlns="" w="9525">
                 <a:solidFill>
                   <a:srgbClr val="000000"/>
                 </a:solidFill>
@@ -1184,7 +1184,7 @@
           </a:ln>
           <a:extLst>
             <a:ext uri="{909E8E84-426E-40dd-AFC4-6F175D3DCCD1}">
-              <a14:hiddenFill xmlns="" xmlns:a14="http://schemas.microsoft.com/office/drawing/2010/main">
+              <a14:hiddenFill xmlns:a14="http://schemas.microsoft.com/office/drawing/2010/main" xmlns="">
                 <a:solidFill>
                   <a:srgbClr val="FFFFFF"/>
                 </a:solidFill>
@@ -1207,14 +1207,14 @@
           <a:noFill/>
           <a:extLst>
             <a:ext uri="{909E8E84-426E-40dd-AFC4-6F175D3DCCD1}">
-              <a14:hiddenFill xmlns="" xmlns:a14="http://schemas.microsoft.com/office/drawing/2010/main">
+              <a14:hiddenFill xmlns:a14="http://schemas.microsoft.com/office/drawing/2010/main" xmlns="">
                 <a:solidFill>
                   <a:srgbClr val="FFFFFF"/>
                 </a:solidFill>
               </a14:hiddenFill>
             </a:ext>
             <a:ext uri="{91240B29-F687-4f45-9708-019B960494DF}">
-              <a14:hiddenLine xmlns="" xmlns:a14="http://schemas.microsoft.com/office/drawing/2010/main" w="9525">
+              <a14:hiddenLine xmlns:a14="http://schemas.microsoft.com/office/drawing/2010/main" xmlns="" w="9525">
                 <a:solidFill>
                   <a:srgbClr val="000000"/>
                 </a:solidFill>
@@ -1289,7 +1289,7 @@
           </a:ln>
           <a:extLst>
             <a:ext uri="{909E8E84-426E-40dd-AFC4-6F175D3DCCD1}">
-              <a14:hiddenFill xmlns="" xmlns:a14="http://schemas.microsoft.com/office/drawing/2010/main">
+              <a14:hiddenFill xmlns:a14="http://schemas.microsoft.com/office/drawing/2010/main" xmlns="">
                 <a:solidFill>
                   <a:srgbClr val="FFFFFF"/>
                 </a:solidFill>
@@ -1312,14 +1312,14 @@
           <a:noFill/>
           <a:extLst>
             <a:ext uri="{909E8E84-426E-40dd-AFC4-6F175D3DCCD1}">
-              <a14:hiddenFill xmlns="" xmlns:a14="http://schemas.microsoft.com/office/drawing/2010/main">
+              <a14:hiddenFill xmlns:a14="http://schemas.microsoft.com/office/drawing/2010/main" xmlns="">
                 <a:solidFill>
                   <a:srgbClr val="FFFFFF"/>
                 </a:solidFill>
               </a14:hiddenFill>
             </a:ext>
             <a:ext uri="{91240B29-F687-4f45-9708-019B960494DF}">
-              <a14:hiddenLine xmlns="" xmlns:a14="http://schemas.microsoft.com/office/drawing/2010/main" w="9525">
+              <a14:hiddenLine xmlns:a14="http://schemas.microsoft.com/office/drawing/2010/main" xmlns="" w="9525">
                 <a:solidFill>
                   <a:srgbClr val="000000"/>
                 </a:solidFill>
@@ -1394,14 +1394,14 @@
           </a:ln>
           <a:extLst>
             <a:ext uri="{909E8E84-426E-40dd-AFC4-6F175D3DCCD1}">
-              <a14:hiddenFill xmlns="" xmlns:a14="http://schemas.microsoft.com/office/drawing/2010/main">
+              <a14:hiddenFill xmlns:a14="http://schemas.microsoft.com/office/drawing/2010/main" xmlns="">
                 <a:solidFill>
                   <a:srgbClr val="FFFFFF"/>
                 </a:solidFill>
               </a14:hiddenFill>
             </a:ext>
             <a:ext uri="{FAA26D3D-D897-4be2-8F04-BA451C77F1D7}">
-              <ma14:placeholderFlag xmlns="" xmlns:ma14="http://schemas.microsoft.com/office/mac/drawingml/2011/main" val="1"/>
+              <ma14:placeholderFlag xmlns:ma14="http://schemas.microsoft.com/office/mac/drawingml/2011/main" xmlns="" val="1"/>
             </a:ext>
           </a:extLst>
         </p:spPr>
@@ -1481,14 +1481,14 @@
           </a:ln>
           <a:extLst>
             <a:ext uri="{909E8E84-426E-40dd-AFC4-6F175D3DCCD1}">
-              <a14:hiddenFill xmlns="" xmlns:a14="http://schemas.microsoft.com/office/drawing/2010/main">
+              <a14:hiddenFill xmlns:a14="http://schemas.microsoft.com/office/drawing/2010/main" xmlns="">
                 <a:solidFill>
                   <a:srgbClr val="FFFFFF"/>
                 </a:solidFill>
               </a14:hiddenFill>
             </a:ext>
             <a:ext uri="{FAA26D3D-D897-4be2-8F04-BA451C77F1D7}">
-              <ma14:placeholderFlag xmlns="" xmlns:ma14="http://schemas.microsoft.com/office/mac/drawingml/2011/main" val="1"/>
+              <ma14:placeholderFlag xmlns:ma14="http://schemas.microsoft.com/office/mac/drawingml/2011/main" xmlns="" val="1"/>
             </a:ext>
           </a:extLst>
         </p:spPr>
@@ -1568,14 +1568,14 @@
           </a:ln>
           <a:extLst>
             <a:ext uri="{909E8E84-426E-40dd-AFC4-6F175D3DCCD1}">
-              <a14:hiddenFill xmlns="" xmlns:a14="http://schemas.microsoft.com/office/drawing/2010/main">
+              <a14:hiddenFill xmlns:a14="http://schemas.microsoft.com/office/drawing/2010/main" xmlns="">
                 <a:solidFill>
                   <a:srgbClr val="FFFFFF"/>
                 </a:solidFill>
               </a14:hiddenFill>
             </a:ext>
             <a:ext uri="{FAA26D3D-D897-4be2-8F04-BA451C77F1D7}">
-              <ma14:placeholderFlag xmlns="" xmlns:ma14="http://schemas.microsoft.com/office/mac/drawingml/2011/main" val="1"/>
+              <ma14:placeholderFlag xmlns:ma14="http://schemas.microsoft.com/office/mac/drawingml/2011/main" xmlns="" val="1"/>
             </a:ext>
           </a:extLst>
         </p:spPr>
@@ -1655,7 +1655,7 @@
           </a:ln>
           <a:extLst>
             <a:ext uri="{909E8E84-426E-40dd-AFC4-6F175D3DCCD1}">
-              <a14:hiddenFill xmlns="" xmlns:a14="http://schemas.microsoft.com/office/drawing/2010/main">
+              <a14:hiddenFill xmlns:a14="http://schemas.microsoft.com/office/drawing/2010/main" xmlns="">
                 <a:solidFill>
                   <a:srgbClr val="FFFFFF"/>
                 </a:solidFill>
@@ -1678,14 +1678,14 @@
           <a:noFill/>
           <a:extLst>
             <a:ext uri="{909E8E84-426E-40dd-AFC4-6F175D3DCCD1}">
-              <a14:hiddenFill xmlns="" xmlns:a14="http://schemas.microsoft.com/office/drawing/2010/main">
+              <a14:hiddenFill xmlns:a14="http://schemas.microsoft.com/office/drawing/2010/main" xmlns="">
                 <a:solidFill>
                   <a:srgbClr val="FFFFFF"/>
                 </a:solidFill>
               </a14:hiddenFill>
             </a:ext>
             <a:ext uri="{91240B29-F687-4f45-9708-019B960494DF}">
-              <a14:hiddenLine xmlns="" xmlns:a14="http://schemas.microsoft.com/office/drawing/2010/main" w="9525">
+              <a14:hiddenLine xmlns:a14="http://schemas.microsoft.com/office/drawing/2010/main" xmlns="" w="9525">
                 <a:solidFill>
                   <a:srgbClr val="000000"/>
                 </a:solidFill>
@@ -1760,14 +1760,14 @@
           </a:ln>
           <a:extLst>
             <a:ext uri="{909E8E84-426E-40dd-AFC4-6F175D3DCCD1}">
-              <a14:hiddenFill xmlns="" xmlns:a14="http://schemas.microsoft.com/office/drawing/2010/main">
+              <a14:hiddenFill xmlns:a14="http://schemas.microsoft.com/office/drawing/2010/main" xmlns="">
                 <a:solidFill>
                   <a:srgbClr val="FFFFFF"/>
                 </a:solidFill>
               </a14:hiddenFill>
             </a:ext>
             <a:ext uri="{FAA26D3D-D897-4be2-8F04-BA451C77F1D7}">
-              <ma14:placeholderFlag xmlns="" xmlns:ma14="http://schemas.microsoft.com/office/mac/drawingml/2011/main" val="1"/>
+              <ma14:placeholderFlag xmlns:ma14="http://schemas.microsoft.com/office/mac/drawingml/2011/main" xmlns="" val="1"/>
             </a:ext>
           </a:extLst>
         </p:spPr>
@@ -1847,14 +1847,14 @@
           </a:ln>
           <a:extLst>
             <a:ext uri="{909E8E84-426E-40dd-AFC4-6F175D3DCCD1}">
-              <a14:hiddenFill xmlns="" xmlns:a14="http://schemas.microsoft.com/office/drawing/2010/main">
+              <a14:hiddenFill xmlns:a14="http://schemas.microsoft.com/office/drawing/2010/main" xmlns="">
                 <a:solidFill>
                   <a:srgbClr val="FFFFFF"/>
                 </a:solidFill>
               </a14:hiddenFill>
             </a:ext>
             <a:ext uri="{FAA26D3D-D897-4be2-8F04-BA451C77F1D7}">
-              <ma14:placeholderFlag xmlns="" xmlns:ma14="http://schemas.microsoft.com/office/mac/drawingml/2011/main" val="1"/>
+              <ma14:placeholderFlag xmlns:ma14="http://schemas.microsoft.com/office/mac/drawingml/2011/main" xmlns="" val="1"/>
             </a:ext>
           </a:extLst>
         </p:spPr>
@@ -1873,14 +1873,14 @@
           <a:noFill/>
           <a:extLst>
             <a:ext uri="{909E8E84-426E-40dd-AFC4-6F175D3DCCD1}">
-              <a14:hiddenFill xmlns="" xmlns:a14="http://schemas.microsoft.com/office/drawing/2010/main">
+              <a14:hiddenFill xmlns:a14="http://schemas.microsoft.com/office/drawing/2010/main" xmlns="">
                 <a:solidFill>
                   <a:srgbClr val="FFFFFF"/>
                 </a:solidFill>
               </a14:hiddenFill>
             </a:ext>
             <a:ext uri="{91240B29-F687-4f45-9708-019B960494DF}">
-              <a14:hiddenLine xmlns="" xmlns:a14="http://schemas.microsoft.com/office/drawing/2010/main" w="9525">
+              <a14:hiddenLine xmlns:a14="http://schemas.microsoft.com/office/drawing/2010/main" xmlns="" w="9525">
                 <a:solidFill>
                   <a:srgbClr val="000000"/>
                 </a:solidFill>
@@ -1953,14 +1953,14 @@
           </a:ln>
           <a:extLst>
             <a:ext uri="{909E8E84-426E-40dd-AFC4-6F175D3DCCD1}">
-              <a14:hiddenFill xmlns="" xmlns:a14="http://schemas.microsoft.com/office/drawing/2010/main">
+              <a14:hiddenFill xmlns:a14="http://schemas.microsoft.com/office/drawing/2010/main" xmlns="">
                 <a:solidFill>
                   <a:srgbClr val="FFFFFF"/>
                 </a:solidFill>
               </a14:hiddenFill>
             </a:ext>
             <a:ext uri="{FAA26D3D-D897-4be2-8F04-BA451C77F1D7}">
-              <ma14:placeholderFlag xmlns="" xmlns:ma14="http://schemas.microsoft.com/office/mac/drawingml/2011/main" val="1"/>
+              <ma14:placeholderFlag xmlns:ma14="http://schemas.microsoft.com/office/mac/drawingml/2011/main" xmlns="" val="1"/>
             </a:ext>
           </a:extLst>
         </p:spPr>
@@ -2040,14 +2040,14 @@
           </a:ln>
           <a:extLst>
             <a:ext uri="{909E8E84-426E-40dd-AFC4-6F175D3DCCD1}">
-              <a14:hiddenFill xmlns="" xmlns:a14="http://schemas.microsoft.com/office/drawing/2010/main">
+              <a14:hiddenFill xmlns:a14="http://schemas.microsoft.com/office/drawing/2010/main" xmlns="">
                 <a:solidFill>
                   <a:srgbClr val="FFFFFF"/>
                 </a:solidFill>
               </a14:hiddenFill>
             </a:ext>
             <a:ext uri="{FAA26D3D-D897-4be2-8F04-BA451C77F1D7}">
-              <ma14:placeholderFlag xmlns="" xmlns:ma14="http://schemas.microsoft.com/office/mac/drawingml/2011/main" val="1"/>
+              <ma14:placeholderFlag xmlns:ma14="http://schemas.microsoft.com/office/mac/drawingml/2011/main" xmlns="" val="1"/>
             </a:ext>
           </a:extLst>
         </p:spPr>
@@ -2127,14 +2127,14 @@
           </a:ln>
           <a:extLst>
             <a:ext uri="{909E8E84-426E-40dd-AFC4-6F175D3DCCD1}">
-              <a14:hiddenFill xmlns="" xmlns:a14="http://schemas.microsoft.com/office/drawing/2010/main">
+              <a14:hiddenFill xmlns:a14="http://schemas.microsoft.com/office/drawing/2010/main" xmlns="">
                 <a:solidFill>
                   <a:srgbClr val="FFFFFF"/>
                 </a:solidFill>
               </a14:hiddenFill>
             </a:ext>
             <a:ext uri="{FAA26D3D-D897-4be2-8F04-BA451C77F1D7}">
-              <ma14:placeholderFlag xmlns="" xmlns:ma14="http://schemas.microsoft.com/office/mac/drawingml/2011/main" val="1"/>
+              <ma14:placeholderFlag xmlns:ma14="http://schemas.microsoft.com/office/mac/drawingml/2011/main" xmlns="" val="1"/>
             </a:ext>
           </a:extLst>
         </p:spPr>
@@ -2214,14 +2214,14 @@
           </a:ln>
           <a:extLst>
             <a:ext uri="{909E8E84-426E-40dd-AFC4-6F175D3DCCD1}">
-              <a14:hiddenFill xmlns="" xmlns:a14="http://schemas.microsoft.com/office/drawing/2010/main">
+              <a14:hiddenFill xmlns:a14="http://schemas.microsoft.com/office/drawing/2010/main" xmlns="">
                 <a:solidFill>
                   <a:srgbClr val="FFFFFF"/>
                 </a:solidFill>
               </a14:hiddenFill>
             </a:ext>
             <a:ext uri="{FAA26D3D-D897-4be2-8F04-BA451C77F1D7}">
-              <ma14:placeholderFlag xmlns="" xmlns:ma14="http://schemas.microsoft.com/office/mac/drawingml/2011/main" val="1"/>
+              <ma14:placeholderFlag xmlns:ma14="http://schemas.microsoft.com/office/mac/drawingml/2011/main" xmlns="" val="1"/>
             </a:ext>
           </a:extLst>
         </p:spPr>
@@ -2301,14 +2301,14 @@
           </a:ln>
           <a:extLst>
             <a:ext uri="{909E8E84-426E-40dd-AFC4-6F175D3DCCD1}">
-              <a14:hiddenFill xmlns="" xmlns:a14="http://schemas.microsoft.com/office/drawing/2010/main">
+              <a14:hiddenFill xmlns:a14="http://schemas.microsoft.com/office/drawing/2010/main" xmlns="">
                 <a:solidFill>
                   <a:srgbClr val="FFFFFF"/>
                 </a:solidFill>
               </a14:hiddenFill>
             </a:ext>
             <a:ext uri="{FAA26D3D-D897-4be2-8F04-BA451C77F1D7}">
-              <ma14:placeholderFlag xmlns="" xmlns:ma14="http://schemas.microsoft.com/office/mac/drawingml/2011/main" val="1"/>
+              <ma14:placeholderFlag xmlns:ma14="http://schemas.microsoft.com/office/mac/drawingml/2011/main" xmlns="" val="1"/>
             </a:ext>
           </a:extLst>
         </p:spPr>
@@ -2327,14 +2327,14 @@
           <a:noFill/>
           <a:extLst>
             <a:ext uri="{909E8E84-426E-40dd-AFC4-6F175D3DCCD1}">
-              <a14:hiddenFill xmlns="" xmlns:a14="http://schemas.microsoft.com/office/drawing/2010/main">
+              <a14:hiddenFill xmlns:a14="http://schemas.microsoft.com/office/drawing/2010/main" xmlns="">
                 <a:solidFill>
                   <a:srgbClr val="FFFFFF"/>
                 </a:solidFill>
               </a14:hiddenFill>
             </a:ext>
             <a:ext uri="{91240B29-F687-4f45-9708-019B960494DF}">
-              <a14:hiddenLine xmlns="" xmlns:a14="http://schemas.microsoft.com/office/drawing/2010/main" w="9525">
+              <a14:hiddenLine xmlns:a14="http://schemas.microsoft.com/office/drawing/2010/main" xmlns="" w="9525">
                 <a:solidFill>
                   <a:srgbClr val="000000"/>
                 </a:solidFill>
@@ -2407,14 +2407,14 @@
           </a:ln>
           <a:extLst>
             <a:ext uri="{909E8E84-426E-40dd-AFC4-6F175D3DCCD1}">
-              <a14:hiddenFill xmlns="" xmlns:a14="http://schemas.microsoft.com/office/drawing/2010/main">
+              <a14:hiddenFill xmlns:a14="http://schemas.microsoft.com/office/drawing/2010/main" xmlns="">
                 <a:solidFill>
                   <a:srgbClr val="FFFFFF"/>
                 </a:solidFill>
               </a14:hiddenFill>
             </a:ext>
             <a:ext uri="{FAA26D3D-D897-4be2-8F04-BA451C77F1D7}">
-              <ma14:placeholderFlag xmlns="" xmlns:ma14="http://schemas.microsoft.com/office/mac/drawingml/2011/main" val="1"/>
+              <ma14:placeholderFlag xmlns:ma14="http://schemas.microsoft.com/office/mac/drawingml/2011/main" xmlns="" val="1"/>
             </a:ext>
           </a:extLst>
         </p:spPr>
@@ -2494,14 +2494,14 @@
           </a:ln>
           <a:extLst>
             <a:ext uri="{909E8E84-426E-40dd-AFC4-6F175D3DCCD1}">
-              <a14:hiddenFill xmlns="" xmlns:a14="http://schemas.microsoft.com/office/drawing/2010/main">
+              <a14:hiddenFill xmlns:a14="http://schemas.microsoft.com/office/drawing/2010/main" xmlns="">
                 <a:solidFill>
                   <a:srgbClr val="FFFFFF"/>
                 </a:solidFill>
               </a14:hiddenFill>
             </a:ext>
             <a:ext uri="{FAA26D3D-D897-4be2-8F04-BA451C77F1D7}">
-              <ma14:placeholderFlag xmlns="" xmlns:ma14="http://schemas.microsoft.com/office/mac/drawingml/2011/main" val="1"/>
+              <ma14:placeholderFlag xmlns:ma14="http://schemas.microsoft.com/office/mac/drawingml/2011/main" xmlns="" val="1"/>
             </a:ext>
           </a:extLst>
         </p:spPr>
@@ -2578,14 +2578,14 @@
           </a:ln>
           <a:extLst>
             <a:ext uri="{909E8E84-426E-40dd-AFC4-6F175D3DCCD1}">
-              <a14:hiddenFill xmlns="" xmlns:a14="http://schemas.microsoft.com/office/drawing/2010/main">
+              <a14:hiddenFill xmlns:a14="http://schemas.microsoft.com/office/drawing/2010/main" xmlns="">
                 <a:solidFill>
                   <a:srgbClr val="FFFFFF"/>
                 </a:solidFill>
               </a14:hiddenFill>
             </a:ext>
             <a:ext uri="{FAA26D3D-D897-4be2-8F04-BA451C77F1D7}">
-              <ma14:placeholderFlag xmlns="" xmlns:ma14="http://schemas.microsoft.com/office/mac/drawingml/2011/main" val="1"/>
+              <ma14:placeholderFlag xmlns:ma14="http://schemas.microsoft.com/office/mac/drawingml/2011/main" xmlns="" val="1"/>
             </a:ext>
           </a:extLst>
         </p:spPr>
@@ -2665,7 +2665,7 @@
           </a:ln>
           <a:extLst>
             <a:ext uri="{909E8E84-426E-40dd-AFC4-6F175D3DCCD1}">
-              <a14:hiddenFill xmlns="" xmlns:a14="http://schemas.microsoft.com/office/drawing/2010/main">
+              <a14:hiddenFill xmlns:a14="http://schemas.microsoft.com/office/drawing/2010/main" xmlns="">
                 <a:solidFill>
                   <a:srgbClr val="FFFFFF"/>
                 </a:solidFill>
@@ -2688,14 +2688,14 @@
           <a:noFill/>
           <a:extLst>
             <a:ext uri="{909E8E84-426E-40dd-AFC4-6F175D3DCCD1}">
-              <a14:hiddenFill xmlns="" xmlns:a14="http://schemas.microsoft.com/office/drawing/2010/main">
+              <a14:hiddenFill xmlns:a14="http://schemas.microsoft.com/office/drawing/2010/main" xmlns="">
                 <a:solidFill>
                   <a:srgbClr val="FFFFFF"/>
                 </a:solidFill>
               </a14:hiddenFill>
             </a:ext>
             <a:ext uri="{91240B29-F687-4f45-9708-019B960494DF}">
-              <a14:hiddenLine xmlns="" xmlns:a14="http://schemas.microsoft.com/office/drawing/2010/main" w="9525">
+              <a14:hiddenLine xmlns:a14="http://schemas.microsoft.com/office/drawing/2010/main" xmlns="" w="9525">
                 <a:solidFill>
                   <a:srgbClr val="000000"/>
                 </a:solidFill>
@@ -2770,14 +2770,14 @@
           </a:ln>
           <a:extLst>
             <a:ext uri="{909E8E84-426E-40dd-AFC4-6F175D3DCCD1}">
-              <a14:hiddenFill xmlns="" xmlns:a14="http://schemas.microsoft.com/office/drawing/2010/main">
+              <a14:hiddenFill xmlns:a14="http://schemas.microsoft.com/office/drawing/2010/main" xmlns="">
                 <a:solidFill>
                   <a:srgbClr val="FFFFFF"/>
                 </a:solidFill>
               </a14:hiddenFill>
             </a:ext>
             <a:ext uri="{FAA26D3D-D897-4be2-8F04-BA451C77F1D7}">
-              <ma14:placeholderFlag xmlns="" xmlns:ma14="http://schemas.microsoft.com/office/mac/drawingml/2011/main" val="1"/>
+              <ma14:placeholderFlag xmlns:ma14="http://schemas.microsoft.com/office/mac/drawingml/2011/main" xmlns="" val="1"/>
             </a:ext>
           </a:extLst>
         </p:spPr>
@@ -2857,14 +2857,14 @@
           </a:ln>
           <a:extLst>
             <a:ext uri="{909E8E84-426E-40dd-AFC4-6F175D3DCCD1}">
-              <a14:hiddenFill xmlns="" xmlns:a14="http://schemas.microsoft.com/office/drawing/2010/main">
+              <a14:hiddenFill xmlns:a14="http://schemas.microsoft.com/office/drawing/2010/main" xmlns="">
                 <a:solidFill>
                   <a:srgbClr val="FFFFFF"/>
                 </a:solidFill>
               </a14:hiddenFill>
             </a:ext>
             <a:ext uri="{FAA26D3D-D897-4be2-8F04-BA451C77F1D7}">
-              <ma14:placeholderFlag xmlns="" xmlns:ma14="http://schemas.microsoft.com/office/mac/drawingml/2011/main" val="1"/>
+              <ma14:placeholderFlag xmlns:ma14="http://schemas.microsoft.com/office/mac/drawingml/2011/main" xmlns="" val="1"/>
             </a:ext>
           </a:extLst>
         </p:spPr>
@@ -2944,14 +2944,14 @@
           </a:ln>
           <a:extLst>
             <a:ext uri="{909E8E84-426E-40dd-AFC4-6F175D3DCCD1}">
-              <a14:hiddenFill xmlns="" xmlns:a14="http://schemas.microsoft.com/office/drawing/2010/main">
+              <a14:hiddenFill xmlns:a14="http://schemas.microsoft.com/office/drawing/2010/main" xmlns="">
                 <a:solidFill>
                   <a:srgbClr val="FFFFFF"/>
                 </a:solidFill>
               </a14:hiddenFill>
             </a:ext>
             <a:ext uri="{FAA26D3D-D897-4be2-8F04-BA451C77F1D7}">
-              <ma14:placeholderFlag xmlns="" xmlns:ma14="http://schemas.microsoft.com/office/mac/drawingml/2011/main" val="1"/>
+              <ma14:placeholderFlag xmlns:ma14="http://schemas.microsoft.com/office/mac/drawingml/2011/main" xmlns="" val="1"/>
             </a:ext>
           </a:extLst>
         </p:spPr>
@@ -3031,14 +3031,14 @@
           </a:ln>
           <a:extLst>
             <a:ext uri="{909E8E84-426E-40dd-AFC4-6F175D3DCCD1}">
-              <a14:hiddenFill xmlns="" xmlns:a14="http://schemas.microsoft.com/office/drawing/2010/main">
+              <a14:hiddenFill xmlns:a14="http://schemas.microsoft.com/office/drawing/2010/main" xmlns="">
                 <a:solidFill>
                   <a:srgbClr val="FFFFFF"/>
                 </a:solidFill>
               </a14:hiddenFill>
             </a:ext>
             <a:ext uri="{FAA26D3D-D897-4be2-8F04-BA451C77F1D7}">
-              <ma14:placeholderFlag xmlns="" xmlns:ma14="http://schemas.microsoft.com/office/mac/drawingml/2011/main" val="1"/>
+              <ma14:placeholderFlag xmlns:ma14="http://schemas.microsoft.com/office/mac/drawingml/2011/main" xmlns="" val="1"/>
             </a:ext>
           </a:extLst>
         </p:spPr>
@@ -3118,14 +3118,14 @@
           </a:ln>
           <a:extLst>
             <a:ext uri="{909E8E84-426E-40dd-AFC4-6F175D3DCCD1}">
-              <a14:hiddenFill xmlns="" xmlns:a14="http://schemas.microsoft.com/office/drawing/2010/main">
+              <a14:hiddenFill xmlns:a14="http://schemas.microsoft.com/office/drawing/2010/main" xmlns="">
                 <a:solidFill>
                   <a:srgbClr val="FFFFFF"/>
                 </a:solidFill>
               </a14:hiddenFill>
             </a:ext>
             <a:ext uri="{FAA26D3D-D897-4be2-8F04-BA451C77F1D7}">
-              <ma14:placeholderFlag xmlns="" xmlns:ma14="http://schemas.microsoft.com/office/mac/drawingml/2011/main" val="1"/>
+              <ma14:placeholderFlag xmlns:ma14="http://schemas.microsoft.com/office/mac/drawingml/2011/main" xmlns="" val="1"/>
             </a:ext>
           </a:extLst>
         </p:spPr>
@@ -3205,14 +3205,14 @@
           </a:ln>
           <a:extLst>
             <a:ext uri="{909E8E84-426E-40dd-AFC4-6F175D3DCCD1}">
-              <a14:hiddenFill xmlns="" xmlns:a14="http://schemas.microsoft.com/office/drawing/2010/main">
+              <a14:hiddenFill xmlns:a14="http://schemas.microsoft.com/office/drawing/2010/main" xmlns="">
                 <a:solidFill>
                   <a:srgbClr val="FFFFFF"/>
                 </a:solidFill>
               </a14:hiddenFill>
             </a:ext>
             <a:ext uri="{FAA26D3D-D897-4be2-8F04-BA451C77F1D7}">
-              <ma14:placeholderFlag xmlns="" xmlns:ma14="http://schemas.microsoft.com/office/mac/drawingml/2011/main" val="1"/>
+              <ma14:placeholderFlag xmlns:ma14="http://schemas.microsoft.com/office/mac/drawingml/2011/main" xmlns="" val="1"/>
             </a:ext>
           </a:extLst>
         </p:spPr>
@@ -3292,14 +3292,14 @@
           </a:ln>
           <a:extLst>
             <a:ext uri="{909E8E84-426E-40dd-AFC4-6F175D3DCCD1}">
-              <a14:hiddenFill xmlns="" xmlns:a14="http://schemas.microsoft.com/office/drawing/2010/main">
+              <a14:hiddenFill xmlns:a14="http://schemas.microsoft.com/office/drawing/2010/main" xmlns="">
                 <a:solidFill>
                   <a:srgbClr val="FFFFFF"/>
                 </a:solidFill>
               </a14:hiddenFill>
             </a:ext>
             <a:ext uri="{FAA26D3D-D897-4be2-8F04-BA451C77F1D7}">
-              <ma14:placeholderFlag xmlns="" xmlns:ma14="http://schemas.microsoft.com/office/mac/drawingml/2011/main" val="1"/>
+              <ma14:placeholderFlag xmlns:ma14="http://schemas.microsoft.com/office/mac/drawingml/2011/main" xmlns="" val="1"/>
             </a:ext>
           </a:extLst>
         </p:spPr>
@@ -3318,14 +3318,14 @@
           <a:noFill/>
           <a:extLst>
             <a:ext uri="{909E8E84-426E-40dd-AFC4-6F175D3DCCD1}">
-              <a14:hiddenFill xmlns="" xmlns:a14="http://schemas.microsoft.com/office/drawing/2010/main">
+              <a14:hiddenFill xmlns:a14="http://schemas.microsoft.com/office/drawing/2010/main" xmlns="">
                 <a:solidFill>
                   <a:srgbClr val="FFFFFF"/>
                 </a:solidFill>
               </a14:hiddenFill>
             </a:ext>
             <a:ext uri="{91240B29-F687-4f45-9708-019B960494DF}">
-              <a14:hiddenLine xmlns="" xmlns:a14="http://schemas.microsoft.com/office/drawing/2010/main" w="9525">
+              <a14:hiddenLine xmlns:a14="http://schemas.microsoft.com/office/drawing/2010/main" xmlns="" w="9525">
                 <a:solidFill>
                   <a:srgbClr val="000000"/>
                 </a:solidFill>
@@ -3398,14 +3398,14 @@
           </a:ln>
           <a:extLst>
             <a:ext uri="{909E8E84-426E-40dd-AFC4-6F175D3DCCD1}">
-              <a14:hiddenFill xmlns="" xmlns:a14="http://schemas.microsoft.com/office/drawing/2010/main">
+              <a14:hiddenFill xmlns:a14="http://schemas.microsoft.com/office/drawing/2010/main" xmlns="">
                 <a:solidFill>
                   <a:srgbClr val="FFFFFF"/>
                 </a:solidFill>
               </a14:hiddenFill>
             </a:ext>
             <a:ext uri="{FAA26D3D-D897-4be2-8F04-BA451C77F1D7}">
-              <ma14:placeholderFlag xmlns="" xmlns:ma14="http://schemas.microsoft.com/office/mac/drawingml/2011/main" val="1"/>
+              <ma14:placeholderFlag xmlns:ma14="http://schemas.microsoft.com/office/mac/drawingml/2011/main" xmlns="" val="1"/>
             </a:ext>
           </a:extLst>
         </p:spPr>
@@ -3500,14 +3500,14 @@
           </a:ln>
           <a:extLst>
             <a:ext uri="{909E8E84-426E-40dd-AFC4-6F175D3DCCD1}">
-              <a14:hiddenFill xmlns="" xmlns:a14="http://schemas.microsoft.com/office/drawing/2010/main">
+              <a14:hiddenFill xmlns:a14="http://schemas.microsoft.com/office/drawing/2010/main" xmlns="">
                 <a:solidFill>
                   <a:srgbClr val="FFFFFF"/>
                 </a:solidFill>
               </a14:hiddenFill>
             </a:ext>
             <a:ext uri="{FAA26D3D-D897-4be2-8F04-BA451C77F1D7}">
-              <ma14:placeholderFlag xmlns="" xmlns:ma14="http://schemas.microsoft.com/office/mac/drawingml/2011/main" val="1"/>
+              <ma14:placeholderFlag xmlns:ma14="http://schemas.microsoft.com/office/mac/drawingml/2011/main" xmlns="" val="1"/>
             </a:ext>
           </a:extLst>
         </p:spPr>
@@ -3526,14 +3526,14 @@
           <a:noFill/>
           <a:extLst>
             <a:ext uri="{909E8E84-426E-40dd-AFC4-6F175D3DCCD1}">
-              <a14:hiddenFill xmlns="" xmlns:a14="http://schemas.microsoft.com/office/drawing/2010/main">
+              <a14:hiddenFill xmlns:a14="http://schemas.microsoft.com/office/drawing/2010/main" xmlns="">
                 <a:solidFill>
                   <a:srgbClr val="FFFFFF"/>
                 </a:solidFill>
               </a14:hiddenFill>
             </a:ext>
             <a:ext uri="{91240B29-F687-4f45-9708-019B960494DF}">
-              <a14:hiddenLine xmlns="" xmlns:a14="http://schemas.microsoft.com/office/drawing/2010/main" w="9525">
+              <a14:hiddenLine xmlns:a14="http://schemas.microsoft.com/office/drawing/2010/main" xmlns="" w="9525">
                 <a:solidFill>
                   <a:srgbClr val="000000"/>
                 </a:solidFill>
@@ -3606,14 +3606,14 @@
           </a:ln>
           <a:extLst>
             <a:ext uri="{909E8E84-426E-40dd-AFC4-6F175D3DCCD1}">
-              <a14:hiddenFill xmlns="" xmlns:a14="http://schemas.microsoft.com/office/drawing/2010/main">
+              <a14:hiddenFill xmlns:a14="http://schemas.microsoft.com/office/drawing/2010/main" xmlns="">
                 <a:solidFill>
                   <a:srgbClr val="FFFFFF"/>
                 </a:solidFill>
               </a14:hiddenFill>
             </a:ext>
             <a:ext uri="{FAA26D3D-D897-4be2-8F04-BA451C77F1D7}">
-              <ma14:placeholderFlag xmlns="" xmlns:ma14="http://schemas.microsoft.com/office/mac/drawingml/2011/main" val="1"/>
+              <ma14:placeholderFlag xmlns:ma14="http://schemas.microsoft.com/office/mac/drawingml/2011/main" xmlns="" val="1"/>
             </a:ext>
           </a:extLst>
         </p:spPr>
@@ -3693,7 +3693,7 @@
           </a:ln>
           <a:extLst>
             <a:ext uri="{909E8E84-426E-40dd-AFC4-6F175D3DCCD1}">
-              <a14:hiddenFill xmlns="" xmlns:a14="http://schemas.microsoft.com/office/drawing/2010/main">
+              <a14:hiddenFill xmlns:a14="http://schemas.microsoft.com/office/drawing/2010/main" xmlns="">
                 <a:solidFill>
                   <a:srgbClr val="FFFFFF"/>
                 </a:solidFill>
@@ -3716,14 +3716,14 @@
           <a:noFill/>
           <a:extLst>
             <a:ext uri="{909E8E84-426E-40dd-AFC4-6F175D3DCCD1}">
-              <a14:hiddenFill xmlns="" xmlns:a14="http://schemas.microsoft.com/office/drawing/2010/main">
+              <a14:hiddenFill xmlns:a14="http://schemas.microsoft.com/office/drawing/2010/main" xmlns="">
                 <a:solidFill>
                   <a:srgbClr val="FFFFFF"/>
                 </a:solidFill>
               </a14:hiddenFill>
             </a:ext>
             <a:ext uri="{91240B29-F687-4f45-9708-019B960494DF}">
-              <a14:hiddenLine xmlns="" xmlns:a14="http://schemas.microsoft.com/office/drawing/2010/main" w="9525">
+              <a14:hiddenLine xmlns:a14="http://schemas.microsoft.com/office/drawing/2010/main" xmlns="" w="9525">
                 <a:solidFill>
                   <a:srgbClr val="000000"/>
                 </a:solidFill>
@@ -3798,14 +3798,14 @@
           </a:ln>
           <a:extLst>
             <a:ext uri="{909E8E84-426E-40dd-AFC4-6F175D3DCCD1}">
-              <a14:hiddenFill xmlns="" xmlns:a14="http://schemas.microsoft.com/office/drawing/2010/main">
+              <a14:hiddenFill xmlns:a14="http://schemas.microsoft.com/office/drawing/2010/main" xmlns="">
                 <a:solidFill>
                   <a:srgbClr val="FFFFFF"/>
                 </a:solidFill>
               </a14:hiddenFill>
             </a:ext>
             <a:ext uri="{FAA26D3D-D897-4be2-8F04-BA451C77F1D7}">
-              <ma14:placeholderFlag xmlns="" xmlns:ma14="http://schemas.microsoft.com/office/mac/drawingml/2011/main" val="1"/>
+              <ma14:placeholderFlag xmlns:ma14="http://schemas.microsoft.com/office/mac/drawingml/2011/main" xmlns="" val="1"/>
             </a:ext>
           </a:extLst>
         </p:spPr>
@@ -3824,14 +3824,14 @@
           <a:noFill/>
           <a:extLst>
             <a:ext uri="{909E8E84-426E-40dd-AFC4-6F175D3DCCD1}">
-              <a14:hiddenFill xmlns="" xmlns:a14="http://schemas.microsoft.com/office/drawing/2010/main">
+              <a14:hiddenFill xmlns:a14="http://schemas.microsoft.com/office/drawing/2010/main" xmlns="">
                 <a:solidFill>
                   <a:srgbClr val="FFFFFF"/>
                 </a:solidFill>
               </a14:hiddenFill>
             </a:ext>
             <a:ext uri="{91240B29-F687-4f45-9708-019B960494DF}">
-              <a14:hiddenLine xmlns="" xmlns:a14="http://schemas.microsoft.com/office/drawing/2010/main" w="9525">
+              <a14:hiddenLine xmlns:a14="http://schemas.microsoft.com/office/drawing/2010/main" xmlns="" w="9525">
                 <a:solidFill>
                   <a:srgbClr val="000000"/>
                 </a:solidFill>
@@ -3904,14 +3904,14 @@
           </a:ln>
           <a:extLst>
             <a:ext uri="{909E8E84-426E-40dd-AFC4-6F175D3DCCD1}">
-              <a14:hiddenFill xmlns="" xmlns:a14="http://schemas.microsoft.com/office/drawing/2010/main">
+              <a14:hiddenFill xmlns:a14="http://schemas.microsoft.com/office/drawing/2010/main" xmlns="">
                 <a:solidFill>
                   <a:srgbClr val="FFFFFF"/>
                 </a:solidFill>
               </a14:hiddenFill>
             </a:ext>
             <a:ext uri="{FAA26D3D-D897-4be2-8F04-BA451C77F1D7}">
-              <ma14:placeholderFlag xmlns="" xmlns:ma14="http://schemas.microsoft.com/office/mac/drawingml/2011/main" val="1"/>
+              <ma14:placeholderFlag xmlns:ma14="http://schemas.microsoft.com/office/mac/drawingml/2011/main" xmlns="" val="1"/>
             </a:ext>
           </a:extLst>
         </p:spPr>
@@ -3991,14 +3991,14 @@
           </a:ln>
           <a:extLst>
             <a:ext uri="{909E8E84-426E-40dd-AFC4-6F175D3DCCD1}">
-              <a14:hiddenFill xmlns="" xmlns:a14="http://schemas.microsoft.com/office/drawing/2010/main">
+              <a14:hiddenFill xmlns:a14="http://schemas.microsoft.com/office/drawing/2010/main" xmlns="">
                 <a:solidFill>
                   <a:srgbClr val="FFFFFF"/>
                 </a:solidFill>
               </a14:hiddenFill>
             </a:ext>
             <a:ext uri="{FAA26D3D-D897-4be2-8F04-BA451C77F1D7}">
-              <ma14:placeholderFlag xmlns="" xmlns:ma14="http://schemas.microsoft.com/office/mac/drawingml/2011/main" val="1"/>
+              <ma14:placeholderFlag xmlns:ma14="http://schemas.microsoft.com/office/mac/drawingml/2011/main" xmlns="" val="1"/>
             </a:ext>
           </a:extLst>
         </p:spPr>
@@ -4078,14 +4078,14 @@
           </a:ln>
           <a:extLst>
             <a:ext uri="{909E8E84-426E-40dd-AFC4-6F175D3DCCD1}">
-              <a14:hiddenFill xmlns="" xmlns:a14="http://schemas.microsoft.com/office/drawing/2010/main">
+              <a14:hiddenFill xmlns:a14="http://schemas.microsoft.com/office/drawing/2010/main" xmlns="">
                 <a:solidFill>
                   <a:srgbClr val="FFFFFF"/>
                 </a:solidFill>
               </a14:hiddenFill>
             </a:ext>
             <a:ext uri="{FAA26D3D-D897-4be2-8F04-BA451C77F1D7}">
-              <ma14:placeholderFlag xmlns="" xmlns:ma14="http://schemas.microsoft.com/office/mac/drawingml/2011/main" val="1"/>
+              <ma14:placeholderFlag xmlns:ma14="http://schemas.microsoft.com/office/mac/drawingml/2011/main" xmlns="" val="1"/>
             </a:ext>
           </a:extLst>
         </p:spPr>
@@ -4162,14 +4162,14 @@
           </a:ln>
           <a:extLst>
             <a:ext uri="{909E8E84-426E-40dd-AFC4-6F175D3DCCD1}">
-              <a14:hiddenFill xmlns="" xmlns:a14="http://schemas.microsoft.com/office/drawing/2010/main">
+              <a14:hiddenFill xmlns:a14="http://schemas.microsoft.com/office/drawing/2010/main" xmlns="">
                 <a:solidFill>
                   <a:srgbClr val="FFFFFF"/>
                 </a:solidFill>
               </a14:hiddenFill>
             </a:ext>
             <a:ext uri="{FAA26D3D-D897-4be2-8F04-BA451C77F1D7}">
-              <ma14:placeholderFlag xmlns="" xmlns:ma14="http://schemas.microsoft.com/office/mac/drawingml/2011/main" val="1"/>
+              <ma14:placeholderFlag xmlns:ma14="http://schemas.microsoft.com/office/mac/drawingml/2011/main" xmlns="" val="1"/>
             </a:ext>
           </a:extLst>
         </p:spPr>
@@ -4188,14 +4188,14 @@
           <a:noFill/>
           <a:extLst>
             <a:ext uri="{909E8E84-426E-40dd-AFC4-6F175D3DCCD1}">
-              <a14:hiddenFill xmlns="" xmlns:a14="http://schemas.microsoft.com/office/drawing/2010/main">
+              <a14:hiddenFill xmlns:a14="http://schemas.microsoft.com/office/drawing/2010/main" xmlns="">
                 <a:solidFill>
                   <a:srgbClr val="FFFFFF"/>
                 </a:solidFill>
               </a14:hiddenFill>
             </a:ext>
             <a:ext uri="{91240B29-F687-4f45-9708-019B960494DF}">
-              <a14:hiddenLine xmlns="" xmlns:a14="http://schemas.microsoft.com/office/drawing/2010/main" w="9525">
+              <a14:hiddenLine xmlns:a14="http://schemas.microsoft.com/office/drawing/2010/main" xmlns="" w="9525">
                 <a:solidFill>
                   <a:srgbClr val="000000"/>
                 </a:solidFill>
@@ -4205,7 +4205,7 @@
               </a14:hiddenLine>
             </a:ext>
             <a:ext uri="{FAA26D3D-D897-4be2-8F04-BA451C77F1D7}">
-              <ma14:placeholderFlag xmlns="" xmlns:ma14="http://schemas.microsoft.com/office/mac/drawingml/2011/main" val="1"/>
+              <ma14:placeholderFlag xmlns:ma14="http://schemas.microsoft.com/office/mac/drawingml/2011/main" xmlns="" val="1"/>
             </a:ext>
           </a:extLst>
         </p:spPr>
@@ -4271,14 +4271,14 @@
           </a:ln>
           <a:extLst>
             <a:ext uri="{909E8E84-426E-40dd-AFC4-6F175D3DCCD1}">
-              <a14:hiddenFill xmlns="" xmlns:a14="http://schemas.microsoft.com/office/drawing/2010/main">
+              <a14:hiddenFill xmlns:a14="http://schemas.microsoft.com/office/drawing/2010/main" xmlns="">
                 <a:solidFill>
                   <a:srgbClr val="FFFFFF"/>
                 </a:solidFill>
               </a14:hiddenFill>
             </a:ext>
             <a:ext uri="{FAA26D3D-D897-4be2-8F04-BA451C77F1D7}">
-              <ma14:placeholderFlag xmlns="" xmlns:ma14="http://schemas.microsoft.com/office/mac/drawingml/2011/main" val="1"/>
+              <ma14:placeholderFlag xmlns:ma14="http://schemas.microsoft.com/office/mac/drawingml/2011/main" xmlns="" val="1"/>
             </a:ext>
           </a:extLst>
         </p:spPr>
@@ -4297,14 +4297,14 @@
           <a:noFill/>
           <a:extLst>
             <a:ext uri="{909E8E84-426E-40dd-AFC4-6F175D3DCCD1}">
-              <a14:hiddenFill xmlns="" xmlns:a14="http://schemas.microsoft.com/office/drawing/2010/main">
+              <a14:hiddenFill xmlns:a14="http://schemas.microsoft.com/office/drawing/2010/main" xmlns="">
                 <a:solidFill>
                   <a:srgbClr val="FFFFFF"/>
                 </a:solidFill>
               </a14:hiddenFill>
             </a:ext>
             <a:ext uri="{91240B29-F687-4f45-9708-019B960494DF}">
-              <a14:hiddenLine xmlns="" xmlns:a14="http://schemas.microsoft.com/office/drawing/2010/main" w="9525">
+              <a14:hiddenLine xmlns:a14="http://schemas.microsoft.com/office/drawing/2010/main" xmlns="" w="9525">
                 <a:solidFill>
                   <a:srgbClr val="000000"/>
                 </a:solidFill>
@@ -4377,14 +4377,14 @@
           </a:ln>
           <a:extLst>
             <a:ext uri="{909E8E84-426E-40dd-AFC4-6F175D3DCCD1}">
-              <a14:hiddenFill xmlns="" xmlns:a14="http://schemas.microsoft.com/office/drawing/2010/main">
+              <a14:hiddenFill xmlns:a14="http://schemas.microsoft.com/office/drawing/2010/main" xmlns="">
                 <a:solidFill>
                   <a:srgbClr val="FFFFFF"/>
                 </a:solidFill>
               </a14:hiddenFill>
             </a:ext>
             <a:ext uri="{FAA26D3D-D897-4be2-8F04-BA451C77F1D7}">
-              <ma14:placeholderFlag xmlns="" xmlns:ma14="http://schemas.microsoft.com/office/mac/drawingml/2011/main" val="1"/>
+              <ma14:placeholderFlag xmlns:ma14="http://schemas.microsoft.com/office/mac/drawingml/2011/main" xmlns="" val="1"/>
             </a:ext>
           </a:extLst>
         </p:spPr>
@@ -4403,14 +4403,14 @@
           <a:noFill/>
           <a:extLst>
             <a:ext uri="{909E8E84-426E-40dd-AFC4-6F175D3DCCD1}">
-              <a14:hiddenFill xmlns="" xmlns:a14="http://schemas.microsoft.com/office/drawing/2010/main">
+              <a14:hiddenFill xmlns:a14="http://schemas.microsoft.com/office/drawing/2010/main" xmlns="">
                 <a:solidFill>
                   <a:srgbClr val="FFFFFF"/>
                 </a:solidFill>
               </a14:hiddenFill>
             </a:ext>
             <a:ext uri="{91240B29-F687-4f45-9708-019B960494DF}">
-              <a14:hiddenLine xmlns="" xmlns:a14="http://schemas.microsoft.com/office/drawing/2010/main" w="9525">
+              <a14:hiddenLine xmlns:a14="http://schemas.microsoft.com/office/drawing/2010/main" xmlns="" w="9525">
                 <a:solidFill>
                   <a:srgbClr val="000000"/>
                 </a:solidFill>
@@ -4483,14 +4483,14 @@
           </a:ln>
           <a:extLst>
             <a:ext uri="{909E8E84-426E-40dd-AFC4-6F175D3DCCD1}">
-              <a14:hiddenFill xmlns="" xmlns:a14="http://schemas.microsoft.com/office/drawing/2010/main">
+              <a14:hiddenFill xmlns:a14="http://schemas.microsoft.com/office/drawing/2010/main" xmlns="">
                 <a:solidFill>
                   <a:srgbClr val="FFFFFF"/>
                 </a:solidFill>
               </a14:hiddenFill>
             </a:ext>
             <a:ext uri="{FAA26D3D-D897-4be2-8F04-BA451C77F1D7}">
-              <ma14:placeholderFlag xmlns="" xmlns:ma14="http://schemas.microsoft.com/office/mac/drawingml/2011/main" val="1"/>
+              <ma14:placeholderFlag xmlns:ma14="http://schemas.microsoft.com/office/mac/drawingml/2011/main" xmlns="" val="1"/>
             </a:ext>
           </a:extLst>
         </p:spPr>
@@ -4509,14 +4509,14 @@
           <a:noFill/>
           <a:extLst>
             <a:ext uri="{909E8E84-426E-40dd-AFC4-6F175D3DCCD1}">
-              <a14:hiddenFill xmlns="" xmlns:a14="http://schemas.microsoft.com/office/drawing/2010/main">
+              <a14:hiddenFill xmlns:a14="http://schemas.microsoft.com/office/drawing/2010/main" xmlns="">
                 <a:solidFill>
                   <a:srgbClr val="FFFFFF"/>
                 </a:solidFill>
               </a14:hiddenFill>
             </a:ext>
             <a:ext uri="{91240B29-F687-4f45-9708-019B960494DF}">
-              <a14:hiddenLine xmlns="" xmlns:a14="http://schemas.microsoft.com/office/drawing/2010/main" w="9525">
+              <a14:hiddenLine xmlns:a14="http://schemas.microsoft.com/office/drawing/2010/main" xmlns="" w="9525">
                 <a:solidFill>
                   <a:srgbClr val="000000"/>
                 </a:solidFill>
@@ -4589,14 +4589,14 @@
           </a:ln>
           <a:extLst>
             <a:ext uri="{909E8E84-426E-40dd-AFC4-6F175D3DCCD1}">
-              <a14:hiddenFill xmlns="" xmlns:a14="http://schemas.microsoft.com/office/drawing/2010/main">
+              <a14:hiddenFill xmlns:a14="http://schemas.microsoft.com/office/drawing/2010/main" xmlns="">
                 <a:solidFill>
                   <a:srgbClr val="FFFFFF"/>
                 </a:solidFill>
               </a14:hiddenFill>
             </a:ext>
             <a:ext uri="{FAA26D3D-D897-4be2-8F04-BA451C77F1D7}">
-              <ma14:placeholderFlag xmlns="" xmlns:ma14="http://schemas.microsoft.com/office/mac/drawingml/2011/main" val="1"/>
+              <ma14:placeholderFlag xmlns:ma14="http://schemas.microsoft.com/office/mac/drawingml/2011/main" xmlns="" val="1"/>
             </a:ext>
           </a:extLst>
         </p:spPr>
@@ -4615,14 +4615,14 @@
           <a:noFill/>
           <a:extLst>
             <a:ext uri="{909E8E84-426E-40dd-AFC4-6F175D3DCCD1}">
-              <a14:hiddenFill xmlns="" xmlns:a14="http://schemas.microsoft.com/office/drawing/2010/main">
+              <a14:hiddenFill xmlns:a14="http://schemas.microsoft.com/office/drawing/2010/main" xmlns="">
                 <a:solidFill>
                   <a:srgbClr val="FFFFFF"/>
                 </a:solidFill>
               </a14:hiddenFill>
             </a:ext>
             <a:ext uri="{91240B29-F687-4f45-9708-019B960494DF}">
-              <a14:hiddenLine xmlns="" xmlns:a14="http://schemas.microsoft.com/office/drawing/2010/main" w="9525">
+              <a14:hiddenLine xmlns:a14="http://schemas.microsoft.com/office/drawing/2010/main" xmlns="" w="9525">
                 <a:solidFill>
                   <a:srgbClr val="000000"/>
                 </a:solidFill>
@@ -4632,7 +4632,7 @@
               </a14:hiddenLine>
             </a:ext>
             <a:ext uri="{FAA26D3D-D897-4be2-8F04-BA451C77F1D7}">
-              <ma14:placeholderFlag xmlns="" xmlns:ma14="http://schemas.microsoft.com/office/mac/drawingml/2011/main" val="1"/>
+              <ma14:placeholderFlag xmlns:ma14="http://schemas.microsoft.com/office/mac/drawingml/2011/main" xmlns="" val="1"/>
             </a:ext>
           </a:extLst>
         </p:spPr>
@@ -4698,14 +4698,14 @@
           </a:ln>
           <a:extLst>
             <a:ext uri="{909E8E84-426E-40dd-AFC4-6F175D3DCCD1}">
-              <a14:hiddenFill xmlns="" xmlns:a14="http://schemas.microsoft.com/office/drawing/2010/main">
+              <a14:hiddenFill xmlns:a14="http://schemas.microsoft.com/office/drawing/2010/main" xmlns="">
                 <a:solidFill>
                   <a:srgbClr val="FFFFFF"/>
                 </a:solidFill>
               </a14:hiddenFill>
             </a:ext>
             <a:ext uri="{FAA26D3D-D897-4be2-8F04-BA451C77F1D7}">
-              <ma14:placeholderFlag xmlns="" xmlns:ma14="http://schemas.microsoft.com/office/mac/drawingml/2011/main" val="1"/>
+              <ma14:placeholderFlag xmlns:ma14="http://schemas.microsoft.com/office/mac/drawingml/2011/main" xmlns="" val="1"/>
             </a:ext>
           </a:extLst>
         </p:spPr>
@@ -4724,14 +4724,14 @@
           <a:noFill/>
           <a:extLst>
             <a:ext uri="{909E8E84-426E-40dd-AFC4-6F175D3DCCD1}">
-              <a14:hiddenFill xmlns="" xmlns:a14="http://schemas.microsoft.com/office/drawing/2010/main">
+              <a14:hiddenFill xmlns:a14="http://schemas.microsoft.com/office/drawing/2010/main" xmlns="">
                 <a:solidFill>
                   <a:srgbClr val="FFFFFF"/>
                 </a:solidFill>
               </a14:hiddenFill>
             </a:ext>
             <a:ext uri="{91240B29-F687-4f45-9708-019B960494DF}">
-              <a14:hiddenLine xmlns="" xmlns:a14="http://schemas.microsoft.com/office/drawing/2010/main" w="9525">
+              <a14:hiddenLine xmlns:a14="http://schemas.microsoft.com/office/drawing/2010/main" xmlns="" w="9525">
                 <a:solidFill>
                   <a:srgbClr val="000000"/>
                 </a:solidFill>
@@ -4804,7 +4804,7 @@
           </a:ln>
           <a:extLst>
             <a:ext uri="{909E8E84-426E-40dd-AFC4-6F175D3DCCD1}">
-              <a14:hiddenFill xmlns="" xmlns:a14="http://schemas.microsoft.com/office/drawing/2010/main">
+              <a14:hiddenFill xmlns:a14="http://schemas.microsoft.com/office/drawing/2010/main" xmlns="">
                 <a:solidFill>
                   <a:srgbClr val="FFFFFF"/>
                 </a:solidFill>
@@ -4827,14 +4827,14 @@
           <a:noFill/>
           <a:extLst>
             <a:ext uri="{909E8E84-426E-40dd-AFC4-6F175D3DCCD1}">
-              <a14:hiddenFill xmlns="" xmlns:a14="http://schemas.microsoft.com/office/drawing/2010/main">
+              <a14:hiddenFill xmlns:a14="http://schemas.microsoft.com/office/drawing/2010/main" xmlns="">
                 <a:solidFill>
                   <a:srgbClr val="FFFFFF"/>
                 </a:solidFill>
               </a14:hiddenFill>
             </a:ext>
             <a:ext uri="{91240B29-F687-4f45-9708-019B960494DF}">
-              <a14:hiddenLine xmlns="" xmlns:a14="http://schemas.microsoft.com/office/drawing/2010/main" w="9525">
+              <a14:hiddenLine xmlns:a14="http://schemas.microsoft.com/office/drawing/2010/main" xmlns="" w="9525">
                 <a:solidFill>
                   <a:srgbClr val="000000"/>
                 </a:solidFill>
@@ -4909,14 +4909,14 @@
           </a:ln>
           <a:extLst>
             <a:ext uri="{909E8E84-426E-40dd-AFC4-6F175D3DCCD1}">
-              <a14:hiddenFill xmlns="" xmlns:a14="http://schemas.microsoft.com/office/drawing/2010/main">
+              <a14:hiddenFill xmlns:a14="http://schemas.microsoft.com/office/drawing/2010/main" xmlns="">
                 <a:solidFill>
                   <a:srgbClr val="FFFFFF"/>
                 </a:solidFill>
               </a14:hiddenFill>
             </a:ext>
             <a:ext uri="{FAA26D3D-D897-4be2-8F04-BA451C77F1D7}">
-              <ma14:placeholderFlag xmlns="" xmlns:ma14="http://schemas.microsoft.com/office/mac/drawingml/2011/main" val="1"/>
+              <ma14:placeholderFlag xmlns:ma14="http://schemas.microsoft.com/office/mac/drawingml/2011/main" xmlns="" val="1"/>
             </a:ext>
           </a:extLst>
         </p:spPr>
@@ -4935,14 +4935,14 @@
           <a:noFill/>
           <a:extLst>
             <a:ext uri="{909E8E84-426E-40dd-AFC4-6F175D3DCCD1}">
-              <a14:hiddenFill xmlns="" xmlns:a14="http://schemas.microsoft.com/office/drawing/2010/main">
+              <a14:hiddenFill xmlns:a14="http://schemas.microsoft.com/office/drawing/2010/main" xmlns="">
                 <a:solidFill>
                   <a:srgbClr val="FFFFFF"/>
                 </a:solidFill>
               </a14:hiddenFill>
             </a:ext>
             <a:ext uri="{91240B29-F687-4f45-9708-019B960494DF}">
-              <a14:hiddenLine xmlns="" xmlns:a14="http://schemas.microsoft.com/office/drawing/2010/main" w="9525">
+              <a14:hiddenLine xmlns:a14="http://schemas.microsoft.com/office/drawing/2010/main" xmlns="" w="9525">
                 <a:solidFill>
                   <a:srgbClr val="000000"/>
                 </a:solidFill>
@@ -5015,14 +5015,14 @@
           </a:ln>
           <a:extLst>
             <a:ext uri="{909E8E84-426E-40dd-AFC4-6F175D3DCCD1}">
-              <a14:hiddenFill xmlns="" xmlns:a14="http://schemas.microsoft.com/office/drawing/2010/main">
+              <a14:hiddenFill xmlns:a14="http://schemas.microsoft.com/office/drawing/2010/main" xmlns="">
                 <a:solidFill>
                   <a:srgbClr val="FFFFFF"/>
                 </a:solidFill>
               </a14:hiddenFill>
             </a:ext>
             <a:ext uri="{FAA26D3D-D897-4be2-8F04-BA451C77F1D7}">
-              <ma14:placeholderFlag xmlns="" xmlns:ma14="http://schemas.microsoft.com/office/mac/drawingml/2011/main" val="1"/>
+              <ma14:placeholderFlag xmlns:ma14="http://schemas.microsoft.com/office/mac/drawingml/2011/main" xmlns="" val="1"/>
             </a:ext>
           </a:extLst>
         </p:spPr>
@@ -5041,14 +5041,14 @@
           <a:noFill/>
           <a:extLst>
             <a:ext uri="{909E8E84-426E-40dd-AFC4-6F175D3DCCD1}">
-              <a14:hiddenFill xmlns="" xmlns:a14="http://schemas.microsoft.com/office/drawing/2010/main">
+              <a14:hiddenFill xmlns:a14="http://schemas.microsoft.com/office/drawing/2010/main" xmlns="">
                 <a:solidFill>
                   <a:srgbClr val="FFFFFF"/>
                 </a:solidFill>
               </a14:hiddenFill>
             </a:ext>
             <a:ext uri="{91240B29-F687-4f45-9708-019B960494DF}">
-              <a14:hiddenLine xmlns="" xmlns:a14="http://schemas.microsoft.com/office/drawing/2010/main" w="9525">
+              <a14:hiddenLine xmlns:a14="http://schemas.microsoft.com/office/drawing/2010/main" xmlns="" w="9525">
                 <a:solidFill>
                   <a:srgbClr val="000000"/>
                 </a:solidFill>
@@ -5121,14 +5121,14 @@
           </a:ln>
           <a:extLst>
             <a:ext uri="{909E8E84-426E-40dd-AFC4-6F175D3DCCD1}">
-              <a14:hiddenFill xmlns="" xmlns:a14="http://schemas.microsoft.com/office/drawing/2010/main">
+              <a14:hiddenFill xmlns:a14="http://schemas.microsoft.com/office/drawing/2010/main" xmlns="">
                 <a:solidFill>
                   <a:srgbClr val="FFFFFF"/>
                 </a:solidFill>
               </a14:hiddenFill>
             </a:ext>
             <a:ext uri="{FAA26D3D-D897-4be2-8F04-BA451C77F1D7}">
-              <ma14:placeholderFlag xmlns="" xmlns:ma14="http://schemas.microsoft.com/office/mac/drawingml/2011/main" val="1"/>
+              <ma14:placeholderFlag xmlns:ma14="http://schemas.microsoft.com/office/mac/drawingml/2011/main" xmlns="" val="1"/>
             </a:ext>
           </a:extLst>
         </p:spPr>
@@ -5147,14 +5147,14 @@
           <a:noFill/>
           <a:extLst>
             <a:ext uri="{909E8E84-426E-40dd-AFC4-6F175D3DCCD1}">
-              <a14:hiddenFill xmlns="" xmlns:a14="http://schemas.microsoft.com/office/drawing/2010/main">
+              <a14:hiddenFill xmlns:a14="http://schemas.microsoft.com/office/drawing/2010/main" xmlns="">
                 <a:solidFill>
                   <a:srgbClr val="FFFFFF"/>
                 </a:solidFill>
               </a14:hiddenFill>
             </a:ext>
             <a:ext uri="{91240B29-F687-4f45-9708-019B960494DF}">
-              <a14:hiddenLine xmlns="" xmlns:a14="http://schemas.microsoft.com/office/drawing/2010/main" w="9525">
+              <a14:hiddenLine xmlns:a14="http://schemas.microsoft.com/office/drawing/2010/main" xmlns="" w="9525">
                 <a:solidFill>
                   <a:srgbClr val="000000"/>
                 </a:solidFill>
@@ -5227,14 +5227,14 @@
           </a:ln>
           <a:extLst>
             <a:ext uri="{909E8E84-426E-40dd-AFC4-6F175D3DCCD1}">
-              <a14:hiddenFill xmlns="" xmlns:a14="http://schemas.microsoft.com/office/drawing/2010/main">
+              <a14:hiddenFill xmlns:a14="http://schemas.microsoft.com/office/drawing/2010/main" xmlns="">
                 <a:solidFill>
                   <a:srgbClr val="FFFFFF"/>
                 </a:solidFill>
               </a14:hiddenFill>
             </a:ext>
             <a:ext uri="{FAA26D3D-D897-4be2-8F04-BA451C77F1D7}">
-              <ma14:placeholderFlag xmlns="" xmlns:ma14="http://schemas.microsoft.com/office/mac/drawingml/2011/main" val="1"/>
+              <ma14:placeholderFlag xmlns:ma14="http://schemas.microsoft.com/office/mac/drawingml/2011/main" xmlns="" val="1"/>
             </a:ext>
           </a:extLst>
         </p:spPr>
@@ -5253,14 +5253,14 @@
           <a:noFill/>
           <a:extLst>
             <a:ext uri="{909E8E84-426E-40dd-AFC4-6F175D3DCCD1}">
-              <a14:hiddenFill xmlns="" xmlns:a14="http://schemas.microsoft.com/office/drawing/2010/main">
+              <a14:hiddenFill xmlns:a14="http://schemas.microsoft.com/office/drawing/2010/main" xmlns="">
                 <a:solidFill>
                   <a:srgbClr val="FFFFFF"/>
                 </a:solidFill>
               </a14:hiddenFill>
             </a:ext>
             <a:ext uri="{91240B29-F687-4f45-9708-019B960494DF}">
-              <a14:hiddenLine xmlns="" xmlns:a14="http://schemas.microsoft.com/office/drawing/2010/main" w="9525">
+              <a14:hiddenLine xmlns:a14="http://schemas.microsoft.com/office/drawing/2010/main" xmlns="" w="9525">
                 <a:solidFill>
                   <a:srgbClr val="000000"/>
                 </a:solidFill>
@@ -5333,14 +5333,14 @@
           </a:ln>
           <a:extLst>
             <a:ext uri="{909E8E84-426E-40dd-AFC4-6F175D3DCCD1}">
-              <a14:hiddenFill xmlns="" xmlns:a14="http://schemas.microsoft.com/office/drawing/2010/main">
+              <a14:hiddenFill xmlns:a14="http://schemas.microsoft.com/office/drawing/2010/main" xmlns="">
                 <a:solidFill>
                   <a:srgbClr val="FFFFFF"/>
                 </a:solidFill>
               </a14:hiddenFill>
             </a:ext>
             <a:ext uri="{FAA26D3D-D897-4be2-8F04-BA451C77F1D7}">
-              <ma14:placeholderFlag xmlns="" xmlns:ma14="http://schemas.microsoft.com/office/mac/drawingml/2011/main" val="1"/>
+              <ma14:placeholderFlag xmlns:ma14="http://schemas.microsoft.com/office/mac/drawingml/2011/main" xmlns="" val="1"/>
             </a:ext>
           </a:extLst>
         </p:spPr>
@@ -5359,14 +5359,14 @@
           <a:noFill/>
           <a:extLst>
             <a:ext uri="{909E8E84-426E-40dd-AFC4-6F175D3DCCD1}">
-              <a14:hiddenFill xmlns="" xmlns:a14="http://schemas.microsoft.com/office/drawing/2010/main">
+              <a14:hiddenFill xmlns:a14="http://schemas.microsoft.com/office/drawing/2010/main" xmlns="">
                 <a:solidFill>
                   <a:srgbClr val="FFFFFF"/>
                 </a:solidFill>
               </a14:hiddenFill>
             </a:ext>
             <a:ext uri="{91240B29-F687-4f45-9708-019B960494DF}">
-              <a14:hiddenLine xmlns="" xmlns:a14="http://schemas.microsoft.com/office/drawing/2010/main" w="9525">
+              <a14:hiddenLine xmlns:a14="http://schemas.microsoft.com/office/drawing/2010/main" xmlns="" w="9525">
                 <a:solidFill>
                   <a:srgbClr val="000000"/>
                 </a:solidFill>
@@ -5439,14 +5439,14 @@
           </a:ln>
           <a:extLst>
             <a:ext uri="{909E8E84-426E-40dd-AFC4-6F175D3DCCD1}">
-              <a14:hiddenFill xmlns="" xmlns:a14="http://schemas.microsoft.com/office/drawing/2010/main">
+              <a14:hiddenFill xmlns:a14="http://schemas.microsoft.com/office/drawing/2010/main" xmlns="">
                 <a:solidFill>
                   <a:srgbClr val="FFFFFF"/>
                 </a:solidFill>
               </a14:hiddenFill>
             </a:ext>
             <a:ext uri="{FAA26D3D-D897-4be2-8F04-BA451C77F1D7}">
-              <ma14:placeholderFlag xmlns="" xmlns:ma14="http://schemas.microsoft.com/office/mac/drawingml/2011/main" val="1"/>
+              <ma14:placeholderFlag xmlns:ma14="http://schemas.microsoft.com/office/mac/drawingml/2011/main" xmlns="" val="1"/>
             </a:ext>
           </a:extLst>
         </p:spPr>
@@ -5465,14 +5465,14 @@
           <a:noFill/>
           <a:extLst>
             <a:ext uri="{909E8E84-426E-40dd-AFC4-6F175D3DCCD1}">
-              <a14:hiddenFill xmlns="" xmlns:a14="http://schemas.microsoft.com/office/drawing/2010/main">
+              <a14:hiddenFill xmlns:a14="http://schemas.microsoft.com/office/drawing/2010/main" xmlns="">
                 <a:solidFill>
                   <a:srgbClr val="FFFFFF"/>
                 </a:solidFill>
               </a14:hiddenFill>
             </a:ext>
             <a:ext uri="{91240B29-F687-4f45-9708-019B960494DF}">
-              <a14:hiddenLine xmlns="" xmlns:a14="http://schemas.microsoft.com/office/drawing/2010/main" w="9525">
+              <a14:hiddenLine xmlns:a14="http://schemas.microsoft.com/office/drawing/2010/main" xmlns="" w="9525">
                 <a:solidFill>
                   <a:srgbClr val="000000"/>
                 </a:solidFill>
@@ -5545,14 +5545,14 @@
           </a:ln>
           <a:extLst>
             <a:ext uri="{909E8E84-426E-40dd-AFC4-6F175D3DCCD1}">
-              <a14:hiddenFill xmlns="" xmlns:a14="http://schemas.microsoft.com/office/drawing/2010/main">
+              <a14:hiddenFill xmlns:a14="http://schemas.microsoft.com/office/drawing/2010/main" xmlns="">
                 <a:solidFill>
                   <a:srgbClr val="FFFFFF"/>
                 </a:solidFill>
               </a14:hiddenFill>
             </a:ext>
             <a:ext uri="{FAA26D3D-D897-4be2-8F04-BA451C77F1D7}">
-              <ma14:placeholderFlag xmlns="" xmlns:ma14="http://schemas.microsoft.com/office/mac/drawingml/2011/main" val="1"/>
+              <ma14:placeholderFlag xmlns:ma14="http://schemas.microsoft.com/office/mac/drawingml/2011/main" xmlns="" val="1"/>
             </a:ext>
           </a:extLst>
         </p:spPr>
@@ -5571,14 +5571,14 @@
           <a:noFill/>
           <a:extLst>
             <a:ext uri="{909E8E84-426E-40dd-AFC4-6F175D3DCCD1}">
-              <a14:hiddenFill xmlns="" xmlns:a14="http://schemas.microsoft.com/office/drawing/2010/main">
+              <a14:hiddenFill xmlns:a14="http://schemas.microsoft.com/office/drawing/2010/main" xmlns="">
                 <a:solidFill>
                   <a:srgbClr val="FFFFFF"/>
                 </a:solidFill>
               </a14:hiddenFill>
             </a:ext>
             <a:ext uri="{91240B29-F687-4f45-9708-019B960494DF}">
-              <a14:hiddenLine xmlns="" xmlns:a14="http://schemas.microsoft.com/office/drawing/2010/main" w="9525">
+              <a14:hiddenLine xmlns:a14="http://schemas.microsoft.com/office/drawing/2010/main" xmlns="" w="9525">
                 <a:solidFill>
                   <a:srgbClr val="000000"/>
                 </a:solidFill>
@@ -5651,14 +5651,14 @@
           </a:ln>
           <a:extLst>
             <a:ext uri="{909E8E84-426E-40dd-AFC4-6F175D3DCCD1}">
-              <a14:hiddenFill xmlns="" xmlns:a14="http://schemas.microsoft.com/office/drawing/2010/main">
+              <a14:hiddenFill xmlns:a14="http://schemas.microsoft.com/office/drawing/2010/main" xmlns="">
                 <a:solidFill>
                   <a:srgbClr val="FFFFFF"/>
                 </a:solidFill>
               </a14:hiddenFill>
             </a:ext>
             <a:ext uri="{FAA26D3D-D897-4be2-8F04-BA451C77F1D7}">
-              <ma14:placeholderFlag xmlns="" xmlns:ma14="http://schemas.microsoft.com/office/mac/drawingml/2011/main" val="1"/>
+              <ma14:placeholderFlag xmlns:ma14="http://schemas.microsoft.com/office/mac/drawingml/2011/main" xmlns="" val="1"/>
             </a:ext>
           </a:extLst>
         </p:spPr>
@@ -5677,14 +5677,14 @@
           <a:noFill/>
           <a:extLst>
             <a:ext uri="{909E8E84-426E-40dd-AFC4-6F175D3DCCD1}">
-              <a14:hiddenFill xmlns="" xmlns:a14="http://schemas.microsoft.com/office/drawing/2010/main">
+              <a14:hiddenFill xmlns:a14="http://schemas.microsoft.com/office/drawing/2010/main" xmlns="">
                 <a:solidFill>
                   <a:srgbClr val="FFFFFF"/>
                 </a:solidFill>
               </a14:hiddenFill>
             </a:ext>
             <a:ext uri="{91240B29-F687-4f45-9708-019B960494DF}">
-              <a14:hiddenLine xmlns="" xmlns:a14="http://schemas.microsoft.com/office/drawing/2010/main" w="9525">
+              <a14:hiddenLine xmlns:a14="http://schemas.microsoft.com/office/drawing/2010/main" xmlns="" w="9525">
                 <a:solidFill>
                   <a:srgbClr val="000000"/>
                 </a:solidFill>
@@ -5757,14 +5757,14 @@
           </a:ln>
           <a:extLst>
             <a:ext uri="{909E8E84-426E-40dd-AFC4-6F175D3DCCD1}">
-              <a14:hiddenFill xmlns="" xmlns:a14="http://schemas.microsoft.com/office/drawing/2010/main">
+              <a14:hiddenFill xmlns:a14="http://schemas.microsoft.com/office/drawing/2010/main" xmlns="">
                 <a:solidFill>
                   <a:srgbClr val="FFFFFF"/>
                 </a:solidFill>
               </a14:hiddenFill>
             </a:ext>
             <a:ext uri="{FAA26D3D-D897-4be2-8F04-BA451C77F1D7}">
-              <ma14:placeholderFlag xmlns="" xmlns:ma14="http://schemas.microsoft.com/office/mac/drawingml/2011/main" val="1"/>
+              <ma14:placeholderFlag xmlns:ma14="http://schemas.microsoft.com/office/mac/drawingml/2011/main" xmlns="" val="1"/>
             </a:ext>
           </a:extLst>
         </p:spPr>
@@ -5783,14 +5783,14 @@
           <a:noFill/>
           <a:extLst>
             <a:ext uri="{909E8E84-426E-40dd-AFC4-6F175D3DCCD1}">
-              <a14:hiddenFill xmlns="" xmlns:a14="http://schemas.microsoft.com/office/drawing/2010/main">
+              <a14:hiddenFill xmlns:a14="http://schemas.microsoft.com/office/drawing/2010/main" xmlns="">
                 <a:solidFill>
                   <a:srgbClr val="FFFFFF"/>
                 </a:solidFill>
               </a14:hiddenFill>
             </a:ext>
             <a:ext uri="{91240B29-F687-4f45-9708-019B960494DF}">
-              <a14:hiddenLine xmlns="" xmlns:a14="http://schemas.microsoft.com/office/drawing/2010/main" w="9525">
+              <a14:hiddenLine xmlns:a14="http://schemas.microsoft.com/office/drawing/2010/main" xmlns="" w="9525">
                 <a:solidFill>
                   <a:srgbClr val="000000"/>
                 </a:solidFill>
@@ -5863,14 +5863,14 @@
           </a:ln>
           <a:extLst>
             <a:ext uri="{909E8E84-426E-40dd-AFC4-6F175D3DCCD1}">
-              <a14:hiddenFill xmlns="" xmlns:a14="http://schemas.microsoft.com/office/drawing/2010/main">
+              <a14:hiddenFill xmlns:a14="http://schemas.microsoft.com/office/drawing/2010/main" xmlns="">
                 <a:solidFill>
                   <a:srgbClr val="FFFFFF"/>
                 </a:solidFill>
               </a14:hiddenFill>
             </a:ext>
             <a:ext uri="{FAA26D3D-D897-4be2-8F04-BA451C77F1D7}">
-              <ma14:placeholderFlag xmlns="" xmlns:ma14="http://schemas.microsoft.com/office/mac/drawingml/2011/main" val="1"/>
+              <ma14:placeholderFlag xmlns:ma14="http://schemas.microsoft.com/office/mac/drawingml/2011/main" xmlns="" val="1"/>
             </a:ext>
           </a:extLst>
         </p:spPr>
@@ -5889,14 +5889,14 @@
           <a:noFill/>
           <a:extLst>
             <a:ext uri="{909E8E84-426E-40dd-AFC4-6F175D3DCCD1}">
-              <a14:hiddenFill xmlns="" xmlns:a14="http://schemas.microsoft.com/office/drawing/2010/main">
+              <a14:hiddenFill xmlns:a14="http://schemas.microsoft.com/office/drawing/2010/main" xmlns="">
                 <a:solidFill>
                   <a:srgbClr val="FFFFFF"/>
                 </a:solidFill>
               </a14:hiddenFill>
             </a:ext>
             <a:ext uri="{91240B29-F687-4f45-9708-019B960494DF}">
-              <a14:hiddenLine xmlns="" xmlns:a14="http://schemas.microsoft.com/office/drawing/2010/main" w="9525">
+              <a14:hiddenLine xmlns:a14="http://schemas.microsoft.com/office/drawing/2010/main" xmlns="" w="9525">
                 <a:solidFill>
                   <a:srgbClr val="000000"/>
                 </a:solidFill>
@@ -5969,7 +5969,7 @@
           </a:ln>
           <a:extLst>
             <a:ext uri="{909E8E84-426E-40dd-AFC4-6F175D3DCCD1}">
-              <a14:hiddenFill xmlns="" xmlns:a14="http://schemas.microsoft.com/office/drawing/2010/main">
+              <a14:hiddenFill xmlns:a14="http://schemas.microsoft.com/office/drawing/2010/main" xmlns="">
                 <a:solidFill>
                   <a:srgbClr val="FFFFFF"/>
                 </a:solidFill>
@@ -5992,14 +5992,14 @@
           <a:noFill/>
           <a:extLst>
             <a:ext uri="{909E8E84-426E-40dd-AFC4-6F175D3DCCD1}">
-              <a14:hiddenFill xmlns="" xmlns:a14="http://schemas.microsoft.com/office/drawing/2010/main">
+              <a14:hiddenFill xmlns:a14="http://schemas.microsoft.com/office/drawing/2010/main" xmlns="">
                 <a:solidFill>
                   <a:srgbClr val="FFFFFF"/>
                 </a:solidFill>
               </a14:hiddenFill>
             </a:ext>
             <a:ext uri="{91240B29-F687-4f45-9708-019B960494DF}">
-              <a14:hiddenLine xmlns="" xmlns:a14="http://schemas.microsoft.com/office/drawing/2010/main" w="9525">
+              <a14:hiddenLine xmlns:a14="http://schemas.microsoft.com/office/drawing/2010/main" xmlns="" w="9525">
                 <a:solidFill>
                   <a:srgbClr val="000000"/>
                 </a:solidFill>
@@ -6074,14 +6074,14 @@
           </a:ln>
           <a:extLst>
             <a:ext uri="{909E8E84-426E-40dd-AFC4-6F175D3DCCD1}">
-              <a14:hiddenFill xmlns="" xmlns:a14="http://schemas.microsoft.com/office/drawing/2010/main">
+              <a14:hiddenFill xmlns:a14="http://schemas.microsoft.com/office/drawing/2010/main" xmlns="">
                 <a:solidFill>
                   <a:srgbClr val="FFFFFF"/>
                 </a:solidFill>
               </a14:hiddenFill>
             </a:ext>
             <a:ext uri="{FAA26D3D-D897-4be2-8F04-BA451C77F1D7}">
-              <ma14:placeholderFlag xmlns="" xmlns:ma14="http://schemas.microsoft.com/office/mac/drawingml/2011/main" val="1"/>
+              <ma14:placeholderFlag xmlns:ma14="http://schemas.microsoft.com/office/mac/drawingml/2011/main" xmlns="" val="1"/>
             </a:ext>
           </a:extLst>
         </p:spPr>
@@ -6100,14 +6100,14 @@
           <a:noFill/>
           <a:extLst>
             <a:ext uri="{909E8E84-426E-40dd-AFC4-6F175D3DCCD1}">
-              <a14:hiddenFill xmlns="" xmlns:a14="http://schemas.microsoft.com/office/drawing/2010/main">
+              <a14:hiddenFill xmlns:a14="http://schemas.microsoft.com/office/drawing/2010/main" xmlns="">
                 <a:solidFill>
                   <a:srgbClr val="FFFFFF"/>
                 </a:solidFill>
               </a14:hiddenFill>
             </a:ext>
             <a:ext uri="{91240B29-F687-4f45-9708-019B960494DF}">
-              <a14:hiddenLine xmlns="" xmlns:a14="http://schemas.microsoft.com/office/drawing/2010/main" w="9525">
+              <a14:hiddenLine xmlns:a14="http://schemas.microsoft.com/office/drawing/2010/main" xmlns="" w="9525">
                 <a:solidFill>
                   <a:srgbClr val="000000"/>
                 </a:solidFill>
@@ -6180,14 +6180,14 @@
           </a:ln>
           <a:extLst>
             <a:ext uri="{909E8E84-426E-40dd-AFC4-6F175D3DCCD1}">
-              <a14:hiddenFill xmlns="" xmlns:a14="http://schemas.microsoft.com/office/drawing/2010/main">
+              <a14:hiddenFill xmlns:a14="http://schemas.microsoft.com/office/drawing/2010/main" xmlns="">
                 <a:solidFill>
                   <a:srgbClr val="FFFFFF"/>
                 </a:solidFill>
               </a14:hiddenFill>
             </a:ext>
             <a:ext uri="{FAA26D3D-D897-4be2-8F04-BA451C77F1D7}">
-              <ma14:placeholderFlag xmlns="" xmlns:ma14="http://schemas.microsoft.com/office/mac/drawingml/2011/main" val="1"/>
+              <ma14:placeholderFlag xmlns:ma14="http://schemas.microsoft.com/office/mac/drawingml/2011/main" xmlns="" val="1"/>
             </a:ext>
           </a:extLst>
         </p:spPr>
@@ -6206,14 +6206,14 @@
           <a:noFill/>
           <a:extLst>
             <a:ext uri="{909E8E84-426E-40dd-AFC4-6F175D3DCCD1}">
-              <a14:hiddenFill xmlns="" xmlns:a14="http://schemas.microsoft.com/office/drawing/2010/main">
+              <a14:hiddenFill xmlns:a14="http://schemas.microsoft.com/office/drawing/2010/main" xmlns="">
                 <a:solidFill>
                   <a:srgbClr val="FFFFFF"/>
                 </a:solidFill>
               </a14:hiddenFill>
             </a:ext>
             <a:ext uri="{91240B29-F687-4f45-9708-019B960494DF}">
-              <a14:hiddenLine xmlns="" xmlns:a14="http://schemas.microsoft.com/office/drawing/2010/main" w="9525">
+              <a14:hiddenLine xmlns:a14="http://schemas.microsoft.com/office/drawing/2010/main" xmlns="" w="9525">
                 <a:solidFill>
                   <a:srgbClr val="000000"/>
                 </a:solidFill>
@@ -6286,14 +6286,14 @@
           </a:ln>
           <a:extLst>
             <a:ext uri="{909E8E84-426E-40dd-AFC4-6F175D3DCCD1}">
-              <a14:hiddenFill xmlns="" xmlns:a14="http://schemas.microsoft.com/office/drawing/2010/main">
+              <a14:hiddenFill xmlns:a14="http://schemas.microsoft.com/office/drawing/2010/main" xmlns="">
                 <a:solidFill>
                   <a:srgbClr val="FFFFFF"/>
                 </a:solidFill>
               </a14:hiddenFill>
             </a:ext>
             <a:ext uri="{FAA26D3D-D897-4be2-8F04-BA451C77F1D7}">
-              <ma14:placeholderFlag xmlns="" xmlns:ma14="http://schemas.microsoft.com/office/mac/drawingml/2011/main" val="1"/>
+              <ma14:placeholderFlag xmlns:ma14="http://schemas.microsoft.com/office/mac/drawingml/2011/main" xmlns="" val="1"/>
             </a:ext>
           </a:extLst>
         </p:spPr>
@@ -6312,14 +6312,14 @@
           <a:noFill/>
           <a:extLst>
             <a:ext uri="{909E8E84-426E-40dd-AFC4-6F175D3DCCD1}">
-              <a14:hiddenFill xmlns="" xmlns:a14="http://schemas.microsoft.com/office/drawing/2010/main">
+              <a14:hiddenFill xmlns:a14="http://schemas.microsoft.com/office/drawing/2010/main" xmlns="">
                 <a:solidFill>
                   <a:srgbClr val="FFFFFF"/>
                 </a:solidFill>
               </a14:hiddenFill>
             </a:ext>
             <a:ext uri="{91240B29-F687-4f45-9708-019B960494DF}">
-              <a14:hiddenLine xmlns="" xmlns:a14="http://schemas.microsoft.com/office/drawing/2010/main" w="9525">
+              <a14:hiddenLine xmlns:a14="http://schemas.microsoft.com/office/drawing/2010/main" xmlns="" w="9525">
                 <a:solidFill>
                   <a:srgbClr val="000000"/>
                 </a:solidFill>
@@ -6392,14 +6392,14 @@
           </a:ln>
           <a:extLst>
             <a:ext uri="{909E8E84-426E-40dd-AFC4-6F175D3DCCD1}">
-              <a14:hiddenFill xmlns="" xmlns:a14="http://schemas.microsoft.com/office/drawing/2010/main">
+              <a14:hiddenFill xmlns:a14="http://schemas.microsoft.com/office/drawing/2010/main" xmlns="">
                 <a:solidFill>
                   <a:srgbClr val="FFFFFF"/>
                 </a:solidFill>
               </a14:hiddenFill>
             </a:ext>
             <a:ext uri="{FAA26D3D-D897-4be2-8F04-BA451C77F1D7}">
-              <ma14:placeholderFlag xmlns="" xmlns:ma14="http://schemas.microsoft.com/office/mac/drawingml/2011/main" val="1"/>
+              <ma14:placeholderFlag xmlns:ma14="http://schemas.microsoft.com/office/mac/drawingml/2011/main" xmlns="" val="1"/>
             </a:ext>
           </a:extLst>
         </p:spPr>
@@ -6418,14 +6418,14 @@
           <a:noFill/>
           <a:extLst>
             <a:ext uri="{909E8E84-426E-40dd-AFC4-6F175D3DCCD1}">
-              <a14:hiddenFill xmlns="" xmlns:a14="http://schemas.microsoft.com/office/drawing/2010/main">
+              <a14:hiddenFill xmlns:a14="http://schemas.microsoft.com/office/drawing/2010/main" xmlns="">
                 <a:solidFill>
                   <a:srgbClr val="FFFFFF"/>
                 </a:solidFill>
               </a14:hiddenFill>
             </a:ext>
             <a:ext uri="{91240B29-F687-4f45-9708-019B960494DF}">
-              <a14:hiddenLine xmlns="" xmlns:a14="http://schemas.microsoft.com/office/drawing/2010/main" w="9525">
+              <a14:hiddenLine xmlns:a14="http://schemas.microsoft.com/office/drawing/2010/main" xmlns="" w="9525">
                 <a:solidFill>
                   <a:srgbClr val="000000"/>
                 </a:solidFill>
@@ -6498,14 +6498,14 @@
           </a:ln>
           <a:extLst>
             <a:ext uri="{909E8E84-426E-40dd-AFC4-6F175D3DCCD1}">
-              <a14:hiddenFill xmlns="" xmlns:a14="http://schemas.microsoft.com/office/drawing/2010/main">
+              <a14:hiddenFill xmlns:a14="http://schemas.microsoft.com/office/drawing/2010/main" xmlns="">
                 <a:solidFill>
                   <a:srgbClr val="FFFFFF"/>
                 </a:solidFill>
               </a14:hiddenFill>
             </a:ext>
             <a:ext uri="{FAA26D3D-D897-4be2-8F04-BA451C77F1D7}">
-              <ma14:placeholderFlag xmlns="" xmlns:ma14="http://schemas.microsoft.com/office/mac/drawingml/2011/main" val="1"/>
+              <ma14:placeholderFlag xmlns:ma14="http://schemas.microsoft.com/office/mac/drawingml/2011/main" xmlns="" val="1"/>
             </a:ext>
           </a:extLst>
         </p:spPr>
@@ -6524,14 +6524,14 @@
           <a:noFill/>
           <a:extLst>
             <a:ext uri="{909E8E84-426E-40dd-AFC4-6F175D3DCCD1}">
-              <a14:hiddenFill xmlns="" xmlns:a14="http://schemas.microsoft.com/office/drawing/2010/main">
+              <a14:hiddenFill xmlns:a14="http://schemas.microsoft.com/office/drawing/2010/main" xmlns="">
                 <a:solidFill>
                   <a:srgbClr val="FFFFFF"/>
                 </a:solidFill>
               </a14:hiddenFill>
             </a:ext>
             <a:ext uri="{91240B29-F687-4f45-9708-019B960494DF}">
-              <a14:hiddenLine xmlns="" xmlns:a14="http://schemas.microsoft.com/office/drawing/2010/main" w="9525">
+              <a14:hiddenLine xmlns:a14="http://schemas.microsoft.com/office/drawing/2010/main" xmlns="" w="9525">
                 <a:solidFill>
                   <a:srgbClr val="000000"/>
                 </a:solidFill>
@@ -6604,14 +6604,14 @@
           </a:ln>
           <a:extLst>
             <a:ext uri="{909E8E84-426E-40dd-AFC4-6F175D3DCCD1}">
-              <a14:hiddenFill xmlns="" xmlns:a14="http://schemas.microsoft.com/office/drawing/2010/main">
+              <a14:hiddenFill xmlns:a14="http://schemas.microsoft.com/office/drawing/2010/main" xmlns="">
                 <a:solidFill>
                   <a:srgbClr val="FFFFFF"/>
                 </a:solidFill>
               </a14:hiddenFill>
             </a:ext>
             <a:ext uri="{FAA26D3D-D897-4be2-8F04-BA451C77F1D7}">
-              <ma14:placeholderFlag xmlns="" xmlns:ma14="http://schemas.microsoft.com/office/mac/drawingml/2011/main" val="1"/>
+              <ma14:placeholderFlag xmlns:ma14="http://schemas.microsoft.com/office/mac/drawingml/2011/main" xmlns="" val="1"/>
             </a:ext>
           </a:extLst>
         </p:spPr>
@@ -6630,14 +6630,14 @@
           <a:noFill/>
           <a:extLst>
             <a:ext uri="{909E8E84-426E-40dd-AFC4-6F175D3DCCD1}">
-              <a14:hiddenFill xmlns="" xmlns:a14="http://schemas.microsoft.com/office/drawing/2010/main">
+              <a14:hiddenFill xmlns:a14="http://schemas.microsoft.com/office/drawing/2010/main" xmlns="">
                 <a:solidFill>
                   <a:srgbClr val="FFFFFF"/>
                 </a:solidFill>
               </a14:hiddenFill>
             </a:ext>
             <a:ext uri="{91240B29-F687-4f45-9708-019B960494DF}">
-              <a14:hiddenLine xmlns="" xmlns:a14="http://schemas.microsoft.com/office/drawing/2010/main" w="9525">
+              <a14:hiddenLine xmlns:a14="http://schemas.microsoft.com/office/drawing/2010/main" xmlns="" w="9525">
                 <a:solidFill>
                   <a:srgbClr val="000000"/>
                 </a:solidFill>
@@ -6706,14 +6706,14 @@
           </a:ln>
           <a:extLst>
             <a:ext uri="{909E8E84-426E-40dd-AFC4-6F175D3DCCD1}">
-              <a14:hiddenFill xmlns="" xmlns:a14="http://schemas.microsoft.com/office/drawing/2010/main">
+              <a14:hiddenFill xmlns:a14="http://schemas.microsoft.com/office/drawing/2010/main" xmlns="">
                 <a:solidFill>
                   <a:srgbClr val="FFFFFF"/>
                 </a:solidFill>
               </a14:hiddenFill>
             </a:ext>
             <a:ext uri="{FAA26D3D-D897-4be2-8F04-BA451C77F1D7}">
-              <ma14:placeholderFlag xmlns="" xmlns:ma14="http://schemas.microsoft.com/office/mac/drawingml/2011/main" val="1"/>
+              <ma14:placeholderFlag xmlns:ma14="http://schemas.microsoft.com/office/mac/drawingml/2011/main" xmlns="" val="1"/>
             </a:ext>
           </a:extLst>
         </p:spPr>
@@ -6732,14 +6732,14 @@
           <a:noFill/>
           <a:extLst>
             <a:ext uri="{909E8E84-426E-40dd-AFC4-6F175D3DCCD1}">
-              <a14:hiddenFill xmlns="" xmlns:a14="http://schemas.microsoft.com/office/drawing/2010/main">
+              <a14:hiddenFill xmlns:a14="http://schemas.microsoft.com/office/drawing/2010/main" xmlns="">
                 <a:solidFill>
                   <a:srgbClr val="FFFFFF"/>
                 </a:solidFill>
               </a14:hiddenFill>
             </a:ext>
             <a:ext uri="{91240B29-F687-4f45-9708-019B960494DF}">
-              <a14:hiddenLine xmlns="" xmlns:a14="http://schemas.microsoft.com/office/drawing/2010/main" w="9525">
+              <a14:hiddenLine xmlns:a14="http://schemas.microsoft.com/office/drawing/2010/main" xmlns="" w="9525">
                 <a:solidFill>
                   <a:srgbClr val="000000"/>
                 </a:solidFill>
@@ -6815,14 +6815,14 @@
           </a:ln>
           <a:extLst>
             <a:ext uri="{909E8E84-426E-40dd-AFC4-6F175D3DCCD1}">
-              <a14:hiddenFill xmlns="" xmlns:a14="http://schemas.microsoft.com/office/drawing/2010/main">
+              <a14:hiddenFill xmlns:a14="http://schemas.microsoft.com/office/drawing/2010/main" xmlns="">
                 <a:solidFill>
                   <a:srgbClr val="FFFFFF"/>
                 </a:solidFill>
               </a14:hiddenFill>
             </a:ext>
             <a:ext uri="{FAA26D3D-D897-4be2-8F04-BA451C77F1D7}">
-              <ma14:placeholderFlag xmlns="" xmlns:ma14="http://schemas.microsoft.com/office/mac/drawingml/2011/main" val="1"/>
+              <ma14:placeholderFlag xmlns:ma14="http://schemas.microsoft.com/office/mac/drawingml/2011/main" xmlns="" val="1"/>
             </a:ext>
           </a:extLst>
         </p:spPr>
@@ -6841,14 +6841,14 @@
           <a:noFill/>
           <a:extLst>
             <a:ext uri="{909E8E84-426E-40dd-AFC4-6F175D3DCCD1}">
-              <a14:hiddenFill xmlns="" xmlns:a14="http://schemas.microsoft.com/office/drawing/2010/main">
+              <a14:hiddenFill xmlns:a14="http://schemas.microsoft.com/office/drawing/2010/main" xmlns="">
                 <a:solidFill>
                   <a:srgbClr val="FFFFFF"/>
                 </a:solidFill>
               </a14:hiddenFill>
             </a:ext>
             <a:ext uri="{91240B29-F687-4f45-9708-019B960494DF}">
-              <a14:hiddenLine xmlns="" xmlns:a14="http://schemas.microsoft.com/office/drawing/2010/main" w="9525">
+              <a14:hiddenLine xmlns:a14="http://schemas.microsoft.com/office/drawing/2010/main" xmlns="" w="9525">
                 <a:solidFill>
                   <a:srgbClr val="000000"/>
                 </a:solidFill>
@@ -6920,14 +6920,14 @@
           </a:ln>
           <a:extLst>
             <a:ext uri="{909E8E84-426E-40dd-AFC4-6F175D3DCCD1}">
-              <a14:hiddenFill xmlns="" xmlns:a14="http://schemas.microsoft.com/office/drawing/2010/main">
+              <a14:hiddenFill xmlns:a14="http://schemas.microsoft.com/office/drawing/2010/main" xmlns="">
                 <a:solidFill>
                   <a:srgbClr val="FFFFFF"/>
                 </a:solidFill>
               </a14:hiddenFill>
             </a:ext>
             <a:ext uri="{FAA26D3D-D897-4be2-8F04-BA451C77F1D7}">
-              <ma14:placeholderFlag xmlns="" xmlns:ma14="http://schemas.microsoft.com/office/mac/drawingml/2011/main" val="1"/>
+              <ma14:placeholderFlag xmlns:ma14="http://schemas.microsoft.com/office/mac/drawingml/2011/main" xmlns="" val="1"/>
             </a:ext>
           </a:extLst>
         </p:spPr>
@@ -6946,14 +6946,14 @@
           <a:noFill/>
           <a:extLst>
             <a:ext uri="{909E8E84-426E-40dd-AFC4-6F175D3DCCD1}">
-              <a14:hiddenFill xmlns="" xmlns:a14="http://schemas.microsoft.com/office/drawing/2010/main">
+              <a14:hiddenFill xmlns:a14="http://schemas.microsoft.com/office/drawing/2010/main" xmlns="">
                 <a:solidFill>
                   <a:srgbClr val="FFFFFF"/>
                 </a:solidFill>
               </a14:hiddenFill>
             </a:ext>
             <a:ext uri="{91240B29-F687-4f45-9708-019B960494DF}">
-              <a14:hiddenLine xmlns="" xmlns:a14="http://schemas.microsoft.com/office/drawing/2010/main" w="9525">
+              <a14:hiddenLine xmlns:a14="http://schemas.microsoft.com/office/drawing/2010/main" xmlns="" w="9525">
                 <a:solidFill>
                   <a:srgbClr val="000000"/>
                 </a:solidFill>
@@ -7029,14 +7029,14 @@
           </a:ln>
           <a:extLst>
             <a:ext uri="{909E8E84-426E-40dd-AFC4-6F175D3DCCD1}">
-              <a14:hiddenFill xmlns="" xmlns:a14="http://schemas.microsoft.com/office/drawing/2010/main">
+              <a14:hiddenFill xmlns:a14="http://schemas.microsoft.com/office/drawing/2010/main" xmlns="">
                 <a:solidFill>
                   <a:srgbClr val="FFFFFF"/>
                 </a:solidFill>
               </a14:hiddenFill>
             </a:ext>
             <a:ext uri="{FAA26D3D-D897-4be2-8F04-BA451C77F1D7}">
-              <ma14:placeholderFlag xmlns="" xmlns:ma14="http://schemas.microsoft.com/office/mac/drawingml/2011/main" val="1"/>
+              <ma14:placeholderFlag xmlns:ma14="http://schemas.microsoft.com/office/mac/drawingml/2011/main" xmlns="" val="1"/>
             </a:ext>
           </a:extLst>
         </p:spPr>
@@ -7055,14 +7055,14 @@
           <a:noFill/>
           <a:extLst>
             <a:ext uri="{909E8E84-426E-40dd-AFC4-6F175D3DCCD1}">
-              <a14:hiddenFill xmlns="" xmlns:a14="http://schemas.microsoft.com/office/drawing/2010/main">
+              <a14:hiddenFill xmlns:a14="http://schemas.microsoft.com/office/drawing/2010/main" xmlns="">
                 <a:solidFill>
                   <a:srgbClr val="FFFFFF"/>
                 </a:solidFill>
               </a14:hiddenFill>
             </a:ext>
             <a:ext uri="{91240B29-F687-4f45-9708-019B960494DF}">
-              <a14:hiddenLine xmlns="" xmlns:a14="http://schemas.microsoft.com/office/drawing/2010/main" w="9525">
+              <a14:hiddenLine xmlns:a14="http://schemas.microsoft.com/office/drawing/2010/main" xmlns="" w="9525">
                 <a:solidFill>
                   <a:srgbClr val="000000"/>
                 </a:solidFill>
@@ -7142,7 +7142,7 @@
           </a:ln>
           <a:extLst>
             <a:ext uri="{909E8E84-426E-40dd-AFC4-6F175D3DCCD1}">
-              <a14:hiddenFill xmlns="" xmlns:a14="http://schemas.microsoft.com/office/drawing/2010/main">
+              <a14:hiddenFill xmlns:a14="http://schemas.microsoft.com/office/drawing/2010/main" xmlns="">
                 <a:solidFill>
                   <a:srgbClr val="FFFFFF"/>
                 </a:solidFill>
@@ -7165,14 +7165,14 @@
           <a:noFill/>
           <a:extLst>
             <a:ext uri="{909E8E84-426E-40dd-AFC4-6F175D3DCCD1}">
-              <a14:hiddenFill xmlns="" xmlns:a14="http://schemas.microsoft.com/office/drawing/2010/main">
+              <a14:hiddenFill xmlns:a14="http://schemas.microsoft.com/office/drawing/2010/main" xmlns="">
                 <a:solidFill>
                   <a:srgbClr val="FFFFFF"/>
                 </a:solidFill>
               </a14:hiddenFill>
             </a:ext>
             <a:ext uri="{91240B29-F687-4f45-9708-019B960494DF}">
-              <a14:hiddenLine xmlns="" xmlns:a14="http://schemas.microsoft.com/office/drawing/2010/main" w="9525">
+              <a14:hiddenLine xmlns:a14="http://schemas.microsoft.com/office/drawing/2010/main" xmlns="" w="9525">
                 <a:solidFill>
                   <a:srgbClr val="000000"/>
                 </a:solidFill>
@@ -7243,14 +7243,14 @@
           </a:ln>
           <a:extLst>
             <a:ext uri="{909E8E84-426E-40dd-AFC4-6F175D3DCCD1}">
-              <a14:hiddenFill xmlns="" xmlns:a14="http://schemas.microsoft.com/office/drawing/2010/main">
+              <a14:hiddenFill xmlns:a14="http://schemas.microsoft.com/office/drawing/2010/main" xmlns="">
                 <a:solidFill>
                   <a:srgbClr val="FFFFFF"/>
                 </a:solidFill>
               </a14:hiddenFill>
             </a:ext>
             <a:ext uri="{FAA26D3D-D897-4be2-8F04-BA451C77F1D7}">
-              <ma14:placeholderFlag xmlns="" xmlns:ma14="http://schemas.microsoft.com/office/mac/drawingml/2011/main" val="1"/>
+              <ma14:placeholderFlag xmlns:ma14="http://schemas.microsoft.com/office/mac/drawingml/2011/main" xmlns="" val="1"/>
             </a:ext>
           </a:extLst>
         </p:spPr>
@@ -7269,14 +7269,14 @@
           <a:noFill/>
           <a:extLst>
             <a:ext uri="{909E8E84-426E-40dd-AFC4-6F175D3DCCD1}">
-              <a14:hiddenFill xmlns="" xmlns:a14="http://schemas.microsoft.com/office/drawing/2010/main">
+              <a14:hiddenFill xmlns:a14="http://schemas.microsoft.com/office/drawing/2010/main" xmlns="">
                 <a:solidFill>
                   <a:srgbClr val="FFFFFF"/>
                 </a:solidFill>
               </a14:hiddenFill>
             </a:ext>
             <a:ext uri="{91240B29-F687-4f45-9708-019B960494DF}">
-              <a14:hiddenLine xmlns="" xmlns:a14="http://schemas.microsoft.com/office/drawing/2010/main" w="9525">
+              <a14:hiddenLine xmlns:a14="http://schemas.microsoft.com/office/drawing/2010/main" xmlns="" w="9525">
                 <a:solidFill>
                   <a:srgbClr val="000000"/>
                 </a:solidFill>
@@ -7441,7 +7441,7 @@
           </a:ln>
           <a:extLst>
             <a:ext uri="{909E8E84-426E-40dd-AFC4-6F175D3DCCD1}">
-              <a14:hiddenFill xmlns="" xmlns:a14="http://schemas.microsoft.com/office/drawing/2010/main">
+              <a14:hiddenFill xmlns:a14="http://schemas.microsoft.com/office/drawing/2010/main" xmlns="">
                 <a:solidFill>
                   <a:srgbClr val="FFFFFF"/>
                 </a:solidFill>
@@ -7464,14 +7464,14 @@
           <a:noFill/>
           <a:extLst>
             <a:ext uri="{909E8E84-426E-40dd-AFC4-6F175D3DCCD1}">
-              <a14:hiddenFill xmlns="" xmlns:a14="http://schemas.microsoft.com/office/drawing/2010/main">
+              <a14:hiddenFill xmlns:a14="http://schemas.microsoft.com/office/drawing/2010/main" xmlns="">
                 <a:solidFill>
                   <a:srgbClr val="FFFFFF"/>
                 </a:solidFill>
               </a14:hiddenFill>
             </a:ext>
             <a:ext uri="{91240B29-F687-4f45-9708-019B960494DF}">
-              <a14:hiddenLine xmlns="" xmlns:a14="http://schemas.microsoft.com/office/drawing/2010/main" w="9525">
+              <a14:hiddenLine xmlns:a14="http://schemas.microsoft.com/office/drawing/2010/main" xmlns="" w="9525">
                 <a:solidFill>
                   <a:srgbClr val="000000"/>
                 </a:solidFill>
@@ -7548,7 +7548,7 @@
           </a:ln>
           <a:extLst>
             <a:ext uri="{909E8E84-426E-40dd-AFC4-6F175D3DCCD1}">
-              <a14:hiddenFill xmlns="" xmlns:a14="http://schemas.microsoft.com/office/drawing/2010/main">
+              <a14:hiddenFill xmlns:a14="http://schemas.microsoft.com/office/drawing/2010/main" xmlns="">
                 <a:solidFill>
                   <a:srgbClr val="FFFFFF"/>
                 </a:solidFill>
@@ -7571,14 +7571,14 @@
           <a:noFill/>
           <a:extLst>
             <a:ext uri="{909E8E84-426E-40dd-AFC4-6F175D3DCCD1}">
-              <a14:hiddenFill xmlns="" xmlns:a14="http://schemas.microsoft.com/office/drawing/2010/main">
+              <a14:hiddenFill xmlns:a14="http://schemas.microsoft.com/office/drawing/2010/main" xmlns="">
                 <a:solidFill>
                   <a:srgbClr val="FFFFFF"/>
                 </a:solidFill>
               </a14:hiddenFill>
             </a:ext>
             <a:ext uri="{91240B29-F687-4f45-9708-019B960494DF}">
-              <a14:hiddenLine xmlns="" xmlns:a14="http://schemas.microsoft.com/office/drawing/2010/main" w="9525">
+              <a14:hiddenLine xmlns:a14="http://schemas.microsoft.com/office/drawing/2010/main" xmlns="" w="9525">
                 <a:solidFill>
                   <a:srgbClr val="000000"/>
                 </a:solidFill>
@@ -9963,14 +9963,14 @@
           </a:ln>
           <a:extLst>
             <a:ext uri="{909E8E84-426E-40dd-AFC4-6F175D3DCCD1}">
-              <a14:hiddenFill xmlns="" xmlns:a14="http://schemas.microsoft.com/office/drawing/2010/main">
+              <a14:hiddenFill xmlns:a14="http://schemas.microsoft.com/office/drawing/2010/main" xmlns="">
                 <a:solidFill>
                   <a:srgbClr val="FFFFFF"/>
                 </a:solidFill>
               </a14:hiddenFill>
             </a:ext>
             <a:ext uri="{91240B29-F687-4f45-9708-019B960494DF}">
-              <a14:hiddenLine xmlns="" xmlns:a14="http://schemas.microsoft.com/office/drawing/2010/main" w="9525">
+              <a14:hiddenLine xmlns:a14="http://schemas.microsoft.com/office/drawing/2010/main" xmlns="" w="9525">
                 <a:solidFill>
                   <a:srgbClr val="000000"/>
                 </a:solidFill>
@@ -10021,14 +10021,14 @@
           </a:ln>
           <a:extLst>
             <a:ext uri="{909E8E84-426E-40dd-AFC4-6F175D3DCCD1}">
-              <a14:hiddenFill xmlns="" xmlns:a14="http://schemas.microsoft.com/office/drawing/2010/main">
+              <a14:hiddenFill xmlns:a14="http://schemas.microsoft.com/office/drawing/2010/main" xmlns="">
                 <a:solidFill>
                   <a:srgbClr val="FFFFFF"/>
                 </a:solidFill>
               </a14:hiddenFill>
             </a:ext>
             <a:ext uri="{91240B29-F687-4f45-9708-019B960494DF}">
-              <a14:hiddenLine xmlns="" xmlns:a14="http://schemas.microsoft.com/office/drawing/2010/main" w="9525">
+              <a14:hiddenLine xmlns:a14="http://schemas.microsoft.com/office/drawing/2010/main" xmlns="" w="9525">
                 <a:solidFill>
                   <a:srgbClr val="000000"/>
                 </a:solidFill>
@@ -10519,14 +10519,14 @@
           </a:ln>
           <a:extLst>
             <a:ext uri="{909E8E84-426E-40dd-AFC4-6F175D3DCCD1}">
-              <a14:hiddenFill xmlns="" xmlns:a14="http://schemas.microsoft.com/office/drawing/2010/main">
+              <a14:hiddenFill xmlns:a14="http://schemas.microsoft.com/office/drawing/2010/main" xmlns="">
                 <a:solidFill>
                   <a:srgbClr val="FFFFFF"/>
                 </a:solidFill>
               </a14:hiddenFill>
             </a:ext>
             <a:ext uri="{91240B29-F687-4f45-9708-019B960494DF}">
-              <a14:hiddenLine xmlns="" xmlns:a14="http://schemas.microsoft.com/office/drawing/2010/main" w="9525">
+              <a14:hiddenLine xmlns:a14="http://schemas.microsoft.com/office/drawing/2010/main" xmlns="" w="9525">
                 <a:solidFill>
                   <a:srgbClr val="000000"/>
                 </a:solidFill>
@@ -10577,14 +10577,14 @@
           </a:ln>
           <a:extLst>
             <a:ext uri="{909E8E84-426E-40dd-AFC4-6F175D3DCCD1}">
-              <a14:hiddenFill xmlns="" xmlns:a14="http://schemas.microsoft.com/office/drawing/2010/main">
+              <a14:hiddenFill xmlns:a14="http://schemas.microsoft.com/office/drawing/2010/main" xmlns="">
                 <a:solidFill>
                   <a:srgbClr val="FFFFFF"/>
                 </a:solidFill>
               </a14:hiddenFill>
             </a:ext>
             <a:ext uri="{91240B29-F687-4f45-9708-019B960494DF}">
-              <a14:hiddenLine xmlns="" xmlns:a14="http://schemas.microsoft.com/office/drawing/2010/main" w="9525">
+              <a14:hiddenLine xmlns:a14="http://schemas.microsoft.com/office/drawing/2010/main" xmlns="" w="9525">
                 <a:solidFill>
                   <a:srgbClr val="000000"/>
                 </a:solidFill>
@@ -11481,14 +11481,14 @@
           </a:ln>
           <a:extLst>
             <a:ext uri="{909E8E84-426E-40dd-AFC4-6F175D3DCCD1}">
-              <a14:hiddenFill xmlns="" xmlns:a14="http://schemas.microsoft.com/office/drawing/2010/main">
+              <a14:hiddenFill xmlns:a14="http://schemas.microsoft.com/office/drawing/2010/main" xmlns="">
                 <a:solidFill>
                   <a:srgbClr val="FFFFFF"/>
                 </a:solidFill>
               </a14:hiddenFill>
             </a:ext>
             <a:ext uri="{91240B29-F687-4f45-9708-019B960494DF}">
-              <a14:hiddenLine xmlns="" xmlns:a14="http://schemas.microsoft.com/office/drawing/2010/main" w="9525">
+              <a14:hiddenLine xmlns:a14="http://schemas.microsoft.com/office/drawing/2010/main" xmlns="" w="9525">
                 <a:solidFill>
                   <a:srgbClr val="000000"/>
                 </a:solidFill>
@@ -11881,14 +11881,14 @@
           </a:ln>
           <a:extLst>
             <a:ext uri="{909E8E84-426E-40dd-AFC4-6F175D3DCCD1}">
-              <a14:hiddenFill xmlns="" xmlns:a14="http://schemas.microsoft.com/office/drawing/2010/main">
+              <a14:hiddenFill xmlns:a14="http://schemas.microsoft.com/office/drawing/2010/main" xmlns="">
                 <a:solidFill>
                   <a:srgbClr val="FFFFFF"/>
                 </a:solidFill>
               </a14:hiddenFill>
             </a:ext>
             <a:ext uri="{91240B29-F687-4f45-9708-019B960494DF}">
-              <a14:hiddenLine xmlns="" xmlns:a14="http://schemas.microsoft.com/office/drawing/2010/main" w="9525">
+              <a14:hiddenLine xmlns:a14="http://schemas.microsoft.com/office/drawing/2010/main" xmlns="" w="9525">
                 <a:solidFill>
                   <a:srgbClr val="000000"/>
                 </a:solidFill>
@@ -13533,14 +13533,14 @@
           </a:ln>
           <a:extLst>
             <a:ext uri="{909E8E84-426E-40dd-AFC4-6F175D3DCCD1}">
-              <a14:hiddenFill xmlns="" xmlns:a14="http://schemas.microsoft.com/office/drawing/2010/main">
+              <a14:hiddenFill xmlns:a14="http://schemas.microsoft.com/office/drawing/2010/main" xmlns="">
                 <a:solidFill>
                   <a:srgbClr val="FFFFFF"/>
                 </a:solidFill>
               </a14:hiddenFill>
             </a:ext>
             <a:ext uri="{91240B29-F687-4f45-9708-019B960494DF}">
-              <a14:hiddenLine xmlns="" xmlns:a14="http://schemas.microsoft.com/office/drawing/2010/main" w="9525">
+              <a14:hiddenLine xmlns:a14="http://schemas.microsoft.com/office/drawing/2010/main" xmlns="" w="9525">
                 <a:solidFill>
                   <a:srgbClr val="000000"/>
                 </a:solidFill>
@@ -13867,14 +13867,14 @@
           </a:ln>
           <a:extLst>
             <a:ext uri="{909E8E84-426E-40dd-AFC4-6F175D3DCCD1}">
-              <a14:hiddenFill xmlns="" xmlns:a14="http://schemas.microsoft.com/office/drawing/2010/main">
+              <a14:hiddenFill xmlns:a14="http://schemas.microsoft.com/office/drawing/2010/main" xmlns="">
                 <a:solidFill>
                   <a:srgbClr val="FFFFFF"/>
                 </a:solidFill>
               </a14:hiddenFill>
             </a:ext>
             <a:ext uri="{91240B29-F687-4f45-9708-019B960494DF}">
-              <a14:hiddenLine xmlns="" xmlns:a14="http://schemas.microsoft.com/office/drawing/2010/main" w="9525">
+              <a14:hiddenLine xmlns:a14="http://schemas.microsoft.com/office/drawing/2010/main" xmlns="" w="9525">
                 <a:solidFill>
                   <a:srgbClr val="000000"/>
                 </a:solidFill>
@@ -14040,14 +14040,14 @@
           </a:ln>
           <a:extLst>
             <a:ext uri="{909E8E84-426E-40dd-AFC4-6F175D3DCCD1}">
-              <a14:hiddenFill xmlns="" xmlns:a14="http://schemas.microsoft.com/office/drawing/2010/main">
+              <a14:hiddenFill xmlns:a14="http://schemas.microsoft.com/office/drawing/2010/main" xmlns="">
                 <a:solidFill>
                   <a:srgbClr val="FFFFFF"/>
                 </a:solidFill>
               </a14:hiddenFill>
             </a:ext>
             <a:ext uri="{91240B29-F687-4f45-9708-019B960494DF}">
-              <a14:hiddenLine xmlns="" xmlns:a14="http://schemas.microsoft.com/office/drawing/2010/main" w="9525">
+              <a14:hiddenLine xmlns:a14="http://schemas.microsoft.com/office/drawing/2010/main" xmlns="" w="9525">
                 <a:solidFill>
                   <a:srgbClr val="000000"/>
                 </a:solidFill>
@@ -14213,14 +14213,14 @@
           </a:ln>
           <a:extLst>
             <a:ext uri="{909E8E84-426E-40dd-AFC4-6F175D3DCCD1}">
-              <a14:hiddenFill xmlns="" xmlns:a14="http://schemas.microsoft.com/office/drawing/2010/main">
+              <a14:hiddenFill xmlns:a14="http://schemas.microsoft.com/office/drawing/2010/main" xmlns="">
                 <a:solidFill>
                   <a:srgbClr val="FFFFFF"/>
                 </a:solidFill>
               </a14:hiddenFill>
             </a:ext>
             <a:ext uri="{91240B29-F687-4f45-9708-019B960494DF}">
-              <a14:hiddenLine xmlns="" xmlns:a14="http://schemas.microsoft.com/office/drawing/2010/main" w="9525">
+              <a14:hiddenLine xmlns:a14="http://schemas.microsoft.com/office/drawing/2010/main" xmlns="" w="9525">
                 <a:solidFill>
                   <a:srgbClr val="000000"/>
                 </a:solidFill>
@@ -14386,14 +14386,14 @@
           </a:ln>
           <a:extLst>
             <a:ext uri="{909E8E84-426E-40dd-AFC4-6F175D3DCCD1}">
-              <a14:hiddenFill xmlns="" xmlns:a14="http://schemas.microsoft.com/office/drawing/2010/main">
+              <a14:hiddenFill xmlns:a14="http://schemas.microsoft.com/office/drawing/2010/main" xmlns="">
                 <a:solidFill>
                   <a:srgbClr val="FFFFFF"/>
                 </a:solidFill>
               </a14:hiddenFill>
             </a:ext>
             <a:ext uri="{91240B29-F687-4f45-9708-019B960494DF}">
-              <a14:hiddenLine xmlns="" xmlns:a14="http://schemas.microsoft.com/office/drawing/2010/main" w="9525">
+              <a14:hiddenLine xmlns:a14="http://schemas.microsoft.com/office/drawing/2010/main" xmlns="" w="9525">
                 <a:solidFill>
                   <a:srgbClr val="000000"/>
                 </a:solidFill>
@@ -14559,14 +14559,14 @@
           </a:ln>
           <a:extLst>
             <a:ext uri="{909E8E84-426E-40dd-AFC4-6F175D3DCCD1}">
-              <a14:hiddenFill xmlns="" xmlns:a14="http://schemas.microsoft.com/office/drawing/2010/main">
+              <a14:hiddenFill xmlns:a14="http://schemas.microsoft.com/office/drawing/2010/main" xmlns="">
                 <a:solidFill>
                   <a:srgbClr val="FFFFFF"/>
                 </a:solidFill>
               </a14:hiddenFill>
             </a:ext>
             <a:ext uri="{91240B29-F687-4f45-9708-019B960494DF}">
-              <a14:hiddenLine xmlns="" xmlns:a14="http://schemas.microsoft.com/office/drawing/2010/main" w="9525">
+              <a14:hiddenLine xmlns:a14="http://schemas.microsoft.com/office/drawing/2010/main" xmlns="" w="9525">
                 <a:solidFill>
                   <a:srgbClr val="000000"/>
                 </a:solidFill>
@@ -16323,14 +16323,14 @@
           </a:ln>
           <a:extLst>
             <a:ext uri="{909E8E84-426E-40dd-AFC4-6F175D3DCCD1}">
-              <a14:hiddenFill xmlns="" xmlns:a14="http://schemas.microsoft.com/office/drawing/2010/main">
+              <a14:hiddenFill xmlns:a14="http://schemas.microsoft.com/office/drawing/2010/main" xmlns="">
                 <a:solidFill>
                   <a:srgbClr val="FFFFFF"/>
                 </a:solidFill>
               </a14:hiddenFill>
             </a:ext>
             <a:ext uri="{91240B29-F687-4f45-9708-019B960494DF}">
-              <a14:hiddenLine xmlns="" xmlns:a14="http://schemas.microsoft.com/office/drawing/2010/main" w="9525">
+              <a14:hiddenLine xmlns:a14="http://schemas.microsoft.com/office/drawing/2010/main" xmlns="" w="9525">
                 <a:solidFill>
                   <a:srgbClr val="000000"/>
                 </a:solidFill>
@@ -16377,14 +16377,14 @@
           </a:ln>
           <a:extLst>
             <a:ext uri="{909E8E84-426E-40dd-AFC4-6F175D3DCCD1}">
-              <a14:hiddenFill xmlns="" xmlns:a14="http://schemas.microsoft.com/office/drawing/2010/main">
+              <a14:hiddenFill xmlns:a14="http://schemas.microsoft.com/office/drawing/2010/main" xmlns="">
                 <a:solidFill>
                   <a:srgbClr val="FFFFFF"/>
                 </a:solidFill>
               </a14:hiddenFill>
             </a:ext>
             <a:ext uri="{91240B29-F687-4f45-9708-019B960494DF}">
-              <a14:hiddenLine xmlns="" xmlns:a14="http://schemas.microsoft.com/office/drawing/2010/main" w="9525">
+              <a14:hiddenLine xmlns:a14="http://schemas.microsoft.com/office/drawing/2010/main" xmlns="" w="9525">
                 <a:solidFill>
                   <a:srgbClr val="000000"/>
                 </a:solidFill>
@@ -16431,14 +16431,14 @@
           </a:ln>
           <a:extLst>
             <a:ext uri="{909E8E84-426E-40dd-AFC4-6F175D3DCCD1}">
-              <a14:hiddenFill xmlns="" xmlns:a14="http://schemas.microsoft.com/office/drawing/2010/main">
+              <a14:hiddenFill xmlns:a14="http://schemas.microsoft.com/office/drawing/2010/main" xmlns="">
                 <a:solidFill>
                   <a:srgbClr val="FFFFFF"/>
                 </a:solidFill>
               </a14:hiddenFill>
             </a:ext>
             <a:ext uri="{91240B29-F687-4f45-9708-019B960494DF}">
-              <a14:hiddenLine xmlns="" xmlns:a14="http://schemas.microsoft.com/office/drawing/2010/main" w="9525">
+              <a14:hiddenLine xmlns:a14="http://schemas.microsoft.com/office/drawing/2010/main" xmlns="" w="9525">
                 <a:solidFill>
                   <a:srgbClr val="000000"/>
                 </a:solidFill>
@@ -16485,14 +16485,14 @@
           </a:ln>
           <a:extLst>
             <a:ext uri="{909E8E84-426E-40dd-AFC4-6F175D3DCCD1}">
-              <a14:hiddenFill xmlns="" xmlns:a14="http://schemas.microsoft.com/office/drawing/2010/main">
+              <a14:hiddenFill xmlns:a14="http://schemas.microsoft.com/office/drawing/2010/main" xmlns="">
                 <a:solidFill>
                   <a:srgbClr val="FFFFFF"/>
                 </a:solidFill>
               </a14:hiddenFill>
             </a:ext>
             <a:ext uri="{91240B29-F687-4f45-9708-019B960494DF}">
-              <a14:hiddenLine xmlns="" xmlns:a14="http://schemas.microsoft.com/office/drawing/2010/main" w="9525">
+              <a14:hiddenLine xmlns:a14="http://schemas.microsoft.com/office/drawing/2010/main" xmlns="" w="9525">
                 <a:solidFill>
                   <a:srgbClr val="000000"/>
                 </a:solidFill>
@@ -17522,14 +17522,14 @@
           </a:ln>
           <a:extLst>
             <a:ext uri="{909E8E84-426E-40dd-AFC4-6F175D3DCCD1}">
-              <a14:hiddenFill xmlns="" xmlns:a14="http://schemas.microsoft.com/office/drawing/2010/main">
+              <a14:hiddenFill xmlns:a14="http://schemas.microsoft.com/office/drawing/2010/main" xmlns="">
                 <a:solidFill>
                   <a:srgbClr val="FFFFFF"/>
                 </a:solidFill>
               </a14:hiddenFill>
             </a:ext>
             <a:ext uri="{91240B29-F687-4f45-9708-019B960494DF}">
-              <a14:hiddenLine xmlns="" xmlns:a14="http://schemas.microsoft.com/office/drawing/2010/main" w="9525">
+              <a14:hiddenLine xmlns:a14="http://schemas.microsoft.com/office/drawing/2010/main" xmlns="" w="9525">
                 <a:solidFill>
                   <a:srgbClr val="000000"/>
                 </a:solidFill>
@@ -17576,14 +17576,14 @@
           </a:ln>
           <a:extLst>
             <a:ext uri="{909E8E84-426E-40dd-AFC4-6F175D3DCCD1}">
-              <a14:hiddenFill xmlns="" xmlns:a14="http://schemas.microsoft.com/office/drawing/2010/main">
+              <a14:hiddenFill xmlns:a14="http://schemas.microsoft.com/office/drawing/2010/main" xmlns="">
                 <a:solidFill>
                   <a:srgbClr val="FFFFFF"/>
                 </a:solidFill>
               </a14:hiddenFill>
             </a:ext>
             <a:ext uri="{91240B29-F687-4f45-9708-019B960494DF}">
-              <a14:hiddenLine xmlns="" xmlns:a14="http://schemas.microsoft.com/office/drawing/2010/main" w="9525">
+              <a14:hiddenLine xmlns:a14="http://schemas.microsoft.com/office/drawing/2010/main" xmlns="" w="9525">
                 <a:solidFill>
                   <a:srgbClr val="000000"/>
                 </a:solidFill>
@@ -17630,14 +17630,14 @@
           </a:ln>
           <a:extLst>
             <a:ext uri="{909E8E84-426E-40dd-AFC4-6F175D3DCCD1}">
-              <a14:hiddenFill xmlns="" xmlns:a14="http://schemas.microsoft.com/office/drawing/2010/main">
+              <a14:hiddenFill xmlns:a14="http://schemas.microsoft.com/office/drawing/2010/main" xmlns="">
                 <a:solidFill>
                   <a:srgbClr val="FFFFFF"/>
                 </a:solidFill>
               </a14:hiddenFill>
             </a:ext>
             <a:ext uri="{91240B29-F687-4f45-9708-019B960494DF}">
-              <a14:hiddenLine xmlns="" xmlns:a14="http://schemas.microsoft.com/office/drawing/2010/main" w="9525">
+              <a14:hiddenLine xmlns:a14="http://schemas.microsoft.com/office/drawing/2010/main" xmlns="" w="9525">
                 <a:solidFill>
                   <a:srgbClr val="000000"/>
                 </a:solidFill>
@@ -17684,14 +17684,14 @@
           </a:ln>
           <a:extLst>
             <a:ext uri="{909E8E84-426E-40dd-AFC4-6F175D3DCCD1}">
-              <a14:hiddenFill xmlns="" xmlns:a14="http://schemas.microsoft.com/office/drawing/2010/main">
+              <a14:hiddenFill xmlns:a14="http://schemas.microsoft.com/office/drawing/2010/main" xmlns="">
                 <a:solidFill>
                   <a:srgbClr val="FFFFFF"/>
                 </a:solidFill>
               </a14:hiddenFill>
             </a:ext>
             <a:ext uri="{91240B29-F687-4f45-9708-019B960494DF}">
-              <a14:hiddenLine xmlns="" xmlns:a14="http://schemas.microsoft.com/office/drawing/2010/main" w="9525">
+              <a14:hiddenLine xmlns:a14="http://schemas.microsoft.com/office/drawing/2010/main" xmlns="" w="9525">
                 <a:solidFill>
                   <a:srgbClr val="000000"/>
                 </a:solidFill>
@@ -17738,14 +17738,14 @@
           </a:ln>
           <a:extLst>
             <a:ext uri="{909E8E84-426E-40dd-AFC4-6F175D3DCCD1}">
-              <a14:hiddenFill xmlns="" xmlns:a14="http://schemas.microsoft.com/office/drawing/2010/main">
+              <a14:hiddenFill xmlns:a14="http://schemas.microsoft.com/office/drawing/2010/main" xmlns="">
                 <a:solidFill>
                   <a:srgbClr val="FFFFFF"/>
                 </a:solidFill>
               </a14:hiddenFill>
             </a:ext>
             <a:ext uri="{91240B29-F687-4f45-9708-019B960494DF}">
-              <a14:hiddenLine xmlns="" xmlns:a14="http://schemas.microsoft.com/office/drawing/2010/main" w="9525">
+              <a14:hiddenLine xmlns:a14="http://schemas.microsoft.com/office/drawing/2010/main" xmlns="" w="9525">
                 <a:solidFill>
                   <a:srgbClr val="000000"/>
                 </a:solidFill>
@@ -18493,14 +18493,14 @@
           </a:ln>
           <a:extLst>
             <a:ext uri="{909E8E84-426E-40dd-AFC4-6F175D3DCCD1}">
-              <a14:hiddenFill xmlns="" xmlns:a14="http://schemas.microsoft.com/office/drawing/2010/main">
+              <a14:hiddenFill xmlns:a14="http://schemas.microsoft.com/office/drawing/2010/main" xmlns="">
                 <a:solidFill>
                   <a:srgbClr val="FFFFFF"/>
                 </a:solidFill>
               </a14:hiddenFill>
             </a:ext>
             <a:ext uri="{91240B29-F687-4f45-9708-019B960494DF}">
-              <a14:hiddenLine xmlns="" xmlns:a14="http://schemas.microsoft.com/office/drawing/2010/main" w="9525">
+              <a14:hiddenLine xmlns:a14="http://schemas.microsoft.com/office/drawing/2010/main" xmlns="" w="9525">
                 <a:solidFill>
                   <a:srgbClr val="000000"/>
                 </a:solidFill>
@@ -19680,14 +19680,14 @@
           </a:ln>
           <a:extLst>
             <a:ext uri="{909E8E84-426E-40dd-AFC4-6F175D3DCCD1}">
-              <a14:hiddenFill xmlns="" xmlns:a14="http://schemas.microsoft.com/office/drawing/2010/main">
+              <a14:hiddenFill xmlns:a14="http://schemas.microsoft.com/office/drawing/2010/main" xmlns="">
                 <a:solidFill>
                   <a:srgbClr val="FFFFFF"/>
                 </a:solidFill>
               </a14:hiddenFill>
             </a:ext>
             <a:ext uri="{91240B29-F687-4f45-9708-019B960494DF}">
-              <a14:hiddenLine xmlns="" xmlns:a14="http://schemas.microsoft.com/office/drawing/2010/main" w="9525">
+              <a14:hiddenLine xmlns:a14="http://schemas.microsoft.com/office/drawing/2010/main" xmlns="" w="9525">
                 <a:solidFill>
                   <a:srgbClr val="000000"/>
                 </a:solidFill>
@@ -20016,14 +20016,14 @@
           </a:ln>
           <a:extLst>
             <a:ext uri="{909E8E84-426E-40dd-AFC4-6F175D3DCCD1}">
-              <a14:hiddenFill xmlns="" xmlns:a14="http://schemas.microsoft.com/office/drawing/2010/main">
+              <a14:hiddenFill xmlns:a14="http://schemas.microsoft.com/office/drawing/2010/main" xmlns="">
                 <a:solidFill>
                   <a:srgbClr val="FFFFFF"/>
                 </a:solidFill>
               </a14:hiddenFill>
             </a:ext>
             <a:ext uri="{91240B29-F687-4f45-9708-019B960494DF}">
-              <a14:hiddenLine xmlns="" xmlns:a14="http://schemas.microsoft.com/office/drawing/2010/main" w="9525">
+              <a14:hiddenLine xmlns:a14="http://schemas.microsoft.com/office/drawing/2010/main" xmlns="" w="9525">
                 <a:solidFill>
                   <a:srgbClr val="000000"/>
                 </a:solidFill>
@@ -20194,139 +20194,83 @@
           </a:lstStyle>
           <a:p>
             <a:r>
-              <a:rPr lang="tr-TR" sz="2800"/>
+              <a:rPr lang="tr-TR" sz="2800" dirty="0"/>
               <a:t>Hükümet Harcamaları, Vergileri ve Transferleri:</a:t>
             </a:r>
           </a:p>
           <a:p>
             <a:pPr lvl="1"/>
             <a:r>
-              <a:rPr lang="tr-TR" sz="2400"/>
-              <a:t>Hükümet </a:t>
-            </a:r>
-            <a:r>
               <a:rPr lang="tr-TR" sz="2400" dirty="0"/>
-              <a:t>Harcamalarındaki artış (azalış) G aracılığı ile toplam talepte artışa (azalışa) neden </a:t>
-            </a:r>
-            <a:r>
-              <a:rPr lang="tr-TR" sz="2400"/>
-              <a:t>olur. </a:t>
-            </a:r>
-            <a:r>
-              <a:rPr lang="tr-TR" sz="2400">
+              <a:t>Hükümet Harcamalarındaki artış (azalış) G aracılığı ile toplam talepte artışa (azalışa) neden olur. </a:t>
+            </a:r>
+            <a:r>
+              <a:rPr lang="tr-TR" sz="2400" dirty="0">
                 <a:sym typeface="Wingdings"/>
               </a:rPr>
               <a:t></a:t>
             </a:r>
             <a:r>
-              <a:rPr lang="tr-TR" sz="2400"/>
-              <a:t> Pozitif </a:t>
-            </a:r>
-            <a:r>
               <a:rPr lang="tr-TR" sz="2400" dirty="0"/>
-              <a:t>bir ilişki.</a:t>
+              <a:t> Pozitif bir ilişki.</a:t>
             </a:r>
           </a:p>
           <a:p>
             <a:pPr lvl="1"/>
             <a:r>
               <a:rPr lang="tr-TR" sz="2400" dirty="0"/>
-              <a:t>Vergilerdeki artış (azalış) G aracılığı ile toplam talepte azalışa (artışa) </a:t>
-            </a:r>
-            <a:r>
-              <a:rPr lang="tr-TR" sz="2400"/>
-              <a:t>neden olur. </a:t>
-            </a:r>
-            <a:r>
-              <a:rPr lang="tr-TR" sz="2400">
+              <a:t>Vergilerdeki artış (azalış) C aracılığı ile toplam talepte azalışa (artışa) neden olur. </a:t>
+            </a:r>
+            <a:r>
+              <a:rPr lang="tr-TR" sz="2400" dirty="0">
                 <a:sym typeface="Wingdings"/>
               </a:rPr>
               <a:t></a:t>
             </a:r>
             <a:r>
-              <a:rPr lang="tr-TR" sz="2400"/>
-              <a:t> Negatif </a:t>
-            </a:r>
-            <a:r>
               <a:rPr lang="tr-TR" sz="2400" dirty="0"/>
-              <a:t>bir </a:t>
-            </a:r>
-            <a:r>
-              <a:rPr lang="tr-TR" sz="2400"/>
-              <a:t>ilişki.</a:t>
-            </a:r>
-            <a:endParaRPr lang="tr-TR" sz="2000"/>
+              <a:t> Negatif bir ilişki.</a:t>
+            </a:r>
+            <a:endParaRPr lang="tr-TR" sz="2000" dirty="0"/>
           </a:p>
           <a:p>
             <a:pPr lvl="1"/>
             <a:r>
-              <a:rPr lang="tr-TR" sz="2400"/>
-              <a:t>Hükümet </a:t>
-            </a:r>
-            <a:r>
               <a:rPr lang="tr-TR" sz="2400" dirty="0"/>
-              <a:t>Transferlerindeki artış (azalış) G aracılığı ile toplam talepte artışa (azalışa) neden </a:t>
-            </a:r>
-            <a:r>
-              <a:rPr lang="tr-TR" sz="2400"/>
-              <a:t>olur. </a:t>
-            </a:r>
-            <a:r>
-              <a:rPr lang="tr-TR" sz="2400">
+              <a:t>Hükümet Transferlerindeki artış (azalış) C aracılığı ile toplam talepte artışa (azalışa) neden olur. </a:t>
+            </a:r>
+            <a:r>
+              <a:rPr lang="tr-TR" sz="2400" dirty="0">
                 <a:sym typeface="Wingdings"/>
               </a:rPr>
               <a:t></a:t>
             </a:r>
             <a:r>
-              <a:rPr lang="tr-TR" sz="2400"/>
-              <a:t> Pozitif </a:t>
-            </a:r>
-            <a:r>
               <a:rPr lang="tr-TR" sz="2400" dirty="0"/>
-              <a:t>bir </a:t>
-            </a:r>
-            <a:r>
-              <a:rPr lang="tr-TR" sz="2400"/>
-              <a:t>ilişki. </a:t>
-            </a:r>
-          </a:p>
-          <a:p>
-            <a:r>
-              <a:rPr lang="tr-TR" sz="2800"/>
+              <a:t> Pozitif bir ilişki. </a:t>
+            </a:r>
+          </a:p>
+          <a:p>
+            <a:r>
+              <a:rPr lang="tr-TR" sz="2800" dirty="0"/>
               <a:t>Gelecek Hakkındaki Beklentiler:</a:t>
             </a:r>
           </a:p>
           <a:p>
             <a:pPr lvl="1"/>
             <a:r>
-              <a:rPr lang="tr-TR" sz="2400"/>
-              <a:t>Ekonominin </a:t>
-            </a:r>
-            <a:r>
               <a:rPr lang="tr-TR" sz="2400" dirty="0"/>
-              <a:t>gelecekteki durumu hakkındaki pozitif (negatif) beklenti C aracılığı ile toplam talepte artışa (azalışa) </a:t>
-            </a:r>
-            <a:r>
-              <a:rPr lang="tr-TR" sz="2400"/>
-              <a:t>neden olur. </a:t>
-            </a:r>
-            <a:r>
-              <a:rPr lang="tr-TR" sz="2400">
+              <a:t>Ekonominin gelecekteki durumu hakkındaki pozitif (negatif) beklenti C aracılığı ile toplam talepte artışa (azalışa) neden olur. </a:t>
+            </a:r>
+            <a:r>
+              <a:rPr lang="tr-TR" sz="2400" dirty="0">
                 <a:sym typeface="Wingdings"/>
               </a:rPr>
               <a:t></a:t>
             </a:r>
             <a:r>
-              <a:rPr lang="tr-TR" sz="2400"/>
-              <a:t> Pozitif </a:t>
-            </a:r>
-            <a:r>
               <a:rPr lang="tr-TR" sz="2400" dirty="0"/>
-              <a:t>bir </a:t>
-            </a:r>
-            <a:r>
-              <a:rPr lang="tr-TR" sz="2400"/>
-              <a:t>ilişki.</a:t>
+              <a:t> Pozitif bir ilişki.</a:t>
             </a:r>
             <a:endParaRPr lang="tr-TR" sz="2000" dirty="0"/>
           </a:p>
@@ -20421,14 +20365,14 @@
           </a:ln>
           <a:extLst>
             <a:ext uri="{909E8E84-426E-40dd-AFC4-6F175D3DCCD1}">
-              <a14:hiddenFill xmlns="" xmlns:a14="http://schemas.microsoft.com/office/drawing/2010/main">
+              <a14:hiddenFill xmlns:a14="http://schemas.microsoft.com/office/drawing/2010/main" xmlns="">
                 <a:solidFill>
                   <a:srgbClr val="FFFFFF"/>
                 </a:solidFill>
               </a14:hiddenFill>
             </a:ext>
             <a:ext uri="{91240B29-F687-4f45-9708-019B960494DF}">
-              <a14:hiddenLine xmlns="" xmlns:a14="http://schemas.microsoft.com/office/drawing/2010/main" w="9525">
+              <a14:hiddenLine xmlns:a14="http://schemas.microsoft.com/office/drawing/2010/main" xmlns="" w="9525">
                 <a:solidFill>
                   <a:srgbClr val="000000"/>
                 </a:solidFill>
@@ -20761,14 +20705,14 @@
           </a:ln>
           <a:extLst>
             <a:ext uri="{909E8E84-426E-40dd-AFC4-6F175D3DCCD1}">
-              <a14:hiddenFill xmlns="" xmlns:a14="http://schemas.microsoft.com/office/drawing/2010/main">
+              <a14:hiddenFill xmlns:a14="http://schemas.microsoft.com/office/drawing/2010/main" xmlns="">
                 <a:solidFill>
                   <a:srgbClr val="FFFFFF"/>
                 </a:solidFill>
               </a14:hiddenFill>
             </a:ext>
             <a:ext uri="{91240B29-F687-4f45-9708-019B960494DF}">
-              <a14:hiddenLine xmlns="" xmlns:a14="http://schemas.microsoft.com/office/drawing/2010/main" w="9525">
+              <a14:hiddenLine xmlns:a14="http://schemas.microsoft.com/office/drawing/2010/main" xmlns="" w="9525">
                 <a:solidFill>
                   <a:srgbClr val="000000"/>
                 </a:solidFill>
@@ -20977,14 +20921,14 @@
           </a:ln>
           <a:extLst>
             <a:ext uri="{909E8E84-426E-40dd-AFC4-6F175D3DCCD1}">
-              <a14:hiddenFill xmlns="" xmlns:a14="http://schemas.microsoft.com/office/drawing/2010/main">
+              <a14:hiddenFill xmlns:a14="http://schemas.microsoft.com/office/drawing/2010/main" xmlns="">
                 <a:solidFill>
                   <a:srgbClr val="FFFFFF"/>
                 </a:solidFill>
               </a14:hiddenFill>
             </a:ext>
             <a:ext uri="{91240B29-F687-4f45-9708-019B960494DF}">
-              <a14:hiddenLine xmlns="" xmlns:a14="http://schemas.microsoft.com/office/drawing/2010/main" w="9525">
+              <a14:hiddenLine xmlns:a14="http://schemas.microsoft.com/office/drawing/2010/main" xmlns="" w="9525">
                 <a:solidFill>
                   <a:srgbClr val="000000"/>
                 </a:solidFill>
@@ -21031,14 +20975,14 @@
           </a:ln>
           <a:extLst>
             <a:ext uri="{909E8E84-426E-40dd-AFC4-6F175D3DCCD1}">
-              <a14:hiddenFill xmlns="" xmlns:a14="http://schemas.microsoft.com/office/drawing/2010/main">
+              <a14:hiddenFill xmlns:a14="http://schemas.microsoft.com/office/drawing/2010/main" xmlns="">
                 <a:solidFill>
                   <a:srgbClr val="FFFFFF"/>
                 </a:solidFill>
               </a14:hiddenFill>
             </a:ext>
             <a:ext uri="{91240B29-F687-4f45-9708-019B960494DF}">
-              <a14:hiddenLine xmlns="" xmlns:a14="http://schemas.microsoft.com/office/drawing/2010/main" w="9525">
+              <a14:hiddenLine xmlns:a14="http://schemas.microsoft.com/office/drawing/2010/main" xmlns="" w="9525">
                 <a:solidFill>
                   <a:srgbClr val="000000"/>
                 </a:solidFill>
@@ -21085,14 +21029,14 @@
           </a:ln>
           <a:extLst>
             <a:ext uri="{909E8E84-426E-40dd-AFC4-6F175D3DCCD1}">
-              <a14:hiddenFill xmlns="" xmlns:a14="http://schemas.microsoft.com/office/drawing/2010/main">
+              <a14:hiddenFill xmlns:a14="http://schemas.microsoft.com/office/drawing/2010/main" xmlns="">
                 <a:solidFill>
                   <a:srgbClr val="FFFFFF"/>
                 </a:solidFill>
               </a14:hiddenFill>
             </a:ext>
             <a:ext uri="{91240B29-F687-4f45-9708-019B960494DF}">
-              <a14:hiddenLine xmlns="" xmlns:a14="http://schemas.microsoft.com/office/drawing/2010/main" w="9525">
+              <a14:hiddenLine xmlns:a14="http://schemas.microsoft.com/office/drawing/2010/main" xmlns="" w="9525">
                 <a:solidFill>
                   <a:srgbClr val="000000"/>
                 </a:solidFill>
@@ -21139,14 +21083,14 @@
           </a:ln>
           <a:extLst>
             <a:ext uri="{909E8E84-426E-40dd-AFC4-6F175D3DCCD1}">
-              <a14:hiddenFill xmlns="" xmlns:a14="http://schemas.microsoft.com/office/drawing/2010/main">
+              <a14:hiddenFill xmlns:a14="http://schemas.microsoft.com/office/drawing/2010/main" xmlns="">
                 <a:solidFill>
                   <a:srgbClr val="FFFFFF"/>
                 </a:solidFill>
               </a14:hiddenFill>
             </a:ext>
             <a:ext uri="{91240B29-F687-4f45-9708-019B960494DF}">
-              <a14:hiddenLine xmlns="" xmlns:a14="http://schemas.microsoft.com/office/drawing/2010/main" w="9525">
+              <a14:hiddenLine xmlns:a14="http://schemas.microsoft.com/office/drawing/2010/main" xmlns="" w="9525">
                 <a:solidFill>
                   <a:srgbClr val="000000"/>
                 </a:solidFill>
@@ -22842,16 +22786,10 @@
           <a:p>
             <a:pPr lvl="1"/>
             <a:r>
-              <a:rPr lang="tr-TR" sz="2400">
-                <a:ea typeface="MS PGothic" charset="0"/>
-              </a:rPr>
-              <a:t>Kısa-Dönem </a:t>
-            </a:r>
-            <a:r>
               <a:rPr lang="tr-TR" sz="2400" dirty="0">
                 <a:ea typeface="MS PGothic" charset="0"/>
               </a:rPr>
-              <a:t>Toplam Arz Eğrisi (</a:t>
+              <a:t>Kısa-Dönem Toplam Arz Eğrisi (</a:t>
             </a:r>
             <a:r>
               <a:rPr lang="tr-TR" sz="2400" noProof="0" dirty="0" err="1">
@@ -23374,14 +23312,14 @@
           </a:ln>
           <a:extLst>
             <a:ext uri="{909E8E84-426E-40dd-AFC4-6F175D3DCCD1}">
-              <a14:hiddenFill xmlns="" xmlns:a14="http://schemas.microsoft.com/office/drawing/2010/main">
+              <a14:hiddenFill xmlns:a14="http://schemas.microsoft.com/office/drawing/2010/main" xmlns="">
                 <a:solidFill>
                   <a:srgbClr val="FFFFFF"/>
                 </a:solidFill>
               </a14:hiddenFill>
             </a:ext>
             <a:ext uri="{91240B29-F687-4f45-9708-019B960494DF}">
-              <a14:hiddenLine xmlns="" xmlns:a14="http://schemas.microsoft.com/office/drawing/2010/main" w="9525">
+              <a14:hiddenLine xmlns:a14="http://schemas.microsoft.com/office/drawing/2010/main" xmlns="" w="9525">
                 <a:solidFill>
                   <a:srgbClr val="000000"/>
                 </a:solidFill>
@@ -24012,14 +23950,14 @@
           </a:ln>
           <a:extLst>
             <a:ext uri="{909E8E84-426E-40dd-AFC4-6F175D3DCCD1}">
-              <a14:hiddenFill xmlns="" xmlns:a14="http://schemas.microsoft.com/office/drawing/2010/main">
+              <a14:hiddenFill xmlns:a14="http://schemas.microsoft.com/office/drawing/2010/main" xmlns="">
                 <a:solidFill>
                   <a:srgbClr val="FFFFFF"/>
                 </a:solidFill>
               </a14:hiddenFill>
             </a:ext>
             <a:ext uri="{91240B29-F687-4f45-9708-019B960494DF}">
-              <a14:hiddenLine xmlns="" xmlns:a14="http://schemas.microsoft.com/office/drawing/2010/main" w="9525">
+              <a14:hiddenLine xmlns:a14="http://schemas.microsoft.com/office/drawing/2010/main" xmlns="" w="9525">
                 <a:solidFill>
                   <a:srgbClr val="000000"/>
                 </a:solidFill>
@@ -24066,14 +24004,14 @@
           </a:ln>
           <a:extLst>
             <a:ext uri="{909E8E84-426E-40dd-AFC4-6F175D3DCCD1}">
-              <a14:hiddenFill xmlns="" xmlns:a14="http://schemas.microsoft.com/office/drawing/2010/main">
+              <a14:hiddenFill xmlns:a14="http://schemas.microsoft.com/office/drawing/2010/main" xmlns="">
                 <a:solidFill>
                   <a:srgbClr val="FFFFFF"/>
                 </a:solidFill>
               </a14:hiddenFill>
             </a:ext>
             <a:ext uri="{91240B29-F687-4f45-9708-019B960494DF}">
-              <a14:hiddenLine xmlns="" xmlns:a14="http://schemas.microsoft.com/office/drawing/2010/main" w="9525">
+              <a14:hiddenLine xmlns:a14="http://schemas.microsoft.com/office/drawing/2010/main" xmlns="" w="9525">
                 <a:solidFill>
                   <a:srgbClr val="000000"/>
                 </a:solidFill>
@@ -24120,14 +24058,14 @@
           </a:ln>
           <a:extLst>
             <a:ext uri="{909E8E84-426E-40dd-AFC4-6F175D3DCCD1}">
-              <a14:hiddenFill xmlns="" xmlns:a14="http://schemas.microsoft.com/office/drawing/2010/main">
+              <a14:hiddenFill xmlns:a14="http://schemas.microsoft.com/office/drawing/2010/main" xmlns="">
                 <a:solidFill>
                   <a:srgbClr val="FFFFFF"/>
                 </a:solidFill>
               </a14:hiddenFill>
             </a:ext>
             <a:ext uri="{91240B29-F687-4f45-9708-019B960494DF}">
-              <a14:hiddenLine xmlns="" xmlns:a14="http://schemas.microsoft.com/office/drawing/2010/main" w="9525">
+              <a14:hiddenLine xmlns:a14="http://schemas.microsoft.com/office/drawing/2010/main" xmlns="" w="9525">
                 <a:solidFill>
                   <a:srgbClr val="000000"/>
                 </a:solidFill>
@@ -24174,14 +24112,14 @@
           </a:ln>
           <a:extLst>
             <a:ext uri="{909E8E84-426E-40dd-AFC4-6F175D3DCCD1}">
-              <a14:hiddenFill xmlns="" xmlns:a14="http://schemas.microsoft.com/office/drawing/2010/main">
+              <a14:hiddenFill xmlns:a14="http://schemas.microsoft.com/office/drawing/2010/main" xmlns="">
                 <a:solidFill>
                   <a:srgbClr val="FFFFFF"/>
                 </a:solidFill>
               </a14:hiddenFill>
             </a:ext>
             <a:ext uri="{91240B29-F687-4f45-9708-019B960494DF}">
-              <a14:hiddenLine xmlns="" xmlns:a14="http://schemas.microsoft.com/office/drawing/2010/main" w="9525">
+              <a14:hiddenLine xmlns:a14="http://schemas.microsoft.com/office/drawing/2010/main" xmlns="" w="9525">
                 <a:solidFill>
                   <a:srgbClr val="000000"/>
                 </a:solidFill>
@@ -24228,14 +24166,14 @@
           </a:ln>
           <a:extLst>
             <a:ext uri="{909E8E84-426E-40dd-AFC4-6F175D3DCCD1}">
-              <a14:hiddenFill xmlns="" xmlns:a14="http://schemas.microsoft.com/office/drawing/2010/main">
+              <a14:hiddenFill xmlns:a14="http://schemas.microsoft.com/office/drawing/2010/main" xmlns="">
                 <a:solidFill>
                   <a:srgbClr val="FFFFFF"/>
                 </a:solidFill>
               </a14:hiddenFill>
             </a:ext>
             <a:ext uri="{91240B29-F687-4f45-9708-019B960494DF}">
-              <a14:hiddenLine xmlns="" xmlns:a14="http://schemas.microsoft.com/office/drawing/2010/main" w="9525">
+              <a14:hiddenLine xmlns:a14="http://schemas.microsoft.com/office/drawing/2010/main" xmlns="" w="9525">
                 <a:solidFill>
                   <a:srgbClr val="000000"/>
                 </a:solidFill>
@@ -25022,14 +24960,14 @@
           </a:ln>
           <a:extLst>
             <a:ext uri="{909E8E84-426E-40dd-AFC4-6F175D3DCCD1}">
-              <a14:hiddenFill xmlns="" xmlns:a14="http://schemas.microsoft.com/office/drawing/2010/main">
+              <a14:hiddenFill xmlns:a14="http://schemas.microsoft.com/office/drawing/2010/main" xmlns="">
                 <a:solidFill>
                   <a:srgbClr val="FFFFFF"/>
                 </a:solidFill>
               </a14:hiddenFill>
             </a:ext>
             <a:ext uri="{91240B29-F687-4f45-9708-019B960494DF}">
-              <a14:hiddenLine xmlns="" xmlns:a14="http://schemas.microsoft.com/office/drawing/2010/main" w="9525">
+              <a14:hiddenLine xmlns:a14="http://schemas.microsoft.com/office/drawing/2010/main" xmlns="" w="9525">
                 <a:solidFill>
                   <a:srgbClr val="000000"/>
                 </a:solidFill>
@@ -25194,14 +25132,14 @@
           </a:ln>
           <a:extLst>
             <a:ext uri="{909E8E84-426E-40dd-AFC4-6F175D3DCCD1}">
-              <a14:hiddenFill xmlns="" xmlns:a14="http://schemas.microsoft.com/office/drawing/2010/main">
+              <a14:hiddenFill xmlns:a14="http://schemas.microsoft.com/office/drawing/2010/main" xmlns="">
                 <a:solidFill>
                   <a:srgbClr val="FFFFFF"/>
                 </a:solidFill>
               </a14:hiddenFill>
             </a:ext>
             <a:ext uri="{91240B29-F687-4f45-9708-019B960494DF}">
-              <a14:hiddenLine xmlns="" xmlns:a14="http://schemas.microsoft.com/office/drawing/2010/main" w="9525">
+              <a14:hiddenLine xmlns:a14="http://schemas.microsoft.com/office/drawing/2010/main" xmlns="" w="9525">
                 <a:solidFill>
                   <a:srgbClr val="000000"/>
                 </a:solidFill>
@@ -25749,14 +25687,14 @@
           </a:ln>
           <a:extLst>
             <a:ext uri="{909E8E84-426E-40dd-AFC4-6F175D3DCCD1}">
-              <a14:hiddenFill xmlns="" xmlns:a14="http://schemas.microsoft.com/office/drawing/2010/main">
+              <a14:hiddenFill xmlns:a14="http://schemas.microsoft.com/office/drawing/2010/main" xmlns="">
                 <a:solidFill>
                   <a:srgbClr val="FFFFFF"/>
                 </a:solidFill>
               </a14:hiddenFill>
             </a:ext>
             <a:ext uri="{91240B29-F687-4f45-9708-019B960494DF}">
-              <a14:hiddenLine xmlns="" xmlns:a14="http://schemas.microsoft.com/office/drawing/2010/main" w="9525">
+              <a14:hiddenLine xmlns:a14="http://schemas.microsoft.com/office/drawing/2010/main" xmlns="" w="9525">
                 <a:solidFill>
                   <a:srgbClr val="000000"/>
                 </a:solidFill>
@@ -25803,14 +25741,14 @@
           </a:ln>
           <a:extLst>
             <a:ext uri="{909E8E84-426E-40dd-AFC4-6F175D3DCCD1}">
-              <a14:hiddenFill xmlns="" xmlns:a14="http://schemas.microsoft.com/office/drawing/2010/main">
+              <a14:hiddenFill xmlns:a14="http://schemas.microsoft.com/office/drawing/2010/main" xmlns="">
                 <a:solidFill>
                   <a:srgbClr val="FFFFFF"/>
                 </a:solidFill>
               </a14:hiddenFill>
             </a:ext>
             <a:ext uri="{91240B29-F687-4f45-9708-019B960494DF}">
-              <a14:hiddenLine xmlns="" xmlns:a14="http://schemas.microsoft.com/office/drawing/2010/main" w="9525">
+              <a14:hiddenLine xmlns:a14="http://schemas.microsoft.com/office/drawing/2010/main" xmlns="" w="9525">
                 <a:solidFill>
                   <a:srgbClr val="000000"/>
                 </a:solidFill>
@@ -25857,14 +25795,14 @@
           </a:ln>
           <a:extLst>
             <a:ext uri="{909E8E84-426E-40dd-AFC4-6F175D3DCCD1}">
-              <a14:hiddenFill xmlns="" xmlns:a14="http://schemas.microsoft.com/office/drawing/2010/main">
+              <a14:hiddenFill xmlns:a14="http://schemas.microsoft.com/office/drawing/2010/main" xmlns="">
                 <a:solidFill>
                   <a:srgbClr val="FFFFFF"/>
                 </a:solidFill>
               </a14:hiddenFill>
             </a:ext>
             <a:ext uri="{91240B29-F687-4f45-9708-019B960494DF}">
-              <a14:hiddenLine xmlns="" xmlns:a14="http://schemas.microsoft.com/office/drawing/2010/main" w="9525">
+              <a14:hiddenLine xmlns:a14="http://schemas.microsoft.com/office/drawing/2010/main" xmlns="" w="9525">
                 <a:solidFill>
                   <a:srgbClr val="000000"/>
                 </a:solidFill>
@@ -27115,14 +27053,14 @@
           </a:ln>
           <a:extLst>
             <a:ext uri="{909E8E84-426E-40dd-AFC4-6F175D3DCCD1}">
-              <a14:hiddenFill xmlns="" xmlns:a14="http://schemas.microsoft.com/office/drawing/2010/main">
+              <a14:hiddenFill xmlns:a14="http://schemas.microsoft.com/office/drawing/2010/main" xmlns="">
                 <a:solidFill>
                   <a:srgbClr val="FFFFFF"/>
                 </a:solidFill>
               </a14:hiddenFill>
             </a:ext>
             <a:ext uri="{91240B29-F687-4f45-9708-019B960494DF}">
-              <a14:hiddenLine xmlns="" xmlns:a14="http://schemas.microsoft.com/office/drawing/2010/main" w="9525">
+              <a14:hiddenLine xmlns:a14="http://schemas.microsoft.com/office/drawing/2010/main" xmlns="" w="9525">
                 <a:solidFill>
                   <a:srgbClr val="000000"/>
                 </a:solidFill>
@@ -27169,14 +27107,14 @@
           </a:ln>
           <a:extLst>
             <a:ext uri="{909E8E84-426E-40dd-AFC4-6F175D3DCCD1}">
-              <a14:hiddenFill xmlns="" xmlns:a14="http://schemas.microsoft.com/office/drawing/2010/main">
+              <a14:hiddenFill xmlns:a14="http://schemas.microsoft.com/office/drawing/2010/main" xmlns="">
                 <a:solidFill>
                   <a:srgbClr val="FFFFFF"/>
                 </a:solidFill>
               </a14:hiddenFill>
             </a:ext>
             <a:ext uri="{91240B29-F687-4f45-9708-019B960494DF}">
-              <a14:hiddenLine xmlns="" xmlns:a14="http://schemas.microsoft.com/office/drawing/2010/main" w="9525">
+              <a14:hiddenLine xmlns:a14="http://schemas.microsoft.com/office/drawing/2010/main" xmlns="" w="9525">
                 <a:solidFill>
                   <a:srgbClr val="000000"/>
                 </a:solidFill>
@@ -27223,14 +27161,14 @@
           </a:ln>
           <a:extLst>
             <a:ext uri="{909E8E84-426E-40dd-AFC4-6F175D3DCCD1}">
-              <a14:hiddenFill xmlns="" xmlns:a14="http://schemas.microsoft.com/office/drawing/2010/main">
+              <a14:hiddenFill xmlns:a14="http://schemas.microsoft.com/office/drawing/2010/main" xmlns="">
                 <a:solidFill>
                   <a:srgbClr val="FFFFFF"/>
                 </a:solidFill>
               </a14:hiddenFill>
             </a:ext>
             <a:ext uri="{91240B29-F687-4f45-9708-019B960494DF}">
-              <a14:hiddenLine xmlns="" xmlns:a14="http://schemas.microsoft.com/office/drawing/2010/main" w="9525">
+              <a14:hiddenLine xmlns:a14="http://schemas.microsoft.com/office/drawing/2010/main" xmlns="" w="9525">
                 <a:solidFill>
                   <a:srgbClr val="000000"/>
                 </a:solidFill>
@@ -27866,14 +27804,14 @@
           </a:ln>
           <a:extLst>
             <a:ext uri="{909E8E84-426E-40dd-AFC4-6F175D3DCCD1}">
-              <a14:hiddenFill xmlns="" xmlns:a14="http://schemas.microsoft.com/office/drawing/2010/main">
+              <a14:hiddenFill xmlns:a14="http://schemas.microsoft.com/office/drawing/2010/main" xmlns="">
                 <a:solidFill>
                   <a:srgbClr val="FFFFFF"/>
                 </a:solidFill>
               </a14:hiddenFill>
             </a:ext>
             <a:ext uri="{91240B29-F687-4f45-9708-019B960494DF}">
-              <a14:hiddenLine xmlns="" xmlns:a14="http://schemas.microsoft.com/office/drawing/2010/main" w="9525">
+              <a14:hiddenLine xmlns:a14="http://schemas.microsoft.com/office/drawing/2010/main" xmlns="" w="9525">
                 <a:solidFill>
                   <a:srgbClr val="000000"/>
                 </a:solidFill>
@@ -27920,14 +27858,14 @@
           </a:ln>
           <a:extLst>
             <a:ext uri="{909E8E84-426E-40dd-AFC4-6F175D3DCCD1}">
-              <a14:hiddenFill xmlns="" xmlns:a14="http://schemas.microsoft.com/office/drawing/2010/main">
+              <a14:hiddenFill xmlns:a14="http://schemas.microsoft.com/office/drawing/2010/main" xmlns="">
                 <a:solidFill>
                   <a:srgbClr val="FFFFFF"/>
                 </a:solidFill>
               </a14:hiddenFill>
             </a:ext>
             <a:ext uri="{91240B29-F687-4f45-9708-019B960494DF}">
-              <a14:hiddenLine xmlns="" xmlns:a14="http://schemas.microsoft.com/office/drawing/2010/main" w="9525">
+              <a14:hiddenLine xmlns:a14="http://schemas.microsoft.com/office/drawing/2010/main" xmlns="" w="9525">
                 <a:solidFill>
                   <a:srgbClr val="000000"/>
                 </a:solidFill>
@@ -27974,14 +27912,14 @@
           </a:ln>
           <a:extLst>
             <a:ext uri="{909E8E84-426E-40dd-AFC4-6F175D3DCCD1}">
-              <a14:hiddenFill xmlns="" xmlns:a14="http://schemas.microsoft.com/office/drawing/2010/main">
+              <a14:hiddenFill xmlns:a14="http://schemas.microsoft.com/office/drawing/2010/main" xmlns="">
                 <a:solidFill>
                   <a:srgbClr val="FFFFFF"/>
                 </a:solidFill>
               </a14:hiddenFill>
             </a:ext>
             <a:ext uri="{91240B29-F687-4f45-9708-019B960494DF}">
-              <a14:hiddenLine xmlns="" xmlns:a14="http://schemas.microsoft.com/office/drawing/2010/main" w="9525">
+              <a14:hiddenLine xmlns:a14="http://schemas.microsoft.com/office/drawing/2010/main" xmlns="" w="9525">
                 <a:solidFill>
                   <a:srgbClr val="000000"/>
                 </a:solidFill>
@@ -28028,14 +27966,14 @@
           </a:ln>
           <a:extLst>
             <a:ext uri="{909E8E84-426E-40dd-AFC4-6F175D3DCCD1}">
-              <a14:hiddenFill xmlns="" xmlns:a14="http://schemas.microsoft.com/office/drawing/2010/main">
+              <a14:hiddenFill xmlns:a14="http://schemas.microsoft.com/office/drawing/2010/main" xmlns="">
                 <a:solidFill>
                   <a:srgbClr val="FFFFFF"/>
                 </a:solidFill>
               </a14:hiddenFill>
             </a:ext>
             <a:ext uri="{91240B29-F687-4f45-9708-019B960494DF}">
-              <a14:hiddenLine xmlns="" xmlns:a14="http://schemas.microsoft.com/office/drawing/2010/main" w="9525">
+              <a14:hiddenLine xmlns:a14="http://schemas.microsoft.com/office/drawing/2010/main" xmlns="" w="9525">
                 <a:solidFill>
                   <a:srgbClr val="000000"/>
                 </a:solidFill>
@@ -28082,14 +28020,14 @@
           </a:ln>
           <a:extLst>
             <a:ext uri="{909E8E84-426E-40dd-AFC4-6F175D3DCCD1}">
-              <a14:hiddenFill xmlns="" xmlns:a14="http://schemas.microsoft.com/office/drawing/2010/main">
+              <a14:hiddenFill xmlns:a14="http://schemas.microsoft.com/office/drawing/2010/main" xmlns="">
                 <a:solidFill>
                   <a:srgbClr val="FFFFFF"/>
                 </a:solidFill>
               </a14:hiddenFill>
             </a:ext>
             <a:ext uri="{91240B29-F687-4f45-9708-019B960494DF}">
-              <a14:hiddenLine xmlns="" xmlns:a14="http://schemas.microsoft.com/office/drawing/2010/main" w="9525">
+              <a14:hiddenLine xmlns:a14="http://schemas.microsoft.com/office/drawing/2010/main" xmlns="" w="9525">
                 <a:solidFill>
                   <a:srgbClr val="000000"/>
                 </a:solidFill>
@@ -29535,14 +29473,14 @@
           </a:ln>
           <a:extLst>
             <a:ext uri="{909E8E84-426E-40dd-AFC4-6F175D3DCCD1}">
-              <a14:hiddenFill xmlns="" xmlns:a14="http://schemas.microsoft.com/office/drawing/2010/main">
+              <a14:hiddenFill xmlns:a14="http://schemas.microsoft.com/office/drawing/2010/main" xmlns="">
                 <a:solidFill>
                   <a:srgbClr val="FFFFFF"/>
                 </a:solidFill>
               </a14:hiddenFill>
             </a:ext>
             <a:ext uri="{91240B29-F687-4f45-9708-019B960494DF}">
-              <a14:hiddenLine xmlns="" xmlns:a14="http://schemas.microsoft.com/office/drawing/2010/main" w="9525">
+              <a14:hiddenLine xmlns:a14="http://schemas.microsoft.com/office/drawing/2010/main" xmlns="" w="9525">
                 <a:solidFill>
                   <a:srgbClr val="000000"/>
                 </a:solidFill>
@@ -29589,14 +29527,14 @@
           </a:ln>
           <a:extLst>
             <a:ext uri="{909E8E84-426E-40dd-AFC4-6F175D3DCCD1}">
-              <a14:hiddenFill xmlns="" xmlns:a14="http://schemas.microsoft.com/office/drawing/2010/main">
+              <a14:hiddenFill xmlns:a14="http://schemas.microsoft.com/office/drawing/2010/main" xmlns="">
                 <a:solidFill>
                   <a:srgbClr val="FFFFFF"/>
                 </a:solidFill>
               </a14:hiddenFill>
             </a:ext>
             <a:ext uri="{91240B29-F687-4f45-9708-019B960494DF}">
-              <a14:hiddenLine xmlns="" xmlns:a14="http://schemas.microsoft.com/office/drawing/2010/main" w="9525">
+              <a14:hiddenLine xmlns:a14="http://schemas.microsoft.com/office/drawing/2010/main" xmlns="" w="9525">
                 <a:solidFill>
                   <a:srgbClr val="000000"/>
                 </a:solidFill>
@@ -29643,14 +29581,14 @@
           </a:ln>
           <a:extLst>
             <a:ext uri="{909E8E84-426E-40dd-AFC4-6F175D3DCCD1}">
-              <a14:hiddenFill xmlns="" xmlns:a14="http://schemas.microsoft.com/office/drawing/2010/main">
+              <a14:hiddenFill xmlns:a14="http://schemas.microsoft.com/office/drawing/2010/main" xmlns="">
                 <a:solidFill>
                   <a:srgbClr val="FFFFFF"/>
                 </a:solidFill>
               </a14:hiddenFill>
             </a:ext>
             <a:ext uri="{91240B29-F687-4f45-9708-019B960494DF}">
-              <a14:hiddenLine xmlns="" xmlns:a14="http://schemas.microsoft.com/office/drawing/2010/main" w="9525">
+              <a14:hiddenLine xmlns:a14="http://schemas.microsoft.com/office/drawing/2010/main" xmlns="" w="9525">
                 <a:solidFill>
                   <a:srgbClr val="000000"/>
                 </a:solidFill>
@@ -29697,14 +29635,14 @@
           </a:ln>
           <a:extLst>
             <a:ext uri="{909E8E84-426E-40dd-AFC4-6F175D3DCCD1}">
-              <a14:hiddenFill xmlns="" xmlns:a14="http://schemas.microsoft.com/office/drawing/2010/main">
+              <a14:hiddenFill xmlns:a14="http://schemas.microsoft.com/office/drawing/2010/main" xmlns="">
                 <a:solidFill>
                   <a:srgbClr val="FFFFFF"/>
                 </a:solidFill>
               </a14:hiddenFill>
             </a:ext>
             <a:ext uri="{91240B29-F687-4f45-9708-019B960494DF}">
-              <a14:hiddenLine xmlns="" xmlns:a14="http://schemas.microsoft.com/office/drawing/2010/main" w="9525">
+              <a14:hiddenLine xmlns:a14="http://schemas.microsoft.com/office/drawing/2010/main" xmlns="" w="9525">
                 <a:solidFill>
                   <a:srgbClr val="000000"/>
                 </a:solidFill>
@@ -29751,14 +29689,14 @@
           </a:ln>
           <a:extLst>
             <a:ext uri="{909E8E84-426E-40dd-AFC4-6F175D3DCCD1}">
-              <a14:hiddenFill xmlns="" xmlns:a14="http://schemas.microsoft.com/office/drawing/2010/main">
+              <a14:hiddenFill xmlns:a14="http://schemas.microsoft.com/office/drawing/2010/main" xmlns="">
                 <a:solidFill>
                   <a:srgbClr val="FFFFFF"/>
                 </a:solidFill>
               </a14:hiddenFill>
             </a:ext>
             <a:ext uri="{91240B29-F687-4f45-9708-019B960494DF}">
-              <a14:hiddenLine xmlns="" xmlns:a14="http://schemas.microsoft.com/office/drawing/2010/main" w="9525">
+              <a14:hiddenLine xmlns:a14="http://schemas.microsoft.com/office/drawing/2010/main" xmlns="" w="9525">
                 <a:solidFill>
                   <a:srgbClr val="000000"/>
                 </a:solidFill>
@@ -29805,14 +29743,14 @@
           </a:ln>
           <a:extLst>
             <a:ext uri="{909E8E84-426E-40dd-AFC4-6F175D3DCCD1}">
-              <a14:hiddenFill xmlns="" xmlns:a14="http://schemas.microsoft.com/office/drawing/2010/main">
+              <a14:hiddenFill xmlns:a14="http://schemas.microsoft.com/office/drawing/2010/main" xmlns="">
                 <a:solidFill>
                   <a:srgbClr val="FFFFFF"/>
                 </a:solidFill>
               </a14:hiddenFill>
             </a:ext>
             <a:ext uri="{91240B29-F687-4f45-9708-019B960494DF}">
-              <a14:hiddenLine xmlns="" xmlns:a14="http://schemas.microsoft.com/office/drawing/2010/main" w="9525">
+              <a14:hiddenLine xmlns:a14="http://schemas.microsoft.com/office/drawing/2010/main" xmlns="" w="9525">
                 <a:solidFill>
                   <a:srgbClr val="000000"/>
                 </a:solidFill>
@@ -30372,14 +30310,14 @@
             </a:ln>
             <a:extLst>
               <a:ext uri="{909E8E84-426E-40dd-AFC4-6F175D3DCCD1}">
-                <a14:hiddenFill xmlns="" xmlns:a14="http://schemas.microsoft.com/office/drawing/2010/main">
+                <a14:hiddenFill xmlns:a14="http://schemas.microsoft.com/office/drawing/2010/main" xmlns="">
                   <a:solidFill>
                     <a:srgbClr val="FFFFFF"/>
                   </a:solidFill>
                 </a14:hiddenFill>
               </a:ext>
               <a:ext uri="{91240B29-F687-4f45-9708-019B960494DF}">
-                <a14:hiddenLine xmlns="" xmlns:a14="http://schemas.microsoft.com/office/drawing/2010/main" w="9525">
+                <a14:hiddenLine xmlns:a14="http://schemas.microsoft.com/office/drawing/2010/main" xmlns="" w="9525">
                   <a:solidFill>
                     <a:srgbClr val="000000"/>
                   </a:solidFill>
@@ -30427,7 +30365,7 @@
             </a:ln>
             <a:extLst>
               <a:ext uri="{909E8E84-426E-40dd-AFC4-6F175D3DCCD1}">
-                <a14:hiddenFill xmlns="" xmlns:a14="http://schemas.microsoft.com/office/drawing/2010/main">
+                <a14:hiddenFill xmlns:a14="http://schemas.microsoft.com/office/drawing/2010/main" xmlns="">
                   <a:noFill/>
                 </a14:hiddenFill>
               </a:ext>
@@ -30470,7 +30408,7 @@
             </a:ln>
             <a:extLst>
               <a:ext uri="{909E8E84-426E-40dd-AFC4-6F175D3DCCD1}">
-                <a14:hiddenFill xmlns="" xmlns:a14="http://schemas.microsoft.com/office/drawing/2010/main">
+                <a14:hiddenFill xmlns:a14="http://schemas.microsoft.com/office/drawing/2010/main" xmlns="">
                   <a:noFill/>
                 </a14:hiddenFill>
               </a:ext>
@@ -30510,7 +30448,7 @@
             </a:ln>
             <a:extLst>
               <a:ext uri="{91240B29-F687-4f45-9708-019B960494DF}">
-                <a14:hiddenLine xmlns="" xmlns:a14="http://schemas.microsoft.com/office/drawing/2010/main" w="9525">
+                <a14:hiddenLine xmlns:a14="http://schemas.microsoft.com/office/drawing/2010/main" xmlns="" w="9525">
                   <a:solidFill>
                     <a:srgbClr val="000000"/>
                   </a:solidFill>
@@ -30668,7 +30606,7 @@
             </a:ln>
             <a:extLst>
               <a:ext uri="{909E8E84-426E-40dd-AFC4-6F175D3DCCD1}">
-                <a14:hiddenFill xmlns="" xmlns:a14="http://schemas.microsoft.com/office/drawing/2010/main">
+                <a14:hiddenFill xmlns:a14="http://schemas.microsoft.com/office/drawing/2010/main" xmlns="">
                   <a:noFill/>
                 </a14:hiddenFill>
               </a:ext>
@@ -30711,7 +30649,7 @@
             </a:ln>
             <a:extLst>
               <a:ext uri="{909E8E84-426E-40dd-AFC4-6F175D3DCCD1}">
-                <a14:hiddenFill xmlns="" xmlns:a14="http://schemas.microsoft.com/office/drawing/2010/main">
+                <a14:hiddenFill xmlns:a14="http://schemas.microsoft.com/office/drawing/2010/main" xmlns="">
                   <a:noFill/>
                 </a14:hiddenFill>
               </a:ext>
@@ -30754,7 +30692,7 @@
             </a:ln>
             <a:extLst>
               <a:ext uri="{909E8E84-426E-40dd-AFC4-6F175D3DCCD1}">
-                <a14:hiddenFill xmlns="" xmlns:a14="http://schemas.microsoft.com/office/drawing/2010/main">
+                <a14:hiddenFill xmlns:a14="http://schemas.microsoft.com/office/drawing/2010/main" xmlns="">
                   <a:noFill/>
                 </a14:hiddenFill>
               </a:ext>
@@ -30794,7 +30732,7 @@
             </a:ln>
             <a:extLst>
               <a:ext uri="{91240B29-F687-4f45-9708-019B960494DF}">
-                <a14:hiddenLine xmlns="" xmlns:a14="http://schemas.microsoft.com/office/drawing/2010/main" w="9525">
+                <a14:hiddenLine xmlns:a14="http://schemas.microsoft.com/office/drawing/2010/main" xmlns="" w="9525">
                   <a:solidFill>
                     <a:srgbClr val="000000"/>
                   </a:solidFill>
@@ -30949,7 +30887,7 @@
             </a:ln>
             <a:extLst>
               <a:ext uri="{91240B29-F687-4f45-9708-019B960494DF}">
-                <a14:hiddenLine xmlns="" xmlns:a14="http://schemas.microsoft.com/office/drawing/2010/main" w="9525">
+                <a14:hiddenLine xmlns:a14="http://schemas.microsoft.com/office/drawing/2010/main" xmlns="" w="9525">
                   <a:solidFill>
                     <a:srgbClr val="000000"/>
                   </a:solidFill>
@@ -31104,7 +31042,7 @@
             </a:ln>
             <a:extLst>
               <a:ext uri="{91240B29-F687-4f45-9708-019B960494DF}">
-                <a14:hiddenLine xmlns="" xmlns:a14="http://schemas.microsoft.com/office/drawing/2010/main" w="9525">
+                <a14:hiddenLine xmlns:a14="http://schemas.microsoft.com/office/drawing/2010/main" xmlns="" w="9525">
                   <a:solidFill>
                     <a:srgbClr val="000000"/>
                   </a:solidFill>
@@ -31308,7 +31246,7 @@
             </a:ln>
             <a:extLst>
               <a:ext uri="{91240B29-F687-4f45-9708-019B960494DF}">
-                <a14:hiddenLine xmlns="" xmlns:a14="http://schemas.microsoft.com/office/drawing/2010/main" w="9525">
+                <a14:hiddenLine xmlns:a14="http://schemas.microsoft.com/office/drawing/2010/main" xmlns="" w="9525">
                   <a:solidFill>
                     <a:srgbClr val="000000"/>
                   </a:solidFill>
@@ -31470,7 +31408,7 @@
             </a:ln>
             <a:extLst>
               <a:ext uri="{91240B29-F687-4f45-9708-019B960494DF}">
-                <a14:hiddenLine xmlns="" xmlns:a14="http://schemas.microsoft.com/office/drawing/2010/main" w="9525">
+                <a14:hiddenLine xmlns:a14="http://schemas.microsoft.com/office/drawing/2010/main" xmlns="" w="9525">
                   <a:solidFill>
                     <a:srgbClr val="000000"/>
                   </a:solidFill>
@@ -31632,7 +31570,7 @@
             </a:ln>
             <a:extLst>
               <a:ext uri="{91240B29-F687-4f45-9708-019B960494DF}">
-                <a14:hiddenLine xmlns="" xmlns:a14="http://schemas.microsoft.com/office/drawing/2010/main" w="9525">
+                <a14:hiddenLine xmlns:a14="http://schemas.microsoft.com/office/drawing/2010/main" xmlns="" w="9525">
                   <a:solidFill>
                     <a:srgbClr val="000000"/>
                   </a:solidFill>
@@ -31806,7 +31744,7 @@
             </a:ln>
             <a:extLst>
               <a:ext uri="{91240B29-F687-4f45-9708-019B960494DF}">
-                <a14:hiddenLine xmlns="" xmlns:a14="http://schemas.microsoft.com/office/drawing/2010/main" w="9525">
+                <a14:hiddenLine xmlns:a14="http://schemas.microsoft.com/office/drawing/2010/main" xmlns="" w="9525">
                   <a:solidFill>
                     <a:srgbClr val="000000"/>
                   </a:solidFill>
@@ -32008,7 +31946,7 @@
             </a:ln>
             <a:extLst>
               <a:ext uri="{909E8E84-426E-40dd-AFC4-6F175D3DCCD1}">
-                <a14:hiddenFill xmlns="" xmlns:a14="http://schemas.microsoft.com/office/drawing/2010/main">
+                <a14:hiddenFill xmlns:a14="http://schemas.microsoft.com/office/drawing/2010/main" xmlns="">
                   <a:noFill/>
                 </a14:hiddenFill>
               </a:ext>
@@ -32043,7 +31981,7 @@
             </a:ln>
             <a:extLst>
               <a:ext uri="{909E8E84-426E-40dd-AFC4-6F175D3DCCD1}">
-                <a14:hiddenFill xmlns="" xmlns:a14="http://schemas.microsoft.com/office/drawing/2010/main">
+                <a14:hiddenFill xmlns:a14="http://schemas.microsoft.com/office/drawing/2010/main" xmlns="">
                   <a:noFill/>
                 </a14:hiddenFill>
               </a:ext>
@@ -32226,7 +32164,7 @@
             </a:ln>
             <a:extLst>
               <a:ext uri="{909E8E84-426E-40dd-AFC4-6F175D3DCCD1}">
-                <a14:hiddenFill xmlns="" xmlns:a14="http://schemas.microsoft.com/office/drawing/2010/main">
+                <a14:hiddenFill xmlns:a14="http://schemas.microsoft.com/office/drawing/2010/main" xmlns="">
                   <a:noFill/>
                 </a14:hiddenFill>
               </a:ext>
@@ -32269,14 +32207,14 @@
           </a:ln>
           <a:extLst>
             <a:ext uri="{909E8E84-426E-40dd-AFC4-6F175D3DCCD1}">
-              <a14:hiddenFill xmlns="" xmlns:a14="http://schemas.microsoft.com/office/drawing/2010/main">
+              <a14:hiddenFill xmlns:a14="http://schemas.microsoft.com/office/drawing/2010/main" xmlns="">
                 <a:solidFill>
                   <a:srgbClr val="FFFFFF"/>
                 </a:solidFill>
               </a14:hiddenFill>
             </a:ext>
             <a:ext uri="{91240B29-F687-4f45-9708-019B960494DF}">
-              <a14:hiddenLine xmlns="" xmlns:a14="http://schemas.microsoft.com/office/drawing/2010/main" w="9525">
+              <a14:hiddenLine xmlns:a14="http://schemas.microsoft.com/office/drawing/2010/main" xmlns="" w="9525">
                 <a:solidFill>
                   <a:srgbClr val="000000"/>
                 </a:solidFill>
@@ -32884,14 +32822,14 @@
           </a:ln>
           <a:extLst>
             <a:ext uri="{909E8E84-426E-40dd-AFC4-6F175D3DCCD1}">
-              <a14:hiddenFill xmlns="" xmlns:a14="http://schemas.microsoft.com/office/drawing/2010/main">
+              <a14:hiddenFill xmlns:a14="http://schemas.microsoft.com/office/drawing/2010/main" xmlns="">
                 <a:solidFill>
                   <a:srgbClr val="FFFFFF"/>
                 </a:solidFill>
               </a14:hiddenFill>
             </a:ext>
             <a:ext uri="{91240B29-F687-4f45-9708-019B960494DF}">
-              <a14:hiddenLine xmlns="" xmlns:a14="http://schemas.microsoft.com/office/drawing/2010/main" w="9525">
+              <a14:hiddenLine xmlns:a14="http://schemas.microsoft.com/office/drawing/2010/main" xmlns="" w="9525">
                 <a:solidFill>
                   <a:srgbClr val="000000"/>
                 </a:solidFill>
@@ -32938,14 +32876,14 @@
           </a:ln>
           <a:extLst>
             <a:ext uri="{909E8E84-426E-40dd-AFC4-6F175D3DCCD1}">
-              <a14:hiddenFill xmlns="" xmlns:a14="http://schemas.microsoft.com/office/drawing/2010/main">
+              <a14:hiddenFill xmlns:a14="http://schemas.microsoft.com/office/drawing/2010/main" xmlns="">
                 <a:solidFill>
                   <a:srgbClr val="FFFFFF"/>
                 </a:solidFill>
               </a14:hiddenFill>
             </a:ext>
             <a:ext uri="{91240B29-F687-4f45-9708-019B960494DF}">
-              <a14:hiddenLine xmlns="" xmlns:a14="http://schemas.microsoft.com/office/drawing/2010/main" w="9525">
+              <a14:hiddenLine xmlns:a14="http://schemas.microsoft.com/office/drawing/2010/main" xmlns="" w="9525">
                 <a:solidFill>
                   <a:srgbClr val="000000"/>
                 </a:solidFill>
@@ -32992,14 +32930,14 @@
           </a:ln>
           <a:extLst>
             <a:ext uri="{909E8E84-426E-40dd-AFC4-6F175D3DCCD1}">
-              <a14:hiddenFill xmlns="" xmlns:a14="http://schemas.microsoft.com/office/drawing/2010/main">
+              <a14:hiddenFill xmlns:a14="http://schemas.microsoft.com/office/drawing/2010/main" xmlns="">
                 <a:solidFill>
                   <a:srgbClr val="FFFFFF"/>
                 </a:solidFill>
               </a14:hiddenFill>
             </a:ext>
             <a:ext uri="{91240B29-F687-4f45-9708-019B960494DF}">
-              <a14:hiddenLine xmlns="" xmlns:a14="http://schemas.microsoft.com/office/drawing/2010/main" w="9525">
+              <a14:hiddenLine xmlns:a14="http://schemas.microsoft.com/office/drawing/2010/main" xmlns="" w="9525">
                 <a:solidFill>
                   <a:srgbClr val="000000"/>
                 </a:solidFill>
@@ -33046,14 +32984,14 @@
           </a:ln>
           <a:extLst>
             <a:ext uri="{909E8E84-426E-40dd-AFC4-6F175D3DCCD1}">
-              <a14:hiddenFill xmlns="" xmlns:a14="http://schemas.microsoft.com/office/drawing/2010/main">
+              <a14:hiddenFill xmlns:a14="http://schemas.microsoft.com/office/drawing/2010/main" xmlns="">
                 <a:solidFill>
                   <a:srgbClr val="FFFFFF"/>
                 </a:solidFill>
               </a14:hiddenFill>
             </a:ext>
             <a:ext uri="{91240B29-F687-4f45-9708-019B960494DF}">
-              <a14:hiddenLine xmlns="" xmlns:a14="http://schemas.microsoft.com/office/drawing/2010/main" w="9525">
+              <a14:hiddenLine xmlns:a14="http://schemas.microsoft.com/office/drawing/2010/main" xmlns="" w="9525">
                 <a:solidFill>
                   <a:srgbClr val="000000"/>
                 </a:solidFill>
@@ -33676,14 +33614,14 @@
           </a:ln>
           <a:extLst>
             <a:ext uri="{909E8E84-426E-40dd-AFC4-6F175D3DCCD1}">
-              <a14:hiddenFill xmlns="" xmlns:a14="http://schemas.microsoft.com/office/drawing/2010/main">
+              <a14:hiddenFill xmlns:a14="http://schemas.microsoft.com/office/drawing/2010/main" xmlns="">
                 <a:solidFill>
                   <a:srgbClr val="FFFFFF"/>
                 </a:solidFill>
               </a14:hiddenFill>
             </a:ext>
             <a:ext uri="{91240B29-F687-4f45-9708-019B960494DF}">
-              <a14:hiddenLine xmlns="" xmlns:a14="http://schemas.microsoft.com/office/drawing/2010/main" w="9525">
+              <a14:hiddenLine xmlns:a14="http://schemas.microsoft.com/office/drawing/2010/main" xmlns="" w="9525">
                 <a:solidFill>
                   <a:srgbClr val="000000"/>
                 </a:solidFill>
@@ -33730,14 +33668,14 @@
           </a:ln>
           <a:extLst>
             <a:ext uri="{909E8E84-426E-40dd-AFC4-6F175D3DCCD1}">
-              <a14:hiddenFill xmlns="" xmlns:a14="http://schemas.microsoft.com/office/drawing/2010/main">
+              <a14:hiddenFill xmlns:a14="http://schemas.microsoft.com/office/drawing/2010/main" xmlns="">
                 <a:solidFill>
                   <a:srgbClr val="FFFFFF"/>
                 </a:solidFill>
               </a14:hiddenFill>
             </a:ext>
             <a:ext uri="{91240B29-F687-4f45-9708-019B960494DF}">
-              <a14:hiddenLine xmlns="" xmlns:a14="http://schemas.microsoft.com/office/drawing/2010/main" w="9525">
+              <a14:hiddenLine xmlns:a14="http://schemas.microsoft.com/office/drawing/2010/main" xmlns="" w="9525">
                 <a:solidFill>
                   <a:srgbClr val="000000"/>
                 </a:solidFill>
@@ -33784,14 +33722,14 @@
           </a:ln>
           <a:extLst>
             <a:ext uri="{909E8E84-426E-40dd-AFC4-6F175D3DCCD1}">
-              <a14:hiddenFill xmlns="" xmlns:a14="http://schemas.microsoft.com/office/drawing/2010/main">
+              <a14:hiddenFill xmlns:a14="http://schemas.microsoft.com/office/drawing/2010/main" xmlns="">
                 <a:solidFill>
                   <a:srgbClr val="FFFFFF"/>
                 </a:solidFill>
               </a14:hiddenFill>
             </a:ext>
             <a:ext uri="{91240B29-F687-4f45-9708-019B960494DF}">
-              <a14:hiddenLine xmlns="" xmlns:a14="http://schemas.microsoft.com/office/drawing/2010/main" w="9525">
+              <a14:hiddenLine xmlns:a14="http://schemas.microsoft.com/office/drawing/2010/main" xmlns="" w="9525">
                 <a:solidFill>
                   <a:srgbClr val="000000"/>
                 </a:solidFill>
@@ -33838,14 +33776,14 @@
           </a:ln>
           <a:extLst>
             <a:ext uri="{909E8E84-426E-40dd-AFC4-6F175D3DCCD1}">
-              <a14:hiddenFill xmlns="" xmlns:a14="http://schemas.microsoft.com/office/drawing/2010/main">
+              <a14:hiddenFill xmlns:a14="http://schemas.microsoft.com/office/drawing/2010/main" xmlns="">
                 <a:solidFill>
                   <a:srgbClr val="FFFFFF"/>
                 </a:solidFill>
               </a14:hiddenFill>
             </a:ext>
             <a:ext uri="{91240B29-F687-4f45-9708-019B960494DF}">
-              <a14:hiddenLine xmlns="" xmlns:a14="http://schemas.microsoft.com/office/drawing/2010/main" w="9525">
+              <a14:hiddenLine xmlns:a14="http://schemas.microsoft.com/office/drawing/2010/main" xmlns="" w="9525">
                 <a:solidFill>
                   <a:srgbClr val="000000"/>
                 </a:solidFill>
@@ -33892,14 +33830,14 @@
           </a:ln>
           <a:extLst>
             <a:ext uri="{909E8E84-426E-40dd-AFC4-6F175D3DCCD1}">
-              <a14:hiddenFill xmlns="" xmlns:a14="http://schemas.microsoft.com/office/drawing/2010/main">
+              <a14:hiddenFill xmlns:a14="http://schemas.microsoft.com/office/drawing/2010/main" xmlns="">
                 <a:solidFill>
                   <a:srgbClr val="FFFFFF"/>
                 </a:solidFill>
               </a14:hiddenFill>
             </a:ext>
             <a:ext uri="{91240B29-F687-4f45-9708-019B960494DF}">
-              <a14:hiddenLine xmlns="" xmlns:a14="http://schemas.microsoft.com/office/drawing/2010/main" w="9525">
+              <a14:hiddenLine xmlns:a14="http://schemas.microsoft.com/office/drawing/2010/main" xmlns="" w="9525">
                 <a:solidFill>
                   <a:srgbClr val="000000"/>
                 </a:solidFill>
@@ -33946,14 +33884,14 @@
           </a:ln>
           <a:extLst>
             <a:ext uri="{909E8E84-426E-40dd-AFC4-6F175D3DCCD1}">
-              <a14:hiddenFill xmlns="" xmlns:a14="http://schemas.microsoft.com/office/drawing/2010/main">
+              <a14:hiddenFill xmlns:a14="http://schemas.microsoft.com/office/drawing/2010/main" xmlns="">
                 <a:solidFill>
                   <a:srgbClr val="FFFFFF"/>
                 </a:solidFill>
               </a14:hiddenFill>
             </a:ext>
             <a:ext uri="{91240B29-F687-4f45-9708-019B960494DF}">
-              <a14:hiddenLine xmlns="" xmlns:a14="http://schemas.microsoft.com/office/drawing/2010/main" w="9525">
+              <a14:hiddenLine xmlns:a14="http://schemas.microsoft.com/office/drawing/2010/main" xmlns="" w="9525">
                 <a:solidFill>
                   <a:srgbClr val="000000"/>
                 </a:solidFill>
@@ -34677,14 +34615,14 @@
           </a:ln>
           <a:extLst>
             <a:ext uri="{909E8E84-426E-40dd-AFC4-6F175D3DCCD1}">
-              <a14:hiddenFill xmlns="" xmlns:a14="http://schemas.microsoft.com/office/drawing/2010/main">
+              <a14:hiddenFill xmlns:a14="http://schemas.microsoft.com/office/drawing/2010/main" xmlns="">
                 <a:solidFill>
                   <a:srgbClr val="FFFFFF"/>
                 </a:solidFill>
               </a14:hiddenFill>
             </a:ext>
             <a:ext uri="{91240B29-F687-4f45-9708-019B960494DF}">
-              <a14:hiddenLine xmlns="" xmlns:a14="http://schemas.microsoft.com/office/drawing/2010/main" w="9525">
+              <a14:hiddenLine xmlns:a14="http://schemas.microsoft.com/office/drawing/2010/main" xmlns="" w="9525">
                 <a:solidFill>
                   <a:srgbClr val="000000"/>
                 </a:solidFill>
@@ -34731,14 +34669,14 @@
           </a:ln>
           <a:extLst>
             <a:ext uri="{909E8E84-426E-40dd-AFC4-6F175D3DCCD1}">
-              <a14:hiddenFill xmlns="" xmlns:a14="http://schemas.microsoft.com/office/drawing/2010/main">
+              <a14:hiddenFill xmlns:a14="http://schemas.microsoft.com/office/drawing/2010/main" xmlns="">
                 <a:solidFill>
                   <a:srgbClr val="FFFFFF"/>
                 </a:solidFill>
               </a14:hiddenFill>
             </a:ext>
             <a:ext uri="{91240B29-F687-4f45-9708-019B960494DF}">
-              <a14:hiddenLine xmlns="" xmlns:a14="http://schemas.microsoft.com/office/drawing/2010/main" w="9525">
+              <a14:hiddenLine xmlns:a14="http://schemas.microsoft.com/office/drawing/2010/main" xmlns="" w="9525">
                 <a:solidFill>
                   <a:srgbClr val="000000"/>
                 </a:solidFill>
@@ -34785,14 +34723,14 @@
           </a:ln>
           <a:extLst>
             <a:ext uri="{909E8E84-426E-40dd-AFC4-6F175D3DCCD1}">
-              <a14:hiddenFill xmlns="" xmlns:a14="http://schemas.microsoft.com/office/drawing/2010/main">
+              <a14:hiddenFill xmlns:a14="http://schemas.microsoft.com/office/drawing/2010/main" xmlns="">
                 <a:solidFill>
                   <a:srgbClr val="FFFFFF"/>
                 </a:solidFill>
               </a14:hiddenFill>
             </a:ext>
             <a:ext uri="{91240B29-F687-4f45-9708-019B960494DF}">
-              <a14:hiddenLine xmlns="" xmlns:a14="http://schemas.microsoft.com/office/drawing/2010/main" w="9525">
+              <a14:hiddenLine xmlns:a14="http://schemas.microsoft.com/office/drawing/2010/main" xmlns="" w="9525">
                 <a:solidFill>
                   <a:srgbClr val="000000"/>
                 </a:solidFill>
@@ -34839,14 +34777,14 @@
           </a:ln>
           <a:extLst>
             <a:ext uri="{909E8E84-426E-40dd-AFC4-6F175D3DCCD1}">
-              <a14:hiddenFill xmlns="" xmlns:a14="http://schemas.microsoft.com/office/drawing/2010/main">
+              <a14:hiddenFill xmlns:a14="http://schemas.microsoft.com/office/drawing/2010/main" xmlns="">
                 <a:solidFill>
                   <a:srgbClr val="FFFFFF"/>
                 </a:solidFill>
               </a14:hiddenFill>
             </a:ext>
             <a:ext uri="{91240B29-F687-4f45-9708-019B960494DF}">
-              <a14:hiddenLine xmlns="" xmlns:a14="http://schemas.microsoft.com/office/drawing/2010/main" w="9525">
+              <a14:hiddenLine xmlns:a14="http://schemas.microsoft.com/office/drawing/2010/main" xmlns="" w="9525">
                 <a:solidFill>
                   <a:srgbClr val="000000"/>
                 </a:solidFill>
@@ -34893,14 +34831,14 @@
           </a:ln>
           <a:extLst>
             <a:ext uri="{909E8E84-426E-40dd-AFC4-6F175D3DCCD1}">
-              <a14:hiddenFill xmlns="" xmlns:a14="http://schemas.microsoft.com/office/drawing/2010/main">
+              <a14:hiddenFill xmlns:a14="http://schemas.microsoft.com/office/drawing/2010/main" xmlns="">
                 <a:solidFill>
                   <a:srgbClr val="FFFFFF"/>
                 </a:solidFill>
               </a14:hiddenFill>
             </a:ext>
             <a:ext uri="{91240B29-F687-4f45-9708-019B960494DF}">
-              <a14:hiddenLine xmlns="" xmlns:a14="http://schemas.microsoft.com/office/drawing/2010/main" w="9525">
+              <a14:hiddenLine xmlns:a14="http://schemas.microsoft.com/office/drawing/2010/main" xmlns="" w="9525">
                 <a:solidFill>
                   <a:srgbClr val="000000"/>
                 </a:solidFill>
@@ -34947,14 +34885,14 @@
           </a:ln>
           <a:extLst>
             <a:ext uri="{909E8E84-426E-40dd-AFC4-6F175D3DCCD1}">
-              <a14:hiddenFill xmlns="" xmlns:a14="http://schemas.microsoft.com/office/drawing/2010/main">
+              <a14:hiddenFill xmlns:a14="http://schemas.microsoft.com/office/drawing/2010/main" xmlns="">
                 <a:solidFill>
                   <a:srgbClr val="FFFFFF"/>
                 </a:solidFill>
               </a14:hiddenFill>
             </a:ext>
             <a:ext uri="{91240B29-F687-4f45-9708-019B960494DF}">
-              <a14:hiddenLine xmlns="" xmlns:a14="http://schemas.microsoft.com/office/drawing/2010/main" w="9525">
+              <a14:hiddenLine xmlns:a14="http://schemas.microsoft.com/office/drawing/2010/main" xmlns="" w="9525">
                 <a:solidFill>
                   <a:srgbClr val="000000"/>
                 </a:solidFill>
@@ -35533,14 +35471,14 @@
           </a:ln>
           <a:extLst>
             <a:ext uri="{909E8E84-426E-40dd-AFC4-6F175D3DCCD1}">
-              <a14:hiddenFill xmlns="" xmlns:a14="http://schemas.microsoft.com/office/drawing/2010/main">
+              <a14:hiddenFill xmlns:a14="http://schemas.microsoft.com/office/drawing/2010/main" xmlns="">
                 <a:solidFill>
                   <a:srgbClr val="FFFFFF"/>
                 </a:solidFill>
               </a14:hiddenFill>
             </a:ext>
             <a:ext uri="{91240B29-F687-4f45-9708-019B960494DF}">
-              <a14:hiddenLine xmlns="" xmlns:a14="http://schemas.microsoft.com/office/drawing/2010/main" w="9525">
+              <a14:hiddenLine xmlns:a14="http://schemas.microsoft.com/office/drawing/2010/main" xmlns="" w="9525">
                 <a:solidFill>
                   <a:srgbClr val="000000"/>
                 </a:solidFill>
@@ -35587,14 +35525,14 @@
           </a:ln>
           <a:extLst>
             <a:ext uri="{909E8E84-426E-40dd-AFC4-6F175D3DCCD1}">
-              <a14:hiddenFill xmlns="" xmlns:a14="http://schemas.microsoft.com/office/drawing/2010/main">
+              <a14:hiddenFill xmlns:a14="http://schemas.microsoft.com/office/drawing/2010/main" xmlns="">
                 <a:solidFill>
                   <a:srgbClr val="FFFFFF"/>
                 </a:solidFill>
               </a14:hiddenFill>
             </a:ext>
             <a:ext uri="{91240B29-F687-4f45-9708-019B960494DF}">
-              <a14:hiddenLine xmlns="" xmlns:a14="http://schemas.microsoft.com/office/drawing/2010/main" w="9525">
+              <a14:hiddenLine xmlns:a14="http://schemas.microsoft.com/office/drawing/2010/main" xmlns="" w="9525">
                 <a:solidFill>
                   <a:srgbClr val="000000"/>
                 </a:solidFill>
@@ -35641,14 +35579,14 @@
           </a:ln>
           <a:extLst>
             <a:ext uri="{909E8E84-426E-40dd-AFC4-6F175D3DCCD1}">
-              <a14:hiddenFill xmlns="" xmlns:a14="http://schemas.microsoft.com/office/drawing/2010/main">
+              <a14:hiddenFill xmlns:a14="http://schemas.microsoft.com/office/drawing/2010/main" xmlns="">
                 <a:solidFill>
                   <a:srgbClr val="FFFFFF"/>
                 </a:solidFill>
               </a14:hiddenFill>
             </a:ext>
             <a:ext uri="{91240B29-F687-4f45-9708-019B960494DF}">
-              <a14:hiddenLine xmlns="" xmlns:a14="http://schemas.microsoft.com/office/drawing/2010/main" w="9525">
+              <a14:hiddenLine xmlns:a14="http://schemas.microsoft.com/office/drawing/2010/main" xmlns="" w="9525">
                 <a:solidFill>
                   <a:srgbClr val="000000"/>
                 </a:solidFill>
@@ -35695,14 +35633,14 @@
           </a:ln>
           <a:extLst>
             <a:ext uri="{909E8E84-426E-40dd-AFC4-6F175D3DCCD1}">
-              <a14:hiddenFill xmlns="" xmlns:a14="http://schemas.microsoft.com/office/drawing/2010/main">
+              <a14:hiddenFill xmlns:a14="http://schemas.microsoft.com/office/drawing/2010/main" xmlns="">
                 <a:solidFill>
                   <a:srgbClr val="FFFFFF"/>
                 </a:solidFill>
               </a14:hiddenFill>
             </a:ext>
             <a:ext uri="{91240B29-F687-4f45-9708-019B960494DF}">
-              <a14:hiddenLine xmlns="" xmlns:a14="http://schemas.microsoft.com/office/drawing/2010/main" w="9525">
+              <a14:hiddenLine xmlns:a14="http://schemas.microsoft.com/office/drawing/2010/main" xmlns="" w="9525">
                 <a:solidFill>
                   <a:srgbClr val="000000"/>
                 </a:solidFill>
@@ -35749,14 +35687,14 @@
           </a:ln>
           <a:extLst>
             <a:ext uri="{909E8E84-426E-40dd-AFC4-6F175D3DCCD1}">
-              <a14:hiddenFill xmlns="" xmlns:a14="http://schemas.microsoft.com/office/drawing/2010/main">
+              <a14:hiddenFill xmlns:a14="http://schemas.microsoft.com/office/drawing/2010/main" xmlns="">
                 <a:solidFill>
                   <a:srgbClr val="FFFFFF"/>
                 </a:solidFill>
               </a14:hiddenFill>
             </a:ext>
             <a:ext uri="{91240B29-F687-4f45-9708-019B960494DF}">
-              <a14:hiddenLine xmlns="" xmlns:a14="http://schemas.microsoft.com/office/drawing/2010/main" w="9525">
+              <a14:hiddenLine xmlns:a14="http://schemas.microsoft.com/office/drawing/2010/main" xmlns="" w="9525">
                 <a:solidFill>
                   <a:srgbClr val="000000"/>
                 </a:solidFill>
@@ -35803,14 +35741,14 @@
           </a:ln>
           <a:extLst>
             <a:ext uri="{909E8E84-426E-40dd-AFC4-6F175D3DCCD1}">
-              <a14:hiddenFill xmlns="" xmlns:a14="http://schemas.microsoft.com/office/drawing/2010/main">
+              <a14:hiddenFill xmlns:a14="http://schemas.microsoft.com/office/drawing/2010/main" xmlns="">
                 <a:solidFill>
                   <a:srgbClr val="FFFFFF"/>
                 </a:solidFill>
               </a14:hiddenFill>
             </a:ext>
             <a:ext uri="{91240B29-F687-4f45-9708-019B960494DF}">
-              <a14:hiddenLine xmlns="" xmlns:a14="http://schemas.microsoft.com/office/drawing/2010/main" w="9525">
+              <a14:hiddenLine xmlns:a14="http://schemas.microsoft.com/office/drawing/2010/main" xmlns="" w="9525">
                 <a:solidFill>
                   <a:srgbClr val="000000"/>
                 </a:solidFill>
@@ -36798,14 +36736,14 @@
           </a:ln>
           <a:extLst>
             <a:ext uri="{909E8E84-426E-40dd-AFC4-6F175D3DCCD1}">
-              <a14:hiddenFill xmlns="" xmlns:a14="http://schemas.microsoft.com/office/drawing/2010/main">
+              <a14:hiddenFill xmlns:a14="http://schemas.microsoft.com/office/drawing/2010/main" xmlns="">
                 <a:solidFill>
                   <a:srgbClr val="FFFFFF"/>
                 </a:solidFill>
               </a14:hiddenFill>
             </a:ext>
             <a:ext uri="{91240B29-F687-4f45-9708-019B960494DF}">
-              <a14:hiddenLine xmlns="" xmlns:a14="http://schemas.microsoft.com/office/drawing/2010/main" w="9525">
+              <a14:hiddenLine xmlns:a14="http://schemas.microsoft.com/office/drawing/2010/main" xmlns="" w="9525">
                 <a:solidFill>
                   <a:srgbClr val="000000"/>
                 </a:solidFill>
@@ -36852,14 +36790,14 @@
           </a:ln>
           <a:extLst>
             <a:ext uri="{909E8E84-426E-40dd-AFC4-6F175D3DCCD1}">
-              <a14:hiddenFill xmlns="" xmlns:a14="http://schemas.microsoft.com/office/drawing/2010/main">
+              <a14:hiddenFill xmlns:a14="http://schemas.microsoft.com/office/drawing/2010/main" xmlns="">
                 <a:solidFill>
                   <a:srgbClr val="FFFFFF"/>
                 </a:solidFill>
               </a14:hiddenFill>
             </a:ext>
             <a:ext uri="{91240B29-F687-4f45-9708-019B960494DF}">
-              <a14:hiddenLine xmlns="" xmlns:a14="http://schemas.microsoft.com/office/drawing/2010/main" w="9525">
+              <a14:hiddenLine xmlns:a14="http://schemas.microsoft.com/office/drawing/2010/main" xmlns="" w="9525">
                 <a:solidFill>
                   <a:srgbClr val="000000"/>
                 </a:solidFill>
@@ -36906,14 +36844,14 @@
           </a:ln>
           <a:extLst>
             <a:ext uri="{909E8E84-426E-40dd-AFC4-6F175D3DCCD1}">
-              <a14:hiddenFill xmlns="" xmlns:a14="http://schemas.microsoft.com/office/drawing/2010/main">
+              <a14:hiddenFill xmlns:a14="http://schemas.microsoft.com/office/drawing/2010/main" xmlns="">
                 <a:solidFill>
                   <a:srgbClr val="FFFFFF"/>
                 </a:solidFill>
               </a14:hiddenFill>
             </a:ext>
             <a:ext uri="{91240B29-F687-4f45-9708-019B960494DF}">
-              <a14:hiddenLine xmlns="" xmlns:a14="http://schemas.microsoft.com/office/drawing/2010/main" w="9525">
+              <a14:hiddenLine xmlns:a14="http://schemas.microsoft.com/office/drawing/2010/main" xmlns="" w="9525">
                 <a:solidFill>
                   <a:srgbClr val="000000"/>
                 </a:solidFill>
@@ -36960,14 +36898,14 @@
           </a:ln>
           <a:extLst>
             <a:ext uri="{909E8E84-426E-40dd-AFC4-6F175D3DCCD1}">
-              <a14:hiddenFill xmlns="" xmlns:a14="http://schemas.microsoft.com/office/drawing/2010/main">
+              <a14:hiddenFill xmlns:a14="http://schemas.microsoft.com/office/drawing/2010/main" xmlns="">
                 <a:solidFill>
                   <a:srgbClr val="FFFFFF"/>
                 </a:solidFill>
               </a14:hiddenFill>
             </a:ext>
             <a:ext uri="{91240B29-F687-4f45-9708-019B960494DF}">
-              <a14:hiddenLine xmlns="" xmlns:a14="http://schemas.microsoft.com/office/drawing/2010/main" w="9525">
+              <a14:hiddenLine xmlns:a14="http://schemas.microsoft.com/office/drawing/2010/main" xmlns="" w="9525">
                 <a:solidFill>
                   <a:srgbClr val="000000"/>
                 </a:solidFill>
@@ -37014,14 +36952,14 @@
           </a:ln>
           <a:extLst>
             <a:ext uri="{909E8E84-426E-40dd-AFC4-6F175D3DCCD1}">
-              <a14:hiddenFill xmlns="" xmlns:a14="http://schemas.microsoft.com/office/drawing/2010/main">
+              <a14:hiddenFill xmlns:a14="http://schemas.microsoft.com/office/drawing/2010/main" xmlns="">
                 <a:solidFill>
                   <a:srgbClr val="FFFFFF"/>
                 </a:solidFill>
               </a14:hiddenFill>
             </a:ext>
             <a:ext uri="{91240B29-F687-4f45-9708-019B960494DF}">
-              <a14:hiddenLine xmlns="" xmlns:a14="http://schemas.microsoft.com/office/drawing/2010/main" w="9525">
+              <a14:hiddenLine xmlns:a14="http://schemas.microsoft.com/office/drawing/2010/main" xmlns="" w="9525">
                 <a:solidFill>
                   <a:srgbClr val="000000"/>
                 </a:solidFill>
@@ -37068,14 +37006,14 @@
           </a:ln>
           <a:extLst>
             <a:ext uri="{909E8E84-426E-40dd-AFC4-6F175D3DCCD1}">
-              <a14:hiddenFill xmlns="" xmlns:a14="http://schemas.microsoft.com/office/drawing/2010/main">
+              <a14:hiddenFill xmlns:a14="http://schemas.microsoft.com/office/drawing/2010/main" xmlns="">
                 <a:solidFill>
                   <a:srgbClr val="FFFFFF"/>
                 </a:solidFill>
               </a14:hiddenFill>
             </a:ext>
             <a:ext uri="{91240B29-F687-4f45-9708-019B960494DF}">
-              <a14:hiddenLine xmlns="" xmlns:a14="http://schemas.microsoft.com/office/drawing/2010/main" w="9525">
+              <a14:hiddenLine xmlns:a14="http://schemas.microsoft.com/office/drawing/2010/main" xmlns="" w="9525">
                 <a:solidFill>
                   <a:srgbClr val="000000"/>
                 </a:solidFill>
@@ -37122,14 +37060,14 @@
           </a:ln>
           <a:extLst>
             <a:ext uri="{909E8E84-426E-40dd-AFC4-6F175D3DCCD1}">
-              <a14:hiddenFill xmlns="" xmlns:a14="http://schemas.microsoft.com/office/drawing/2010/main">
+              <a14:hiddenFill xmlns:a14="http://schemas.microsoft.com/office/drawing/2010/main" xmlns="">
                 <a:solidFill>
                   <a:srgbClr val="FFFFFF"/>
                 </a:solidFill>
               </a14:hiddenFill>
             </a:ext>
             <a:ext uri="{91240B29-F687-4f45-9708-019B960494DF}">
-              <a14:hiddenLine xmlns="" xmlns:a14="http://schemas.microsoft.com/office/drawing/2010/main" w="9525">
+              <a14:hiddenLine xmlns:a14="http://schemas.microsoft.com/office/drawing/2010/main" xmlns="" w="9525">
                 <a:solidFill>
                   <a:srgbClr val="000000"/>
                 </a:solidFill>
@@ -37176,14 +37114,14 @@
           </a:ln>
           <a:extLst>
             <a:ext uri="{909E8E84-426E-40dd-AFC4-6F175D3DCCD1}">
-              <a14:hiddenFill xmlns="" xmlns:a14="http://schemas.microsoft.com/office/drawing/2010/main">
+              <a14:hiddenFill xmlns:a14="http://schemas.microsoft.com/office/drawing/2010/main" xmlns="">
                 <a:solidFill>
                   <a:srgbClr val="FFFFFF"/>
                 </a:solidFill>
               </a14:hiddenFill>
             </a:ext>
             <a:ext uri="{91240B29-F687-4f45-9708-019B960494DF}">
-              <a14:hiddenLine xmlns="" xmlns:a14="http://schemas.microsoft.com/office/drawing/2010/main" w="9525">
+              <a14:hiddenLine xmlns:a14="http://schemas.microsoft.com/office/drawing/2010/main" xmlns="" w="9525">
                 <a:solidFill>
                   <a:srgbClr val="000000"/>
                 </a:solidFill>
@@ -38610,14 +38548,14 @@
           </a:ln>
           <a:extLst>
             <a:ext uri="{909E8E84-426E-40dd-AFC4-6F175D3DCCD1}">
-              <a14:hiddenFill xmlns="" xmlns:a14="http://schemas.microsoft.com/office/drawing/2010/main">
+              <a14:hiddenFill xmlns:a14="http://schemas.microsoft.com/office/drawing/2010/main" xmlns="">
                 <a:solidFill>
                   <a:srgbClr val="FFFFFF"/>
                 </a:solidFill>
               </a14:hiddenFill>
             </a:ext>
             <a:ext uri="{91240B29-F687-4f45-9708-019B960494DF}">
-              <a14:hiddenLine xmlns="" xmlns:a14="http://schemas.microsoft.com/office/drawing/2010/main" w="9525">
+              <a14:hiddenLine xmlns:a14="http://schemas.microsoft.com/office/drawing/2010/main" xmlns="" w="9525">
                 <a:solidFill>
                   <a:srgbClr val="000000"/>
                 </a:solidFill>
@@ -39088,14 +39026,14 @@
           </a:ln>
           <a:extLst>
             <a:ext uri="{909E8E84-426E-40dd-AFC4-6F175D3DCCD1}">
-              <a14:hiddenFill xmlns="" xmlns:a14="http://schemas.microsoft.com/office/drawing/2010/main">
+              <a14:hiddenFill xmlns:a14="http://schemas.microsoft.com/office/drawing/2010/main" xmlns="">
                 <a:solidFill>
                   <a:srgbClr val="FFFFFF"/>
                 </a:solidFill>
               </a14:hiddenFill>
             </a:ext>
             <a:ext uri="{91240B29-F687-4f45-9708-019B960494DF}">
-              <a14:hiddenLine xmlns="" xmlns:a14="http://schemas.microsoft.com/office/drawing/2010/main" w="9525">
+              <a14:hiddenLine xmlns:a14="http://schemas.microsoft.com/office/drawing/2010/main" xmlns="" w="9525">
                 <a:solidFill>
                   <a:srgbClr val="000000"/>
                 </a:solidFill>
@@ -39142,14 +39080,14 @@
           </a:ln>
           <a:extLst>
             <a:ext uri="{909E8E84-426E-40dd-AFC4-6F175D3DCCD1}">
-              <a14:hiddenFill xmlns="" xmlns:a14="http://schemas.microsoft.com/office/drawing/2010/main">
+              <a14:hiddenFill xmlns:a14="http://schemas.microsoft.com/office/drawing/2010/main" xmlns="">
                 <a:solidFill>
                   <a:srgbClr val="FFFFFF"/>
                 </a:solidFill>
               </a14:hiddenFill>
             </a:ext>
             <a:ext uri="{91240B29-F687-4f45-9708-019B960494DF}">
-              <a14:hiddenLine xmlns="" xmlns:a14="http://schemas.microsoft.com/office/drawing/2010/main" w="9525">
+              <a14:hiddenLine xmlns:a14="http://schemas.microsoft.com/office/drawing/2010/main" xmlns="" w="9525">
                 <a:solidFill>
                   <a:srgbClr val="000000"/>
                 </a:solidFill>
@@ -39196,14 +39134,14 @@
           </a:ln>
           <a:extLst>
             <a:ext uri="{909E8E84-426E-40dd-AFC4-6F175D3DCCD1}">
-              <a14:hiddenFill xmlns="" xmlns:a14="http://schemas.microsoft.com/office/drawing/2010/main">
+              <a14:hiddenFill xmlns:a14="http://schemas.microsoft.com/office/drawing/2010/main" xmlns="">
                 <a:solidFill>
                   <a:srgbClr val="FFFFFF"/>
                 </a:solidFill>
               </a14:hiddenFill>
             </a:ext>
             <a:ext uri="{91240B29-F687-4f45-9708-019B960494DF}">
-              <a14:hiddenLine xmlns="" xmlns:a14="http://schemas.microsoft.com/office/drawing/2010/main" w="9525">
+              <a14:hiddenLine xmlns:a14="http://schemas.microsoft.com/office/drawing/2010/main" xmlns="" w="9525">
                 <a:solidFill>
                   <a:srgbClr val="000000"/>
                 </a:solidFill>
@@ -39250,14 +39188,14 @@
           </a:ln>
           <a:extLst>
             <a:ext uri="{909E8E84-426E-40dd-AFC4-6F175D3DCCD1}">
-              <a14:hiddenFill xmlns="" xmlns:a14="http://schemas.microsoft.com/office/drawing/2010/main">
+              <a14:hiddenFill xmlns:a14="http://schemas.microsoft.com/office/drawing/2010/main" xmlns="">
                 <a:solidFill>
                   <a:srgbClr val="FFFFFF"/>
                 </a:solidFill>
               </a14:hiddenFill>
             </a:ext>
             <a:ext uri="{91240B29-F687-4f45-9708-019B960494DF}">
-              <a14:hiddenLine xmlns="" xmlns:a14="http://schemas.microsoft.com/office/drawing/2010/main" w="9525">
+              <a14:hiddenLine xmlns:a14="http://schemas.microsoft.com/office/drawing/2010/main" xmlns="" w="9525">
                 <a:solidFill>
                   <a:srgbClr val="000000"/>
                 </a:solidFill>
@@ -39304,14 +39242,14 @@
           </a:ln>
           <a:extLst>
             <a:ext uri="{909E8E84-426E-40dd-AFC4-6F175D3DCCD1}">
-              <a14:hiddenFill xmlns="" xmlns:a14="http://schemas.microsoft.com/office/drawing/2010/main">
+              <a14:hiddenFill xmlns:a14="http://schemas.microsoft.com/office/drawing/2010/main" xmlns="">
                 <a:solidFill>
                   <a:srgbClr val="FFFFFF"/>
                 </a:solidFill>
               </a14:hiddenFill>
             </a:ext>
             <a:ext uri="{91240B29-F687-4f45-9708-019B960494DF}">
-              <a14:hiddenLine xmlns="" xmlns:a14="http://schemas.microsoft.com/office/drawing/2010/main" w="9525">
+              <a14:hiddenLine xmlns:a14="http://schemas.microsoft.com/office/drawing/2010/main" xmlns="" w="9525">
                 <a:solidFill>
                   <a:srgbClr val="000000"/>
                 </a:solidFill>
@@ -39358,14 +39296,14 @@
           </a:ln>
           <a:extLst>
             <a:ext uri="{909E8E84-426E-40dd-AFC4-6F175D3DCCD1}">
-              <a14:hiddenFill xmlns="" xmlns:a14="http://schemas.microsoft.com/office/drawing/2010/main">
+              <a14:hiddenFill xmlns:a14="http://schemas.microsoft.com/office/drawing/2010/main" xmlns="">
                 <a:solidFill>
                   <a:srgbClr val="FFFFFF"/>
                 </a:solidFill>
               </a14:hiddenFill>
             </a:ext>
             <a:ext uri="{91240B29-F687-4f45-9708-019B960494DF}">
-              <a14:hiddenLine xmlns="" xmlns:a14="http://schemas.microsoft.com/office/drawing/2010/main" w="9525">
+              <a14:hiddenLine xmlns:a14="http://schemas.microsoft.com/office/drawing/2010/main" xmlns="" w="9525">
                 <a:solidFill>
                   <a:srgbClr val="000000"/>
                 </a:solidFill>
@@ -39412,14 +39350,14 @@
           </a:ln>
           <a:extLst>
             <a:ext uri="{909E8E84-426E-40dd-AFC4-6F175D3DCCD1}">
-              <a14:hiddenFill xmlns="" xmlns:a14="http://schemas.microsoft.com/office/drawing/2010/main">
+              <a14:hiddenFill xmlns:a14="http://schemas.microsoft.com/office/drawing/2010/main" xmlns="">
                 <a:solidFill>
                   <a:srgbClr val="FFFFFF"/>
                 </a:solidFill>
               </a14:hiddenFill>
             </a:ext>
             <a:ext uri="{91240B29-F687-4f45-9708-019B960494DF}">
-              <a14:hiddenLine xmlns="" xmlns:a14="http://schemas.microsoft.com/office/drawing/2010/main" w="9525">
+              <a14:hiddenLine xmlns:a14="http://schemas.microsoft.com/office/drawing/2010/main" xmlns="" w="9525">
                 <a:solidFill>
                   <a:srgbClr val="000000"/>
                 </a:solidFill>
@@ -42171,14 +42109,14 @@
           </a:ln>
           <a:extLst>
             <a:ext uri="{909E8E84-426E-40dd-AFC4-6F175D3DCCD1}">
-              <a14:hiddenFill xmlns="" xmlns:a14="http://schemas.microsoft.com/office/drawing/2010/main">
+              <a14:hiddenFill xmlns:a14="http://schemas.microsoft.com/office/drawing/2010/main" xmlns="">
                 <a:solidFill>
                   <a:srgbClr val="FFFFFF"/>
                 </a:solidFill>
               </a14:hiddenFill>
             </a:ext>
             <a:ext uri="{91240B29-F687-4f45-9708-019B960494DF}">
-              <a14:hiddenLine xmlns="" xmlns:a14="http://schemas.microsoft.com/office/drawing/2010/main" w="9525">
+              <a14:hiddenLine xmlns:a14="http://schemas.microsoft.com/office/drawing/2010/main" xmlns="" w="9525">
                 <a:solidFill>
                   <a:srgbClr val="000000"/>
                 </a:solidFill>
@@ -42225,14 +42163,14 @@
           </a:ln>
           <a:extLst>
             <a:ext uri="{909E8E84-426E-40dd-AFC4-6F175D3DCCD1}">
-              <a14:hiddenFill xmlns="" xmlns:a14="http://schemas.microsoft.com/office/drawing/2010/main">
+              <a14:hiddenFill xmlns:a14="http://schemas.microsoft.com/office/drawing/2010/main" xmlns="">
                 <a:solidFill>
                   <a:srgbClr val="FFFFFF"/>
                 </a:solidFill>
               </a14:hiddenFill>
             </a:ext>
             <a:ext uri="{91240B29-F687-4f45-9708-019B960494DF}">
-              <a14:hiddenLine xmlns="" xmlns:a14="http://schemas.microsoft.com/office/drawing/2010/main" w="9525">
+              <a14:hiddenLine xmlns:a14="http://schemas.microsoft.com/office/drawing/2010/main" xmlns="" w="9525">
                 <a:solidFill>
                   <a:srgbClr val="000000"/>
                 </a:solidFill>
@@ -42279,14 +42217,14 @@
           </a:ln>
           <a:extLst>
             <a:ext uri="{909E8E84-426E-40dd-AFC4-6F175D3DCCD1}">
-              <a14:hiddenFill xmlns="" xmlns:a14="http://schemas.microsoft.com/office/drawing/2010/main">
+              <a14:hiddenFill xmlns:a14="http://schemas.microsoft.com/office/drawing/2010/main" xmlns="">
                 <a:solidFill>
                   <a:srgbClr val="FFFFFF"/>
                 </a:solidFill>
               </a14:hiddenFill>
             </a:ext>
             <a:ext uri="{91240B29-F687-4f45-9708-019B960494DF}">
-              <a14:hiddenLine xmlns="" xmlns:a14="http://schemas.microsoft.com/office/drawing/2010/main" w="9525">
+              <a14:hiddenLine xmlns:a14="http://schemas.microsoft.com/office/drawing/2010/main" xmlns="" w="9525">
                 <a:solidFill>
                   <a:srgbClr val="000000"/>
                 </a:solidFill>
@@ -42333,14 +42271,14 @@
           </a:ln>
           <a:extLst>
             <a:ext uri="{909E8E84-426E-40dd-AFC4-6F175D3DCCD1}">
-              <a14:hiddenFill xmlns="" xmlns:a14="http://schemas.microsoft.com/office/drawing/2010/main">
+              <a14:hiddenFill xmlns:a14="http://schemas.microsoft.com/office/drawing/2010/main" xmlns="">
                 <a:solidFill>
                   <a:srgbClr val="FFFFFF"/>
                 </a:solidFill>
               </a14:hiddenFill>
             </a:ext>
             <a:ext uri="{91240B29-F687-4f45-9708-019B960494DF}">
-              <a14:hiddenLine xmlns="" xmlns:a14="http://schemas.microsoft.com/office/drawing/2010/main" w="9525">
+              <a14:hiddenLine xmlns:a14="http://schemas.microsoft.com/office/drawing/2010/main" xmlns="" w="9525">
                 <a:solidFill>
                   <a:srgbClr val="000000"/>
                 </a:solidFill>
@@ -43480,7 +43418,7 @@
           <a:graphicData uri="http://schemas.openxmlformats.org/presentationml/2006/ole">
             <mc:AlternateContent xmlns:mc="http://schemas.openxmlformats.org/markup-compatibility/2006">
               <mc:Choice xmlns:v="urn:schemas-microsoft-com:vml" Requires="v">
-                <p:oleObj spid="_x0000_s1668" name="Equation" r:id="rId4" imgW="3263900" imgH="660400" progId="Equation.3">
+                <p:oleObj spid="_x0000_s1669" name="Equation" r:id="rId4" imgW="3263900" imgH="660400" progId="Equation.3">
                   <p:embed/>
                 </p:oleObj>
               </mc:Choice>
@@ -43833,14 +43771,14 @@
           </a:ln>
           <a:extLst>
             <a:ext uri="{909E8E84-426E-40dd-AFC4-6F175D3DCCD1}">
-              <a14:hiddenFill xmlns="" xmlns:a14="http://schemas.microsoft.com/office/drawing/2010/main">
+              <a14:hiddenFill xmlns:a14="http://schemas.microsoft.com/office/drawing/2010/main" xmlns="">
                 <a:solidFill>
                   <a:srgbClr val="FFFFFF"/>
                 </a:solidFill>
               </a14:hiddenFill>
             </a:ext>
             <a:ext uri="{91240B29-F687-4f45-9708-019B960494DF}">
-              <a14:hiddenLine xmlns="" xmlns:a14="http://schemas.microsoft.com/office/drawing/2010/main" w="9525">
+              <a14:hiddenLine xmlns:a14="http://schemas.microsoft.com/office/drawing/2010/main" xmlns="" w="9525">
                 <a:solidFill>
                   <a:srgbClr val="000000"/>
                 </a:solidFill>
